--- a/seminars/NCC-docker-14-07-2021/slides.pptx
+++ b/seminars/NCC-docker-14-07-2021/slides.pptx
@@ -5,29 +5,31 @@
     <p:sldMasterId id="2147483648" r:id="rId1"/>
   </p:sldMasterIdLst>
   <p:notesMasterIdLst>
-    <p:notesMasterId r:id="rId22"/>
+    <p:notesMasterId r:id="rId24"/>
   </p:notesMasterIdLst>
   <p:sldIdLst>
     <p:sldId id="257" r:id="rId2"/>
-    <p:sldId id="324" r:id="rId3"/>
-    <p:sldId id="308" r:id="rId4"/>
-    <p:sldId id="305" r:id="rId5"/>
-    <p:sldId id="326" r:id="rId6"/>
-    <p:sldId id="327" r:id="rId7"/>
-    <p:sldId id="306" r:id="rId8"/>
-    <p:sldId id="329" r:id="rId9"/>
-    <p:sldId id="325" r:id="rId10"/>
-    <p:sldId id="328" r:id="rId11"/>
-    <p:sldId id="330" r:id="rId12"/>
-    <p:sldId id="332" r:id="rId13"/>
-    <p:sldId id="333" r:id="rId14"/>
-    <p:sldId id="335" r:id="rId15"/>
-    <p:sldId id="309" r:id="rId16"/>
-    <p:sldId id="314" r:id="rId17"/>
-    <p:sldId id="304" r:id="rId18"/>
-    <p:sldId id="336" r:id="rId19"/>
-    <p:sldId id="334" r:id="rId20"/>
-    <p:sldId id="313" r:id="rId21"/>
+    <p:sldId id="338" r:id="rId3"/>
+    <p:sldId id="324" r:id="rId4"/>
+    <p:sldId id="308" r:id="rId5"/>
+    <p:sldId id="305" r:id="rId6"/>
+    <p:sldId id="326" r:id="rId7"/>
+    <p:sldId id="327" r:id="rId8"/>
+    <p:sldId id="306" r:id="rId9"/>
+    <p:sldId id="329" r:id="rId10"/>
+    <p:sldId id="325" r:id="rId11"/>
+    <p:sldId id="328" r:id="rId12"/>
+    <p:sldId id="330" r:id="rId13"/>
+    <p:sldId id="332" r:id="rId14"/>
+    <p:sldId id="337" r:id="rId15"/>
+    <p:sldId id="333" r:id="rId16"/>
+    <p:sldId id="335" r:id="rId17"/>
+    <p:sldId id="309" r:id="rId18"/>
+    <p:sldId id="314" r:id="rId19"/>
+    <p:sldId id="304" r:id="rId20"/>
+    <p:sldId id="336" r:id="rId21"/>
+    <p:sldId id="334" r:id="rId22"/>
+    <p:sldId id="313" r:id="rId23"/>
   </p:sldIdLst>
   <p:sldSz cx="9144000" cy="5143500" type="screen16x9"/>
   <p:notesSz cx="6858000" cy="9144000"/>
@@ -134,6 +136,11 @@
             <p14:sldId id="257"/>
           </p14:sldIdLst>
         </p14:section>
+        <p14:section name="Recap" id="{1F50C7DC-25E9-41B7-8FDA-AF6F121D3876}">
+          <p14:sldIdLst>
+            <p14:sldId id="338"/>
+          </p14:sldIdLst>
+        </p14:section>
         <p14:section name="Rationale" id="{BA212407-2AAE-463D-8431-B4A689FBF4FE}">
           <p14:sldIdLst>
             <p14:sldId id="324"/>
@@ -155,6 +162,7 @@
         </p14:section>
         <p14:section name="Demo" id="{2E44D1C8-2CF4-4DF6-81AB-97946F738288}">
           <p14:sldIdLst>
+            <p14:sldId id="337"/>
             <p14:sldId id="333"/>
             <p14:sldId id="335"/>
           </p14:sldIdLst>
@@ -287,7 +295,7 @@
           <a:p>
             <a:fld id="{EE53EDDD-3DA3-4AAC-95AA-050495F7F225}" type="datetimeFigureOut">
               <a:rPr lang="en-AU" smtClean="0"/>
-              <a:t>12/07/2021</a:t>
+              <a:t>16/08/2021</a:t>
             </a:fld>
             <a:endParaRPr lang="en-AU"/>
           </a:p>
@@ -620,7 +628,7 @@
           <a:p>
             <a:fld id="{74D4E95D-E11A-4D61-AA35-B3ECB22C38A2}" type="slidenum">
               <a:rPr lang="en-AU" smtClean="0"/>
-              <a:t>10</a:t>
+              <a:t>11</a:t>
             </a:fld>
             <a:endParaRPr lang="en-AU"/>
           </a:p>
@@ -704,7 +712,7 @@
           <a:p>
             <a:fld id="{74D4E95D-E11A-4D61-AA35-B3ECB22C38A2}" type="slidenum">
               <a:rPr lang="en-AU" smtClean="0"/>
-              <a:t>15</a:t>
+              <a:t>17</a:t>
             </a:fld>
             <a:endParaRPr lang="en-AU"/>
           </a:p>
@@ -905,7 +913,7 @@
             <a:fld id="{1D8BD707-D9CF-40AE-B4C6-C98DA3205C09}" type="datetimeFigureOut">
               <a:rPr lang="en-US" smtClean="0"/>
               <a:pPr/>
-              <a:t>7/12/2021</a:t>
+              <a:t>8/16/2021</a:t>
             </a:fld>
             <a:endParaRPr lang="en-US"/>
           </a:p>
@@ -1079,7 +1087,7 @@
             <a:fld id="{1D8BD707-D9CF-40AE-B4C6-C98DA3205C09}" type="datetimeFigureOut">
               <a:rPr lang="en-US" smtClean="0"/>
               <a:pPr/>
-              <a:t>7/12/2021</a:t>
+              <a:t>8/16/2021</a:t>
             </a:fld>
             <a:endParaRPr lang="en-US"/>
           </a:p>
@@ -1263,7 +1271,7 @@
             <a:fld id="{1D8BD707-D9CF-40AE-B4C6-C98DA3205C09}" type="datetimeFigureOut">
               <a:rPr lang="en-US" smtClean="0"/>
               <a:pPr/>
-              <a:t>7/12/2021</a:t>
+              <a:t>8/16/2021</a:t>
             </a:fld>
             <a:endParaRPr lang="en-US"/>
           </a:p>
@@ -1437,7 +1445,7 @@
             <a:fld id="{1D8BD707-D9CF-40AE-B4C6-C98DA3205C09}" type="datetimeFigureOut">
               <a:rPr lang="en-US" smtClean="0"/>
               <a:pPr/>
-              <a:t>7/12/2021</a:t>
+              <a:t>8/16/2021</a:t>
             </a:fld>
             <a:endParaRPr lang="en-US"/>
           </a:p>
@@ -1687,7 +1695,7 @@
             <a:fld id="{1D8BD707-D9CF-40AE-B4C6-C98DA3205C09}" type="datetimeFigureOut">
               <a:rPr lang="en-US" smtClean="0"/>
               <a:pPr/>
-              <a:t>7/12/2021</a:t>
+              <a:t>8/16/2021</a:t>
             </a:fld>
             <a:endParaRPr lang="en-US"/>
           </a:p>
@@ -1979,7 +1987,7 @@
             <a:fld id="{1D8BD707-D9CF-40AE-B4C6-C98DA3205C09}" type="datetimeFigureOut">
               <a:rPr lang="en-US" smtClean="0"/>
               <a:pPr/>
-              <a:t>7/12/2021</a:t>
+              <a:t>8/16/2021</a:t>
             </a:fld>
             <a:endParaRPr lang="en-US"/>
           </a:p>
@@ -2405,7 +2413,7 @@
             <a:fld id="{1D8BD707-D9CF-40AE-B4C6-C98DA3205C09}" type="datetimeFigureOut">
               <a:rPr lang="en-US" smtClean="0"/>
               <a:pPr/>
-              <a:t>7/12/2021</a:t>
+              <a:t>8/16/2021</a:t>
             </a:fld>
             <a:endParaRPr lang="en-US"/>
           </a:p>
@@ -2527,7 +2535,7 @@
             <a:fld id="{1D8BD707-D9CF-40AE-B4C6-C98DA3205C09}" type="datetimeFigureOut">
               <a:rPr lang="en-US" smtClean="0"/>
               <a:pPr/>
-              <a:t>7/12/2021</a:t>
+              <a:t>8/16/2021</a:t>
             </a:fld>
             <a:endParaRPr lang="en-US"/>
           </a:p>
@@ -2626,7 +2634,7 @@
             <a:fld id="{1D8BD707-D9CF-40AE-B4C6-C98DA3205C09}" type="datetimeFigureOut">
               <a:rPr lang="en-US" smtClean="0"/>
               <a:pPr/>
-              <a:t>7/12/2021</a:t>
+              <a:t>8/16/2021</a:t>
             </a:fld>
             <a:endParaRPr lang="en-US"/>
           </a:p>
@@ -2907,7 +2915,7 @@
             <a:fld id="{1D8BD707-D9CF-40AE-B4C6-C98DA3205C09}" type="datetimeFigureOut">
               <a:rPr lang="en-US" smtClean="0"/>
               <a:pPr/>
-              <a:t>7/12/2021</a:t>
+              <a:t>8/16/2021</a:t>
             </a:fld>
             <a:endParaRPr lang="en-US"/>
           </a:p>
@@ -3164,7 +3172,7 @@
             <a:fld id="{1D8BD707-D9CF-40AE-B4C6-C98DA3205C09}" type="datetimeFigureOut">
               <a:rPr lang="en-US" smtClean="0"/>
               <a:pPr/>
-              <a:t>7/12/2021</a:t>
+              <a:t>8/16/2021</a:t>
             </a:fld>
             <a:endParaRPr lang="en-US"/>
           </a:p>
@@ -3381,7 +3389,7 @@
             <a:fld id="{1D8BD707-D9CF-40AE-B4C6-C98DA3205C09}" type="datetimeFigureOut">
               <a:rPr lang="en-US" smtClean="0"/>
               <a:pPr/>
-              <a:t>7/12/2021</a:t>
+              <a:t>8/16/2021</a:t>
             </a:fld>
             <a:endParaRPr lang="en-US"/>
           </a:p>
@@ -4020,6 +4028,959 @@
           <a:chExt cx="0" cy="0"/>
         </a:xfrm>
       </p:grpSpPr>
+      <p:sp>
+        <p:nvSpPr>
+          <p:cNvPr id="7" name="Title 1"/>
+          <p:cNvSpPr>
+            <a:spLocks noGrp="1"/>
+          </p:cNvSpPr>
+          <p:nvPr>
+            <p:ph type="title"/>
+          </p:nvPr>
+        </p:nvSpPr>
+        <p:spPr>
+          <a:xfrm>
+            <a:off x="471024" y="92597"/>
+            <a:ext cx="8229600" cy="652130"/>
+          </a:xfrm>
+        </p:spPr>
+        <p:txBody>
+          <a:bodyPr>
+            <a:normAutofit fontScale="90000"/>
+          </a:bodyPr>
+          <a:lstStyle/>
+          <a:p>
+            <a:r>
+              <a:rPr lang="en-AU" dirty="0" smtClean="0"/>
+              <a:t>We want to get the app online</a:t>
+            </a:r>
+            <a:endParaRPr lang="en-AU" dirty="0"/>
+          </a:p>
+        </p:txBody>
+      </p:sp>
+      <p:grpSp>
+        <p:nvGrpSpPr>
+          <p:cNvPr id="17" name="Group 16"/>
+          <p:cNvGrpSpPr/>
+          <p:nvPr/>
+        </p:nvGrpSpPr>
+        <p:grpSpPr>
+          <a:xfrm>
+            <a:off x="180676" y="924560"/>
+            <a:ext cx="8782648" cy="4078095"/>
+            <a:chOff x="152401" y="924560"/>
+            <a:chExt cx="8782648" cy="4078095"/>
+          </a:xfrm>
+        </p:grpSpPr>
+        <p:sp>
+          <p:nvSpPr>
+            <p:cNvPr id="18" name="Rectangle 17"/>
+            <p:cNvSpPr/>
+            <p:nvPr/>
+          </p:nvSpPr>
+          <p:spPr>
+            <a:xfrm>
+              <a:off x="152401" y="924560"/>
+              <a:ext cx="8782648" cy="4078095"/>
+            </a:xfrm>
+            <a:prstGeom prst="rect">
+              <a:avLst/>
+            </a:prstGeom>
+            <a:solidFill>
+              <a:schemeClr val="tx1"/>
+            </a:solidFill>
+            <a:ln>
+              <a:noFill/>
+            </a:ln>
+          </p:spPr>
+          <p:style>
+            <a:lnRef idx="2">
+              <a:schemeClr val="accent1">
+                <a:shade val="50000"/>
+              </a:schemeClr>
+            </a:lnRef>
+            <a:fillRef idx="1">
+              <a:schemeClr val="accent1"/>
+            </a:fillRef>
+            <a:effectRef idx="0">
+              <a:schemeClr val="accent1"/>
+            </a:effectRef>
+            <a:fontRef idx="minor">
+              <a:schemeClr val="lt1"/>
+            </a:fontRef>
+          </p:style>
+          <p:txBody>
+            <a:bodyPr rtlCol="0" anchor="ctr"/>
+            <a:lstStyle/>
+            <a:p>
+              <a:pPr algn="ctr"/>
+              <a:endParaRPr lang="en-AU"/>
+            </a:p>
+          </p:txBody>
+        </p:sp>
+        <p:grpSp>
+          <p:nvGrpSpPr>
+            <p:cNvPr id="19" name="Group 18"/>
+            <p:cNvGrpSpPr/>
+            <p:nvPr/>
+          </p:nvGrpSpPr>
+          <p:grpSpPr>
+            <a:xfrm>
+              <a:off x="236599" y="981537"/>
+              <a:ext cx="8698450" cy="4021118"/>
+              <a:chOff x="236599" y="981537"/>
+              <a:chExt cx="8698450" cy="4021118"/>
+            </a:xfrm>
+          </p:grpSpPr>
+          <p:grpSp>
+            <p:nvGrpSpPr>
+              <p:cNvPr id="20" name="Group 19"/>
+              <p:cNvGrpSpPr/>
+              <p:nvPr/>
+            </p:nvGrpSpPr>
+            <p:grpSpPr>
+              <a:xfrm>
+                <a:off x="236599" y="1006997"/>
+                <a:ext cx="8698450" cy="3995658"/>
+                <a:chOff x="236599" y="1006997"/>
+                <a:chExt cx="8698450" cy="3995658"/>
+              </a:xfrm>
+            </p:grpSpPr>
+            <p:pic>
+              <p:nvPicPr>
+                <p:cNvPr id="24" name="Picture 2" descr="https://pointful.github.io/docker-intro/docker-img/the-challenge.png"/>
+                <p:cNvPicPr>
+                  <a:picLocks noChangeAspect="1" noChangeArrowheads="1"/>
+                </p:cNvPicPr>
+                <p:nvPr/>
+              </p:nvPicPr>
+              <p:blipFill>
+                <a:blip r:embed="rId2">
+                  <a:extLst>
+                    <a:ext uri="{28A0092B-C50C-407E-A947-70E740481C1C}">
+                      <a14:useLocalDpi xmlns:a14="http://schemas.microsoft.com/office/drawing/2010/main" val="0"/>
+                    </a:ext>
+                  </a:extLst>
+                </a:blip>
+                <a:srcRect/>
+                <a:stretch>
+                  <a:fillRect/>
+                </a:stretch>
+              </p:blipFill>
+              <p:spPr bwMode="auto">
+                <a:xfrm>
+                  <a:off x="236599" y="1006997"/>
+                  <a:ext cx="8698450" cy="3995658"/>
+                </a:xfrm>
+                <a:prstGeom prst="rect">
+                  <a:avLst/>
+                </a:prstGeom>
+                <a:noFill/>
+                <a:extLst>
+                  <a:ext uri="{909E8E84-426E-40DD-AFC4-6F175D3DCCD1}">
+                    <a14:hiddenFill xmlns:a14="http://schemas.microsoft.com/office/drawing/2010/main">
+                      <a:solidFill>
+                        <a:srgbClr val="FFFFFF"/>
+                      </a:solidFill>
+                    </a14:hiddenFill>
+                  </a:ext>
+                </a:extLst>
+              </p:spPr>
+            </p:pic>
+            <p:sp>
+              <p:nvSpPr>
+                <p:cNvPr id="25" name="Rectangle 24"/>
+                <p:cNvSpPr/>
+                <p:nvPr/>
+              </p:nvSpPr>
+              <p:spPr>
+                <a:xfrm>
+                  <a:off x="5083662" y="1080071"/>
+                  <a:ext cx="2775185" cy="751345"/>
+                </a:xfrm>
+                <a:prstGeom prst="rect">
+                  <a:avLst/>
+                </a:prstGeom>
+                <a:solidFill>
+                  <a:srgbClr val="FFFFFF"/>
+                </a:solidFill>
+                <a:ln>
+                  <a:solidFill>
+                    <a:schemeClr val="tx1"/>
+                  </a:solidFill>
+                </a:ln>
+              </p:spPr>
+              <p:style>
+                <a:lnRef idx="2">
+                  <a:schemeClr val="accent1">
+                    <a:shade val="50000"/>
+                  </a:schemeClr>
+                </a:lnRef>
+                <a:fillRef idx="1">
+                  <a:schemeClr val="accent1"/>
+                </a:fillRef>
+                <a:effectRef idx="0">
+                  <a:schemeClr val="accent1"/>
+                </a:effectRef>
+                <a:fontRef idx="minor">
+                  <a:schemeClr val="lt1"/>
+                </a:fontRef>
+              </p:style>
+              <p:txBody>
+                <a:bodyPr rtlCol="0" anchor="ctr"/>
+                <a:lstStyle/>
+                <a:p>
+                  <a:pPr algn="ctr"/>
+                  <a:endParaRPr lang="en-AU"/>
+                </a:p>
+              </p:txBody>
+            </p:sp>
+          </p:grpSp>
+          <p:grpSp>
+            <p:nvGrpSpPr>
+              <p:cNvPr id="21" name="Group 20"/>
+              <p:cNvGrpSpPr/>
+              <p:nvPr/>
+            </p:nvGrpSpPr>
+            <p:grpSpPr>
+              <a:xfrm>
+                <a:off x="5046921" y="981537"/>
+                <a:ext cx="1725381" cy="711200"/>
+                <a:chOff x="8315568" y="826125"/>
+                <a:chExt cx="1725381" cy="711200"/>
+              </a:xfrm>
+            </p:grpSpPr>
+            <p:pic>
+              <p:nvPicPr>
+                <p:cNvPr id="22" name="Picture 2" descr="https://pointful.github.io/docker-intro/docker-img/the-challenge.png"/>
+                <p:cNvPicPr>
+                  <a:picLocks noChangeAspect="1" noChangeArrowheads="1"/>
+                </p:cNvPicPr>
+                <p:nvPr/>
+              </p:nvPicPr>
+              <p:blipFill rotWithShape="1">
+                <a:blip r:embed="rId2">
+                  <a:extLst>
+                    <a:ext uri="{28A0092B-C50C-407E-A947-70E740481C1C}">
+                      <a14:useLocalDpi xmlns:a14="http://schemas.microsoft.com/office/drawing/2010/main" val="0"/>
+                    </a:ext>
+                  </a:extLst>
+                </a:blip>
+                <a:srcRect l="68511" t="3335" r="11655" b="78866"/>
+                <a:stretch/>
+              </p:blipFill>
+              <p:spPr bwMode="auto">
+                <a:xfrm>
+                  <a:off x="8315568" y="826125"/>
+                  <a:ext cx="1725381" cy="711200"/>
+                </a:xfrm>
+                <a:prstGeom prst="rect">
+                  <a:avLst/>
+                </a:prstGeom>
+                <a:noFill/>
+                <a:extLst>
+                  <a:ext uri="{909E8E84-426E-40DD-AFC4-6F175D3DCCD1}">
+                    <a14:hiddenFill xmlns:a14="http://schemas.microsoft.com/office/drawing/2010/main">
+                      <a:solidFill>
+                        <a:srgbClr val="FFFFFF"/>
+                      </a:solidFill>
+                    </a14:hiddenFill>
+                  </a:ext>
+                </a:extLst>
+              </p:spPr>
+            </p:pic>
+            <p:sp>
+              <p:nvSpPr>
+                <p:cNvPr id="23" name="Rectangle 22"/>
+                <p:cNvSpPr/>
+                <p:nvPr/>
+              </p:nvSpPr>
+              <p:spPr>
+                <a:xfrm>
+                  <a:off x="8329862" y="1244168"/>
+                  <a:ext cx="236046" cy="283356"/>
+                </a:xfrm>
+                <a:prstGeom prst="rect">
+                  <a:avLst/>
+                </a:prstGeom>
+                <a:solidFill>
+                  <a:srgbClr val="FFFFFF"/>
+                </a:solidFill>
+                <a:ln>
+                  <a:solidFill>
+                    <a:schemeClr val="tx1"/>
+                  </a:solidFill>
+                </a:ln>
+              </p:spPr>
+              <p:style>
+                <a:lnRef idx="2">
+                  <a:schemeClr val="accent1">
+                    <a:shade val="50000"/>
+                  </a:schemeClr>
+                </a:lnRef>
+                <a:fillRef idx="1">
+                  <a:schemeClr val="accent1"/>
+                </a:fillRef>
+                <a:effectRef idx="0">
+                  <a:schemeClr val="accent1"/>
+                </a:effectRef>
+                <a:fontRef idx="minor">
+                  <a:schemeClr val="lt1"/>
+                </a:fontRef>
+              </p:style>
+              <p:txBody>
+                <a:bodyPr rtlCol="0" anchor="ctr"/>
+                <a:lstStyle/>
+                <a:p>
+                  <a:pPr algn="ctr"/>
+                  <a:endParaRPr lang="en-AU"/>
+                </a:p>
+              </p:txBody>
+            </p:sp>
+          </p:grpSp>
+        </p:grpSp>
+      </p:grpSp>
+      <p:sp>
+        <p:nvSpPr>
+          <p:cNvPr id="2" name="Oval 1"/>
+          <p:cNvSpPr/>
+          <p:nvPr/>
+        </p:nvSpPr>
+        <p:spPr>
+          <a:xfrm>
+            <a:off x="5939977" y="4295553"/>
+            <a:ext cx="2013098" cy="474921"/>
+          </a:xfrm>
+          <a:prstGeom prst="ellipse">
+            <a:avLst/>
+          </a:prstGeom>
+          <a:noFill/>
+          <a:ln>
+            <a:solidFill>
+              <a:srgbClr val="FF0000"/>
+            </a:solidFill>
+          </a:ln>
+        </p:spPr>
+        <p:style>
+          <a:lnRef idx="2">
+            <a:schemeClr val="accent1">
+              <a:shade val="50000"/>
+            </a:schemeClr>
+          </a:lnRef>
+          <a:fillRef idx="1">
+            <a:schemeClr val="accent1"/>
+          </a:fillRef>
+          <a:effectRef idx="0">
+            <a:schemeClr val="accent1"/>
+          </a:effectRef>
+          <a:fontRef idx="minor">
+            <a:schemeClr val="lt1"/>
+          </a:fontRef>
+        </p:style>
+        <p:txBody>
+          <a:bodyPr rtlCol="0" anchor="ctr"/>
+          <a:lstStyle/>
+          <a:p>
+            <a:pPr algn="ctr"/>
+            <a:endParaRPr lang="en-AU"/>
+          </a:p>
+        </p:txBody>
+      </p:sp>
+      <p:sp>
+        <p:nvSpPr>
+          <p:cNvPr id="6" name="Oval 5"/>
+          <p:cNvSpPr/>
+          <p:nvPr/>
+        </p:nvSpPr>
+        <p:spPr>
+          <a:xfrm>
+            <a:off x="4153708" y="4533012"/>
+            <a:ext cx="1517399" cy="392131"/>
+          </a:xfrm>
+          <a:prstGeom prst="ellipse">
+            <a:avLst/>
+          </a:prstGeom>
+          <a:noFill/>
+          <a:ln>
+            <a:solidFill>
+              <a:srgbClr val="FF0000"/>
+            </a:solidFill>
+          </a:ln>
+        </p:spPr>
+        <p:style>
+          <a:lnRef idx="2">
+            <a:schemeClr val="accent1">
+              <a:shade val="50000"/>
+            </a:schemeClr>
+          </a:lnRef>
+          <a:fillRef idx="1">
+            <a:schemeClr val="accent1"/>
+          </a:fillRef>
+          <a:effectRef idx="0">
+            <a:schemeClr val="accent1"/>
+          </a:effectRef>
+          <a:fontRef idx="minor">
+            <a:schemeClr val="lt1"/>
+          </a:fontRef>
+        </p:style>
+        <p:txBody>
+          <a:bodyPr rtlCol="0" anchor="ctr"/>
+          <a:lstStyle/>
+          <a:p>
+            <a:pPr algn="ctr"/>
+            <a:endParaRPr lang="en-AU"/>
+          </a:p>
+        </p:txBody>
+      </p:sp>
+      <p:pic>
+        <p:nvPicPr>
+          <p:cNvPr id="3" name="Picture 2"/>
+          <p:cNvPicPr>
+            <a:picLocks noChangeAspect="1"/>
+          </p:cNvPicPr>
+          <p:nvPr/>
+        </p:nvPicPr>
+        <p:blipFill>
+          <a:blip r:embed="rId3" cstate="print">
+            <a:extLst>
+              <a:ext uri="{28A0092B-C50C-407E-A947-70E740481C1C}">
+                <a14:useLocalDpi xmlns:a14="http://schemas.microsoft.com/office/drawing/2010/main" val="0"/>
+              </a:ext>
+            </a:extLst>
+          </a:blip>
+          <a:stretch>
+            <a:fillRect/>
+          </a:stretch>
+        </p:blipFill>
+        <p:spPr>
+          <a:xfrm>
+            <a:off x="6453429" y="1686051"/>
+            <a:ext cx="338715" cy="391456"/>
+          </a:xfrm>
+          <a:prstGeom prst="rect">
+            <a:avLst/>
+          </a:prstGeom>
+        </p:spPr>
+      </p:pic>
+      <p:cxnSp>
+        <p:nvCxnSpPr>
+          <p:cNvPr id="5" name="Straight Arrow Connector 4"/>
+          <p:cNvCxnSpPr/>
+          <p:nvPr/>
+        </p:nvCxnSpPr>
+        <p:spPr>
+          <a:xfrm flipV="1">
+            <a:off x="7718671" y="2340532"/>
+            <a:ext cx="27979" cy="1955022"/>
+          </a:xfrm>
+          <a:prstGeom prst="straightConnector1">
+            <a:avLst/>
+          </a:prstGeom>
+          <a:ln w="76200">
+            <a:solidFill>
+              <a:srgbClr val="FF0000"/>
+            </a:solidFill>
+            <a:headEnd type="triangle"/>
+            <a:tailEnd type="triangle"/>
+          </a:ln>
+        </p:spPr>
+        <p:style>
+          <a:lnRef idx="1">
+            <a:schemeClr val="accent1"/>
+          </a:lnRef>
+          <a:fillRef idx="0">
+            <a:schemeClr val="accent1"/>
+          </a:fillRef>
+          <a:effectRef idx="0">
+            <a:schemeClr val="accent1"/>
+          </a:effectRef>
+          <a:fontRef idx="minor">
+            <a:schemeClr val="tx1"/>
+          </a:fontRef>
+        </p:style>
+      </p:cxnSp>
+      <p:cxnSp>
+        <p:nvCxnSpPr>
+          <p:cNvPr id="10" name="Straight Arrow Connector 9"/>
+          <p:cNvCxnSpPr/>
+          <p:nvPr/>
+        </p:nvCxnSpPr>
+        <p:spPr>
+          <a:xfrm flipV="1">
+            <a:off x="5606824" y="2369400"/>
+            <a:ext cx="2055628" cy="2163613"/>
+          </a:xfrm>
+          <a:prstGeom prst="straightConnector1">
+            <a:avLst/>
+          </a:prstGeom>
+          <a:ln w="76200">
+            <a:solidFill>
+              <a:srgbClr val="FF0000"/>
+            </a:solidFill>
+            <a:headEnd type="triangle"/>
+            <a:tailEnd type="triangle"/>
+          </a:ln>
+        </p:spPr>
+        <p:style>
+          <a:lnRef idx="1">
+            <a:schemeClr val="accent1"/>
+          </a:lnRef>
+          <a:fillRef idx="0">
+            <a:schemeClr val="accent1"/>
+          </a:fillRef>
+          <a:effectRef idx="0">
+            <a:schemeClr val="accent1"/>
+          </a:effectRef>
+          <a:fontRef idx="minor">
+            <a:schemeClr val="tx1"/>
+          </a:fontRef>
+        </p:style>
+      </p:cxnSp>
+      <p:cxnSp>
+        <p:nvCxnSpPr>
+          <p:cNvPr id="12" name="Straight Arrow Connector 11"/>
+          <p:cNvCxnSpPr/>
+          <p:nvPr/>
+        </p:nvCxnSpPr>
+        <p:spPr>
+          <a:xfrm flipV="1">
+            <a:off x="5671107" y="4835317"/>
+            <a:ext cx="792922" cy="9420"/>
+          </a:xfrm>
+          <a:prstGeom prst="straightConnector1">
+            <a:avLst/>
+          </a:prstGeom>
+          <a:ln w="76200">
+            <a:solidFill>
+              <a:srgbClr val="FF0000"/>
+            </a:solidFill>
+            <a:headEnd type="triangle"/>
+            <a:tailEnd type="triangle"/>
+          </a:ln>
+        </p:spPr>
+        <p:style>
+          <a:lnRef idx="1">
+            <a:schemeClr val="accent1"/>
+          </a:lnRef>
+          <a:fillRef idx="0">
+            <a:schemeClr val="accent1"/>
+          </a:fillRef>
+          <a:effectRef idx="0">
+            <a:schemeClr val="accent1"/>
+          </a:effectRef>
+          <a:fontRef idx="minor">
+            <a:schemeClr val="tx1"/>
+          </a:fontRef>
+        </p:style>
+      </p:cxnSp>
+      <p:pic>
+        <p:nvPicPr>
+          <p:cNvPr id="32" name="Picture 31"/>
+          <p:cNvPicPr>
+            <a:picLocks noChangeAspect="1"/>
+          </p:cNvPicPr>
+          <p:nvPr/>
+        </p:nvPicPr>
+        <p:blipFill>
+          <a:blip r:embed="rId4" cstate="print">
+            <a:extLst>
+              <a:ext uri="{28A0092B-C50C-407E-A947-70E740481C1C}">
+                <a14:useLocalDpi xmlns:a14="http://schemas.microsoft.com/office/drawing/2010/main" val="0"/>
+              </a:ext>
+            </a:extLst>
+          </a:blip>
+          <a:stretch>
+            <a:fillRect/>
+          </a:stretch>
+        </p:blipFill>
+        <p:spPr>
+          <a:xfrm>
+            <a:off x="5895921" y="2224150"/>
+            <a:ext cx="410482" cy="395431"/>
+          </a:xfrm>
+          <a:prstGeom prst="rect">
+            <a:avLst/>
+          </a:prstGeom>
+        </p:spPr>
+      </p:pic>
+      <p:sp>
+        <p:nvSpPr>
+          <p:cNvPr id="27" name="TextBox 26"/>
+          <p:cNvSpPr txBox="1"/>
+          <p:nvPr/>
+        </p:nvSpPr>
+        <p:spPr>
+          <a:xfrm>
+            <a:off x="6758684" y="1728712"/>
+            <a:ext cx="1442029" cy="276999"/>
+          </a:xfrm>
+          <a:prstGeom prst="rect">
+            <a:avLst/>
+          </a:prstGeom>
+          <a:noFill/>
+        </p:spPr>
+        <p:txBody>
+          <a:bodyPr wrap="square" rtlCol="0">
+            <a:spAutoFit/>
+          </a:bodyPr>
+          <a:lstStyle/>
+          <a:p>
+            <a:r>
+              <a:rPr lang="en-AU" sz="1200" dirty="0" smtClean="0">
+                <a:solidFill>
+                  <a:schemeClr val="bg1"/>
+                </a:solidFill>
+              </a:rPr>
+              <a:t>Where To Work app</a:t>
+            </a:r>
+            <a:endParaRPr lang="en-AU" sz="1200" dirty="0">
+              <a:solidFill>
+                <a:schemeClr val="bg1"/>
+              </a:solidFill>
+            </a:endParaRPr>
+          </a:p>
+        </p:txBody>
+      </p:sp>
+      <p:sp>
+        <p:nvSpPr>
+          <p:cNvPr id="2048" name="TextBox 2047"/>
+          <p:cNvSpPr txBox="1"/>
+          <p:nvPr/>
+        </p:nvSpPr>
+        <p:spPr>
+          <a:xfrm>
+            <a:off x="6830502" y="1918405"/>
+            <a:ext cx="1226019" cy="369332"/>
+          </a:xfrm>
+          <a:prstGeom prst="rect">
+            <a:avLst/>
+          </a:prstGeom>
+          <a:noFill/>
+        </p:spPr>
+        <p:txBody>
+          <a:bodyPr wrap="square" rtlCol="0">
+            <a:spAutoFit/>
+          </a:bodyPr>
+          <a:lstStyle/>
+          <a:p>
+            <a:pPr algn="ctr"/>
+            <a:r>
+              <a:rPr lang="en-AU" sz="900" dirty="0" smtClean="0">
+                <a:solidFill>
+                  <a:schemeClr val="bg1"/>
+                </a:solidFill>
+              </a:rPr>
+              <a:t>R + shiny + </a:t>
+            </a:r>
+            <a:r>
+              <a:rPr lang="en-AU" sz="900" dirty="0" err="1" smtClean="0">
+                <a:solidFill>
+                  <a:schemeClr val="bg1"/>
+                </a:solidFill>
+              </a:rPr>
+              <a:t>cbc</a:t>
+            </a:r>
+            <a:r>
+              <a:rPr lang="en-AU" sz="900" dirty="0" smtClean="0">
+                <a:solidFill>
+                  <a:schemeClr val="bg1"/>
+                </a:solidFill>
+              </a:rPr>
+              <a:t> + </a:t>
+            </a:r>
+          </a:p>
+          <a:p>
+            <a:pPr algn="ctr"/>
+            <a:r>
+              <a:rPr lang="en-AU" sz="900" dirty="0" smtClean="0">
+                <a:solidFill>
+                  <a:schemeClr val="bg1"/>
+                </a:solidFill>
+              </a:rPr>
+              <a:t>&gt;20 R packages </a:t>
+            </a:r>
+            <a:endParaRPr lang="en-AU" sz="900" dirty="0">
+              <a:solidFill>
+                <a:schemeClr val="bg1"/>
+              </a:solidFill>
+            </a:endParaRPr>
+          </a:p>
+        </p:txBody>
+      </p:sp>
+      <p:sp>
+        <p:nvSpPr>
+          <p:cNvPr id="2051" name="Rectangle 2050"/>
+          <p:cNvSpPr/>
+          <p:nvPr/>
+        </p:nvSpPr>
+        <p:spPr>
+          <a:xfrm>
+            <a:off x="6393633" y="1644240"/>
+            <a:ext cx="1747284" cy="660317"/>
+          </a:xfrm>
+          <a:prstGeom prst="rect">
+            <a:avLst/>
+          </a:prstGeom>
+          <a:noFill/>
+          <a:ln>
+            <a:solidFill>
+              <a:srgbClr val="FF0000"/>
+            </a:solidFill>
+          </a:ln>
+        </p:spPr>
+        <p:style>
+          <a:lnRef idx="2">
+            <a:schemeClr val="accent1">
+              <a:shade val="50000"/>
+            </a:schemeClr>
+          </a:lnRef>
+          <a:fillRef idx="1">
+            <a:schemeClr val="accent1"/>
+          </a:fillRef>
+          <a:effectRef idx="0">
+            <a:schemeClr val="accent1"/>
+          </a:effectRef>
+          <a:fontRef idx="minor">
+            <a:schemeClr val="lt1"/>
+          </a:fontRef>
+        </p:style>
+        <p:txBody>
+          <a:bodyPr rtlCol="0" anchor="ctr"/>
+          <a:lstStyle/>
+          <a:p>
+            <a:pPr algn="ctr"/>
+            <a:endParaRPr lang="en-AU"/>
+          </a:p>
+        </p:txBody>
+      </p:sp>
+      <p:pic>
+        <p:nvPicPr>
+          <p:cNvPr id="40" name="Picture 39"/>
+          <p:cNvPicPr>
+            <a:picLocks noChangeAspect="1"/>
+          </p:cNvPicPr>
+          <p:nvPr/>
+        </p:nvPicPr>
+        <p:blipFill>
+          <a:blip r:embed="rId4" cstate="print">
+            <a:extLst>
+              <a:ext uri="{28A0092B-C50C-407E-A947-70E740481C1C}">
+                <a14:useLocalDpi xmlns:a14="http://schemas.microsoft.com/office/drawing/2010/main" val="0"/>
+              </a:ext>
+            </a:extLst>
+          </a:blip>
+          <a:stretch>
+            <a:fillRect/>
+          </a:stretch>
+        </p:blipFill>
+        <p:spPr>
+          <a:xfrm>
+            <a:off x="3929600" y="1842977"/>
+            <a:ext cx="410482" cy="395431"/>
+          </a:xfrm>
+          <a:prstGeom prst="rect">
+            <a:avLst/>
+          </a:prstGeom>
+        </p:spPr>
+      </p:pic>
+      <p:pic>
+        <p:nvPicPr>
+          <p:cNvPr id="41" name="Picture 40"/>
+          <p:cNvPicPr>
+            <a:picLocks noChangeAspect="1"/>
+          </p:cNvPicPr>
+          <p:nvPr/>
+        </p:nvPicPr>
+        <p:blipFill>
+          <a:blip r:embed="rId4" cstate="print">
+            <a:extLst>
+              <a:ext uri="{28A0092B-C50C-407E-A947-70E740481C1C}">
+                <a14:useLocalDpi xmlns:a14="http://schemas.microsoft.com/office/drawing/2010/main" val="0"/>
+              </a:ext>
+            </a:extLst>
+          </a:blip>
+          <a:stretch>
+            <a:fillRect/>
+          </a:stretch>
+        </p:blipFill>
+        <p:spPr>
+          <a:xfrm>
+            <a:off x="3743226" y="941706"/>
+            <a:ext cx="410482" cy="395431"/>
+          </a:xfrm>
+          <a:prstGeom prst="rect">
+            <a:avLst/>
+          </a:prstGeom>
+        </p:spPr>
+      </p:pic>
+      <p:pic>
+        <p:nvPicPr>
+          <p:cNvPr id="42" name="Picture 41"/>
+          <p:cNvPicPr>
+            <a:picLocks noChangeAspect="1"/>
+          </p:cNvPicPr>
+          <p:nvPr/>
+        </p:nvPicPr>
+        <p:blipFill>
+          <a:blip r:embed="rId4" cstate="print">
+            <a:extLst>
+              <a:ext uri="{28A0092B-C50C-407E-A947-70E740481C1C}">
+                <a14:useLocalDpi xmlns:a14="http://schemas.microsoft.com/office/drawing/2010/main" val="0"/>
+              </a:ext>
+            </a:extLst>
+          </a:blip>
+          <a:stretch>
+            <a:fillRect/>
+          </a:stretch>
+        </p:blipFill>
+        <p:spPr>
+          <a:xfrm>
+            <a:off x="1338800" y="1910495"/>
+            <a:ext cx="410482" cy="395431"/>
+          </a:xfrm>
+          <a:prstGeom prst="rect">
+            <a:avLst/>
+          </a:prstGeom>
+        </p:spPr>
+      </p:pic>
+      <p:pic>
+        <p:nvPicPr>
+          <p:cNvPr id="43" name="Picture 42"/>
+          <p:cNvPicPr>
+            <a:picLocks noChangeAspect="1"/>
+          </p:cNvPicPr>
+          <p:nvPr/>
+        </p:nvPicPr>
+        <p:blipFill>
+          <a:blip r:embed="rId4" cstate="print">
+            <a:extLst>
+              <a:ext uri="{28A0092B-C50C-407E-A947-70E740481C1C}">
+                <a14:useLocalDpi xmlns:a14="http://schemas.microsoft.com/office/drawing/2010/main" val="0"/>
+              </a:ext>
+            </a:extLst>
+          </a:blip>
+          <a:stretch>
+            <a:fillRect/>
+          </a:stretch>
+        </p:blipFill>
+        <p:spPr>
+          <a:xfrm>
+            <a:off x="1275004" y="1230379"/>
+            <a:ext cx="410482" cy="395431"/>
+          </a:xfrm>
+          <a:prstGeom prst="rect">
+            <a:avLst/>
+          </a:prstGeom>
+        </p:spPr>
+      </p:pic>
+      <p:pic>
+        <p:nvPicPr>
+          <p:cNvPr id="44" name="Picture 43"/>
+          <p:cNvPicPr>
+            <a:picLocks noChangeAspect="1"/>
+          </p:cNvPicPr>
+          <p:nvPr/>
+        </p:nvPicPr>
+        <p:blipFill>
+          <a:blip r:embed="rId4" cstate="print">
+            <a:extLst>
+              <a:ext uri="{28A0092B-C50C-407E-A947-70E740481C1C}">
+                <a14:useLocalDpi xmlns:a14="http://schemas.microsoft.com/office/drawing/2010/main" val="0"/>
+              </a:ext>
+            </a:extLst>
+          </a:blip>
+          <a:stretch>
+            <a:fillRect/>
+          </a:stretch>
+        </p:blipFill>
+        <p:spPr>
+          <a:xfrm>
+            <a:off x="5046960" y="971503"/>
+            <a:ext cx="410482" cy="395431"/>
+          </a:xfrm>
+          <a:prstGeom prst="rect">
+            <a:avLst/>
+          </a:prstGeom>
+        </p:spPr>
+      </p:pic>
+      <p:sp>
+        <p:nvSpPr>
+          <p:cNvPr id="2055" name="Rectangle 2054"/>
+          <p:cNvSpPr/>
+          <p:nvPr/>
+        </p:nvSpPr>
+        <p:spPr>
+          <a:xfrm>
+            <a:off x="1460835" y="4295553"/>
+            <a:ext cx="1615440" cy="474921"/>
+          </a:xfrm>
+          <a:prstGeom prst="rect">
+            <a:avLst/>
+          </a:prstGeom>
+          <a:solidFill>
+            <a:schemeClr val="tx1"/>
+          </a:solidFill>
+          <a:ln>
+            <a:solidFill>
+              <a:schemeClr val="tx1"/>
+            </a:solidFill>
+          </a:ln>
+        </p:spPr>
+        <p:style>
+          <a:lnRef idx="2">
+            <a:schemeClr val="accent1">
+              <a:shade val="50000"/>
+            </a:schemeClr>
+          </a:lnRef>
+          <a:fillRef idx="1">
+            <a:schemeClr val="accent1"/>
+          </a:fillRef>
+          <a:effectRef idx="0">
+            <a:schemeClr val="accent1"/>
+          </a:effectRef>
+          <a:fontRef idx="minor">
+            <a:schemeClr val="lt1"/>
+          </a:fontRef>
+        </p:style>
+        <p:txBody>
+          <a:bodyPr rtlCol="0" anchor="ctr"/>
+          <a:lstStyle/>
+          <a:p>
+            <a:pPr algn="ctr"/>
+            <a:endParaRPr lang="en-AU"/>
+          </a:p>
+        </p:txBody>
+      </p:sp>
+    </p:spTree>
+    <p:extLst>
+      <p:ext uri="{BB962C8B-B14F-4D97-AF65-F5344CB8AC3E}">
+        <p14:creationId xmlns:p14="http://schemas.microsoft.com/office/powerpoint/2010/main" val="3765987082"/>
+      </p:ext>
+    </p:extLst>
+  </p:cSld>
+  <p:clrMapOvr>
+    <a:masterClrMapping/>
+  </p:clrMapOvr>
+</p:sld>
+</file>
+
+<file path=ppt/slides/slide11.xml><?xml version="1.0" encoding="utf-8"?>
+<p:sld xmlns:a="http://schemas.openxmlformats.org/drawingml/2006/main" xmlns:r="http://schemas.openxmlformats.org/officeDocument/2006/relationships" xmlns:p="http://schemas.openxmlformats.org/presentationml/2006/main">
+  <p:cSld>
+    <p:spTree>
+      <p:nvGrpSpPr>
+        <p:cNvPr id="1" name=""/>
+        <p:cNvGrpSpPr/>
+        <p:nvPr/>
+      </p:nvGrpSpPr>
+      <p:grpSpPr>
+        <a:xfrm>
+          <a:off x="0" y="0"/>
+          <a:ext cx="0" cy="0"/>
+          <a:chOff x="0" y="0"/>
+          <a:chExt cx="0" cy="0"/>
+        </a:xfrm>
+      </p:grpSpPr>
       <p:grpSp>
         <p:nvGrpSpPr>
           <p:cNvPr id="6" name="Group 5"/>
@@ -4774,7 +5735,7 @@
 </p:sld>
 </file>
 
-<file path=ppt/slides/slide11.xml><?xml version="1.0" encoding="utf-8"?>
+<file path=ppt/slides/slide12.xml><?xml version="1.0" encoding="utf-8"?>
 <p:sld xmlns:a="http://schemas.openxmlformats.org/drawingml/2006/main" xmlns:r="http://schemas.openxmlformats.org/officeDocument/2006/relationships" xmlns:p="http://schemas.openxmlformats.org/presentationml/2006/main">
   <p:cSld>
     <p:spTree>
@@ -4930,7 +5891,6 @@
               <a:rPr lang="en-AU" b="1" dirty="0" smtClean="0"/>
               <a:t>Ops people / administrators</a:t>
             </a:r>
-            <a:endParaRPr lang="en-AU" b="1" dirty="0" smtClean="0"/>
           </a:p>
           <a:p>
             <a:r>
@@ -4975,7 +5935,7 @@
 </p:sld>
 </file>
 
-<file path=ppt/slides/slide12.xml><?xml version="1.0" encoding="utf-8"?>
+<file path=ppt/slides/slide13.xml><?xml version="1.0" encoding="utf-8"?>
 <p:sld xmlns:a="http://schemas.openxmlformats.org/drawingml/2006/main" xmlns:r="http://schemas.openxmlformats.org/officeDocument/2006/relationships" xmlns:p="http://schemas.openxmlformats.org/presentationml/2006/main">
   <p:cSld>
     <p:spTree>
@@ -5476,7 +6436,491 @@
 </p:sld>
 </file>
 
-<file path=ppt/slides/slide13.xml><?xml version="1.0" encoding="utf-8"?>
+<file path=ppt/slides/slide14.xml><?xml version="1.0" encoding="utf-8"?>
+<p:sld xmlns:a="http://schemas.openxmlformats.org/drawingml/2006/main" xmlns:r="http://schemas.openxmlformats.org/officeDocument/2006/relationships" xmlns:p="http://schemas.openxmlformats.org/presentationml/2006/main">
+  <p:cSld>
+    <p:spTree>
+      <p:nvGrpSpPr>
+        <p:cNvPr id="1" name=""/>
+        <p:cNvGrpSpPr/>
+        <p:nvPr/>
+      </p:nvGrpSpPr>
+      <p:grpSpPr>
+        <a:xfrm>
+          <a:off x="0" y="0"/>
+          <a:ext cx="0" cy="0"/>
+          <a:chOff x="0" y="0"/>
+          <a:chExt cx="0" cy="0"/>
+        </a:xfrm>
+      </p:grpSpPr>
+      <p:sp>
+        <p:nvSpPr>
+          <p:cNvPr id="2" name="Title 1"/>
+          <p:cNvSpPr>
+            <a:spLocks noGrp="1"/>
+          </p:cNvSpPr>
+          <p:nvPr>
+            <p:ph type="title"/>
+          </p:nvPr>
+        </p:nvSpPr>
+        <p:spPr>
+          <a:xfrm>
+            <a:off x="457200" y="49619"/>
+            <a:ext cx="8229600" cy="857250"/>
+          </a:xfrm>
+        </p:spPr>
+        <p:txBody>
+          <a:bodyPr>
+            <a:normAutofit fontScale="90000"/>
+          </a:bodyPr>
+          <a:lstStyle/>
+          <a:p>
+            <a:r>
+              <a:rPr lang="en-AU" dirty="0" smtClean="0"/>
+              <a:t>Why is Docker useful in this situation?</a:t>
+            </a:r>
+            <a:endParaRPr lang="en-AU" dirty="0"/>
+          </a:p>
+        </p:txBody>
+      </p:sp>
+      <p:sp>
+        <p:nvSpPr>
+          <p:cNvPr id="3" name="Content Placeholder 2"/>
+          <p:cNvSpPr>
+            <a:spLocks noGrp="1"/>
+          </p:cNvSpPr>
+          <p:nvPr>
+            <p:ph idx="1"/>
+          </p:nvPr>
+        </p:nvSpPr>
+        <p:spPr>
+          <a:xfrm>
+            <a:off x="5316280" y="1616147"/>
+            <a:ext cx="3434315" cy="2466753"/>
+          </a:xfrm>
+        </p:spPr>
+        <p:txBody>
+          <a:bodyPr>
+            <a:noAutofit/>
+          </a:bodyPr>
+          <a:lstStyle/>
+          <a:p>
+            <a:pPr marL="457200" lvl="1" indent="0" algn="ctr">
+              <a:buNone/>
+            </a:pPr>
+            <a:r>
+              <a:rPr lang="en-AU" sz="5400" dirty="0" smtClean="0"/>
+              <a:t>Less work for you </a:t>
+            </a:r>
+            <a:endParaRPr lang="en-AU" sz="5400" dirty="0"/>
+          </a:p>
+        </p:txBody>
+      </p:sp>
+      <p:sp>
+        <p:nvSpPr>
+          <p:cNvPr id="5" name="TextBox 4"/>
+          <p:cNvSpPr txBox="1"/>
+          <p:nvPr/>
+        </p:nvSpPr>
+        <p:spPr>
+          <a:xfrm>
+            <a:off x="4621619" y="1729563"/>
+            <a:ext cx="630866" cy="1569660"/>
+          </a:xfrm>
+          <a:prstGeom prst="rect">
+            <a:avLst/>
+          </a:prstGeom>
+          <a:noFill/>
+        </p:spPr>
+        <p:txBody>
+          <a:bodyPr wrap="square" rtlCol="0">
+            <a:spAutoFit/>
+          </a:bodyPr>
+          <a:lstStyle/>
+          <a:p>
+            <a:r>
+              <a:rPr lang="en-AU" sz="9600" dirty="0" smtClean="0"/>
+              <a:t>=</a:t>
+            </a:r>
+            <a:endParaRPr lang="en-AU" sz="9600" dirty="0"/>
+          </a:p>
+        </p:txBody>
+      </p:sp>
+      <p:sp>
+        <p:nvSpPr>
+          <p:cNvPr id="6" name="Content Placeholder 2"/>
+          <p:cNvSpPr txBox="1">
+            <a:spLocks/>
+          </p:cNvSpPr>
+          <p:nvPr/>
+        </p:nvSpPr>
+        <p:spPr>
+          <a:xfrm>
+            <a:off x="5500577" y="1141228"/>
+            <a:ext cx="4540102" cy="3792279"/>
+          </a:xfrm>
+          <a:prstGeom prst="rect">
+            <a:avLst/>
+          </a:prstGeom>
+        </p:spPr>
+        <p:txBody>
+          <a:bodyPr vert="horz" lIns="91440" tIns="45720" rIns="91440" bIns="45720" rtlCol="0">
+            <a:normAutofit/>
+          </a:bodyPr>
+          <a:lstStyle>
+            <a:lvl1pPr marL="342900" indent="-342900" algn="l" defTabSz="914400" rtl="0" eaLnBrk="1" latinLnBrk="0" hangingPunct="1">
+              <a:spcBef>
+                <a:spcPct val="20000"/>
+              </a:spcBef>
+              <a:buFont typeface="Arial" pitchFamily="34" charset="0"/>
+              <a:buChar char="•"/>
+              <a:defRPr sz="3200" kern="1200">
+                <a:solidFill>
+                  <a:schemeClr val="tx1"/>
+                </a:solidFill>
+                <a:latin typeface="+mn-lt"/>
+                <a:ea typeface="+mn-ea"/>
+                <a:cs typeface="+mn-cs"/>
+              </a:defRPr>
+            </a:lvl1pPr>
+            <a:lvl2pPr marL="742950" indent="-285750" algn="l" defTabSz="914400" rtl="0" eaLnBrk="1" latinLnBrk="0" hangingPunct="1">
+              <a:spcBef>
+                <a:spcPct val="20000"/>
+              </a:spcBef>
+              <a:buFont typeface="Arial" pitchFamily="34" charset="0"/>
+              <a:buChar char="–"/>
+              <a:defRPr sz="2800" kern="1200">
+                <a:solidFill>
+                  <a:schemeClr val="tx1"/>
+                </a:solidFill>
+                <a:latin typeface="+mn-lt"/>
+                <a:ea typeface="+mn-ea"/>
+                <a:cs typeface="+mn-cs"/>
+              </a:defRPr>
+            </a:lvl2pPr>
+            <a:lvl3pPr marL="1143000" indent="-228600" algn="l" defTabSz="914400" rtl="0" eaLnBrk="1" latinLnBrk="0" hangingPunct="1">
+              <a:spcBef>
+                <a:spcPct val="20000"/>
+              </a:spcBef>
+              <a:buFont typeface="Arial" pitchFamily="34" charset="0"/>
+              <a:buChar char="•"/>
+              <a:defRPr sz="2400" kern="1200">
+                <a:solidFill>
+                  <a:schemeClr val="tx1"/>
+                </a:solidFill>
+                <a:latin typeface="+mn-lt"/>
+                <a:ea typeface="+mn-ea"/>
+                <a:cs typeface="+mn-cs"/>
+              </a:defRPr>
+            </a:lvl3pPr>
+            <a:lvl4pPr marL="1600200" indent="-228600" algn="l" defTabSz="914400" rtl="0" eaLnBrk="1" latinLnBrk="0" hangingPunct="1">
+              <a:spcBef>
+                <a:spcPct val="20000"/>
+              </a:spcBef>
+              <a:buFont typeface="Arial" pitchFamily="34" charset="0"/>
+              <a:buChar char="–"/>
+              <a:defRPr sz="2000" kern="1200">
+                <a:solidFill>
+                  <a:schemeClr val="tx1"/>
+                </a:solidFill>
+                <a:latin typeface="+mn-lt"/>
+                <a:ea typeface="+mn-ea"/>
+                <a:cs typeface="+mn-cs"/>
+              </a:defRPr>
+            </a:lvl4pPr>
+            <a:lvl5pPr marL="2057400" indent="-228600" algn="l" defTabSz="914400" rtl="0" eaLnBrk="1" latinLnBrk="0" hangingPunct="1">
+              <a:spcBef>
+                <a:spcPct val="20000"/>
+              </a:spcBef>
+              <a:buFont typeface="Arial" pitchFamily="34" charset="0"/>
+              <a:buChar char="»"/>
+              <a:defRPr sz="2000" kern="1200">
+                <a:solidFill>
+                  <a:schemeClr val="tx1"/>
+                </a:solidFill>
+                <a:latin typeface="+mn-lt"/>
+                <a:ea typeface="+mn-ea"/>
+                <a:cs typeface="+mn-cs"/>
+              </a:defRPr>
+            </a:lvl5pPr>
+            <a:lvl6pPr marL="2514600" indent="-228600" algn="l" defTabSz="914400" rtl="0" eaLnBrk="1" latinLnBrk="0" hangingPunct="1">
+              <a:spcBef>
+                <a:spcPct val="20000"/>
+              </a:spcBef>
+              <a:buFont typeface="Arial" pitchFamily="34" charset="0"/>
+              <a:buChar char="•"/>
+              <a:defRPr sz="2000" kern="1200">
+                <a:solidFill>
+                  <a:schemeClr val="tx1"/>
+                </a:solidFill>
+                <a:latin typeface="+mn-lt"/>
+                <a:ea typeface="+mn-ea"/>
+                <a:cs typeface="+mn-cs"/>
+              </a:defRPr>
+            </a:lvl6pPr>
+            <a:lvl7pPr marL="2971800" indent="-228600" algn="l" defTabSz="914400" rtl="0" eaLnBrk="1" latinLnBrk="0" hangingPunct="1">
+              <a:spcBef>
+                <a:spcPct val="20000"/>
+              </a:spcBef>
+              <a:buFont typeface="Arial" pitchFamily="34" charset="0"/>
+              <a:buChar char="•"/>
+              <a:defRPr sz="2000" kern="1200">
+                <a:solidFill>
+                  <a:schemeClr val="tx1"/>
+                </a:solidFill>
+                <a:latin typeface="+mn-lt"/>
+                <a:ea typeface="+mn-ea"/>
+                <a:cs typeface="+mn-cs"/>
+              </a:defRPr>
+            </a:lvl7pPr>
+            <a:lvl8pPr marL="3429000" indent="-228600" algn="l" defTabSz="914400" rtl="0" eaLnBrk="1" latinLnBrk="0" hangingPunct="1">
+              <a:spcBef>
+                <a:spcPct val="20000"/>
+              </a:spcBef>
+              <a:buFont typeface="Arial" pitchFamily="34" charset="0"/>
+              <a:buChar char="•"/>
+              <a:defRPr sz="2000" kern="1200">
+                <a:solidFill>
+                  <a:schemeClr val="tx1"/>
+                </a:solidFill>
+                <a:latin typeface="+mn-lt"/>
+                <a:ea typeface="+mn-ea"/>
+                <a:cs typeface="+mn-cs"/>
+              </a:defRPr>
+            </a:lvl8pPr>
+            <a:lvl9pPr marL="3886200" indent="-228600" algn="l" defTabSz="914400" rtl="0" eaLnBrk="1" latinLnBrk="0" hangingPunct="1">
+              <a:spcBef>
+                <a:spcPct val="20000"/>
+              </a:spcBef>
+              <a:buFont typeface="Arial" pitchFamily="34" charset="0"/>
+              <a:buChar char="•"/>
+              <a:defRPr sz="2000" kern="1200">
+                <a:solidFill>
+                  <a:schemeClr val="tx1"/>
+                </a:solidFill>
+                <a:latin typeface="+mn-lt"/>
+                <a:ea typeface="+mn-ea"/>
+                <a:cs typeface="+mn-cs"/>
+              </a:defRPr>
+            </a:lvl9pPr>
+          </a:lstStyle>
+          <a:p>
+            <a:pPr lvl="1"/>
+            <a:endParaRPr lang="en-AU" dirty="0"/>
+          </a:p>
+        </p:txBody>
+      </p:sp>
+      <p:sp>
+        <p:nvSpPr>
+          <p:cNvPr id="7" name="Content Placeholder 2"/>
+          <p:cNvSpPr txBox="1">
+            <a:spLocks/>
+          </p:cNvSpPr>
+          <p:nvPr/>
+        </p:nvSpPr>
+        <p:spPr>
+          <a:xfrm>
+            <a:off x="361507" y="1141229"/>
+            <a:ext cx="4540102" cy="3845442"/>
+          </a:xfrm>
+          <a:prstGeom prst="rect">
+            <a:avLst/>
+          </a:prstGeom>
+        </p:spPr>
+        <p:txBody>
+          <a:bodyPr vert="horz" lIns="91440" tIns="45720" rIns="91440" bIns="45720" rtlCol="0">
+            <a:normAutofit fontScale="92500" lnSpcReduction="20000"/>
+          </a:bodyPr>
+          <a:lstStyle>
+            <a:lvl1pPr marL="342900" indent="-342900" algn="l" defTabSz="914400" rtl="0" eaLnBrk="1" latinLnBrk="0" hangingPunct="1">
+              <a:spcBef>
+                <a:spcPct val="20000"/>
+              </a:spcBef>
+              <a:buFont typeface="Arial" pitchFamily="34" charset="0"/>
+              <a:buChar char="•"/>
+              <a:defRPr sz="3200" kern="1200">
+                <a:solidFill>
+                  <a:schemeClr val="tx1"/>
+                </a:solidFill>
+                <a:latin typeface="+mn-lt"/>
+                <a:ea typeface="+mn-ea"/>
+                <a:cs typeface="+mn-cs"/>
+              </a:defRPr>
+            </a:lvl1pPr>
+            <a:lvl2pPr marL="742950" indent="-285750" algn="l" defTabSz="914400" rtl="0" eaLnBrk="1" latinLnBrk="0" hangingPunct="1">
+              <a:spcBef>
+                <a:spcPct val="20000"/>
+              </a:spcBef>
+              <a:buFont typeface="Arial" pitchFamily="34" charset="0"/>
+              <a:buChar char="–"/>
+              <a:defRPr sz="2800" kern="1200">
+                <a:solidFill>
+                  <a:schemeClr val="tx1"/>
+                </a:solidFill>
+                <a:latin typeface="+mn-lt"/>
+                <a:ea typeface="+mn-ea"/>
+                <a:cs typeface="+mn-cs"/>
+              </a:defRPr>
+            </a:lvl2pPr>
+            <a:lvl3pPr marL="1143000" indent="-228600" algn="l" defTabSz="914400" rtl="0" eaLnBrk="1" latinLnBrk="0" hangingPunct="1">
+              <a:spcBef>
+                <a:spcPct val="20000"/>
+              </a:spcBef>
+              <a:buFont typeface="Arial" pitchFamily="34" charset="0"/>
+              <a:buChar char="•"/>
+              <a:defRPr sz="2400" kern="1200">
+                <a:solidFill>
+                  <a:schemeClr val="tx1"/>
+                </a:solidFill>
+                <a:latin typeface="+mn-lt"/>
+                <a:ea typeface="+mn-ea"/>
+                <a:cs typeface="+mn-cs"/>
+              </a:defRPr>
+            </a:lvl3pPr>
+            <a:lvl4pPr marL="1600200" indent="-228600" algn="l" defTabSz="914400" rtl="0" eaLnBrk="1" latinLnBrk="0" hangingPunct="1">
+              <a:spcBef>
+                <a:spcPct val="20000"/>
+              </a:spcBef>
+              <a:buFont typeface="Arial" pitchFamily="34" charset="0"/>
+              <a:buChar char="–"/>
+              <a:defRPr sz="2000" kern="1200">
+                <a:solidFill>
+                  <a:schemeClr val="tx1"/>
+                </a:solidFill>
+                <a:latin typeface="+mn-lt"/>
+                <a:ea typeface="+mn-ea"/>
+                <a:cs typeface="+mn-cs"/>
+              </a:defRPr>
+            </a:lvl4pPr>
+            <a:lvl5pPr marL="2057400" indent="-228600" algn="l" defTabSz="914400" rtl="0" eaLnBrk="1" latinLnBrk="0" hangingPunct="1">
+              <a:spcBef>
+                <a:spcPct val="20000"/>
+              </a:spcBef>
+              <a:buFont typeface="Arial" pitchFamily="34" charset="0"/>
+              <a:buChar char="»"/>
+              <a:defRPr sz="2000" kern="1200">
+                <a:solidFill>
+                  <a:schemeClr val="tx1"/>
+                </a:solidFill>
+                <a:latin typeface="+mn-lt"/>
+                <a:ea typeface="+mn-ea"/>
+                <a:cs typeface="+mn-cs"/>
+              </a:defRPr>
+            </a:lvl5pPr>
+            <a:lvl6pPr marL="2514600" indent="-228600" algn="l" defTabSz="914400" rtl="0" eaLnBrk="1" latinLnBrk="0" hangingPunct="1">
+              <a:spcBef>
+                <a:spcPct val="20000"/>
+              </a:spcBef>
+              <a:buFont typeface="Arial" pitchFamily="34" charset="0"/>
+              <a:buChar char="•"/>
+              <a:defRPr sz="2000" kern="1200">
+                <a:solidFill>
+                  <a:schemeClr val="tx1"/>
+                </a:solidFill>
+                <a:latin typeface="+mn-lt"/>
+                <a:ea typeface="+mn-ea"/>
+                <a:cs typeface="+mn-cs"/>
+              </a:defRPr>
+            </a:lvl6pPr>
+            <a:lvl7pPr marL="2971800" indent="-228600" algn="l" defTabSz="914400" rtl="0" eaLnBrk="1" latinLnBrk="0" hangingPunct="1">
+              <a:spcBef>
+                <a:spcPct val="20000"/>
+              </a:spcBef>
+              <a:buFont typeface="Arial" pitchFamily="34" charset="0"/>
+              <a:buChar char="•"/>
+              <a:defRPr sz="2000" kern="1200">
+                <a:solidFill>
+                  <a:schemeClr val="tx1"/>
+                </a:solidFill>
+                <a:latin typeface="+mn-lt"/>
+                <a:ea typeface="+mn-ea"/>
+                <a:cs typeface="+mn-cs"/>
+              </a:defRPr>
+            </a:lvl7pPr>
+            <a:lvl8pPr marL="3429000" indent="-228600" algn="l" defTabSz="914400" rtl="0" eaLnBrk="1" latinLnBrk="0" hangingPunct="1">
+              <a:spcBef>
+                <a:spcPct val="20000"/>
+              </a:spcBef>
+              <a:buFont typeface="Arial" pitchFamily="34" charset="0"/>
+              <a:buChar char="•"/>
+              <a:defRPr sz="2000" kern="1200">
+                <a:solidFill>
+                  <a:schemeClr val="tx1"/>
+                </a:solidFill>
+                <a:latin typeface="+mn-lt"/>
+                <a:ea typeface="+mn-ea"/>
+                <a:cs typeface="+mn-cs"/>
+              </a:defRPr>
+            </a:lvl8pPr>
+            <a:lvl9pPr marL="3886200" indent="-228600" algn="l" defTabSz="914400" rtl="0" eaLnBrk="1" latinLnBrk="0" hangingPunct="1">
+              <a:spcBef>
+                <a:spcPct val="20000"/>
+              </a:spcBef>
+              <a:buFont typeface="Arial" pitchFamily="34" charset="0"/>
+              <a:buChar char="•"/>
+              <a:defRPr sz="2000" kern="1200">
+                <a:solidFill>
+                  <a:schemeClr val="tx1"/>
+                </a:solidFill>
+                <a:latin typeface="+mn-lt"/>
+                <a:ea typeface="+mn-ea"/>
+                <a:cs typeface="+mn-cs"/>
+              </a:defRPr>
+            </a:lvl9pPr>
+          </a:lstStyle>
+          <a:p>
+            <a:r>
+              <a:rPr lang="en-AU" dirty="0" smtClean="0"/>
+              <a:t>Software dependencies</a:t>
+            </a:r>
+          </a:p>
+          <a:p>
+            <a:endParaRPr lang="en-AU" dirty="0" smtClean="0"/>
+          </a:p>
+          <a:p>
+            <a:r>
+              <a:rPr lang="en-AU" dirty="0" smtClean="0"/>
+              <a:t>Mounted volumes for data/logging</a:t>
+            </a:r>
+          </a:p>
+          <a:p>
+            <a:endParaRPr lang="en-AU" dirty="0" smtClean="0"/>
+          </a:p>
+          <a:p>
+            <a:r>
+              <a:rPr lang="en-AU" dirty="0" smtClean="0"/>
+              <a:t>Automatic scaling</a:t>
+            </a:r>
+          </a:p>
+          <a:p>
+            <a:endParaRPr lang="en-AU" dirty="0" smtClean="0"/>
+          </a:p>
+          <a:p>
+            <a:r>
+              <a:rPr lang="en-AU" dirty="0" smtClean="0"/>
+              <a:t>Automatic updates</a:t>
+            </a:r>
+          </a:p>
+          <a:p>
+            <a:pPr lvl="1"/>
+            <a:endParaRPr lang="en-AU" dirty="0"/>
+          </a:p>
+        </p:txBody>
+      </p:sp>
+    </p:spTree>
+    <p:extLst>
+      <p:ext uri="{BB962C8B-B14F-4D97-AF65-F5344CB8AC3E}">
+        <p14:creationId xmlns:p14="http://schemas.microsoft.com/office/powerpoint/2010/main" val="1182126701"/>
+      </p:ext>
+    </p:extLst>
+  </p:cSld>
+  <p:clrMapOvr>
+    <a:masterClrMapping/>
+  </p:clrMapOvr>
+</p:sld>
+</file>
+
+<file path=ppt/slides/slide15.xml><?xml version="1.0" encoding="utf-8"?>
 <p:sld xmlns:a="http://schemas.openxmlformats.org/drawingml/2006/main" xmlns:r="http://schemas.openxmlformats.org/officeDocument/2006/relationships" xmlns:p="http://schemas.openxmlformats.org/presentationml/2006/main">
   <p:cSld>
     <p:spTree>
@@ -6544,7 +7988,7 @@
 </p:sld>
 </file>
 
-<file path=ppt/slides/slide14.xml><?xml version="1.0" encoding="utf-8"?>
+<file path=ppt/slides/slide16.xml><?xml version="1.0" encoding="utf-8"?>
 <p:sld xmlns:a="http://schemas.openxmlformats.org/drawingml/2006/main" xmlns:r="http://schemas.openxmlformats.org/officeDocument/2006/relationships" xmlns:p="http://schemas.openxmlformats.org/presentationml/2006/main">
   <p:cSld>
     <p:spTree>
@@ -6599,7 +8043,7 @@
 </p:sld>
 </file>
 
-<file path=ppt/slides/slide15.xml><?xml version="1.0" encoding="utf-8"?>
+<file path=ppt/slides/slide17.xml><?xml version="1.0" encoding="utf-8"?>
 <p:sld xmlns:a="http://schemas.openxmlformats.org/drawingml/2006/main" xmlns:r="http://schemas.openxmlformats.org/officeDocument/2006/relationships" xmlns:p="http://schemas.openxmlformats.org/presentationml/2006/main">
   <p:cSld>
     <p:spTree>
@@ -7666,232 +9110,6 @@
 </p:sld>
 </file>
 
-<file path=ppt/slides/slide16.xml><?xml version="1.0" encoding="utf-8"?>
-<p:sld xmlns:a="http://schemas.openxmlformats.org/drawingml/2006/main" xmlns:r="http://schemas.openxmlformats.org/officeDocument/2006/relationships" xmlns:p="http://schemas.openxmlformats.org/presentationml/2006/main">
-  <p:cSld>
-    <p:spTree>
-      <p:nvGrpSpPr>
-        <p:cNvPr id="1" name=""/>
-        <p:cNvGrpSpPr/>
-        <p:nvPr/>
-      </p:nvGrpSpPr>
-      <p:grpSpPr>
-        <a:xfrm>
-          <a:off x="0" y="0"/>
-          <a:ext cx="0" cy="0"/>
-          <a:chOff x="0" y="0"/>
-          <a:chExt cx="0" cy="0"/>
-        </a:xfrm>
-      </p:grpSpPr>
-      <p:sp>
-        <p:nvSpPr>
-          <p:cNvPr id="2" name="Title 1"/>
-          <p:cNvSpPr>
-            <a:spLocks noGrp="1"/>
-          </p:cNvSpPr>
-          <p:nvPr>
-            <p:ph type="title"/>
-          </p:nvPr>
-        </p:nvSpPr>
-        <p:spPr/>
-        <p:txBody>
-          <a:bodyPr/>
-          <a:lstStyle/>
-          <a:p>
-            <a:r>
-              <a:rPr lang="en-AU" dirty="0" smtClean="0"/>
-              <a:t>Where to find out more?</a:t>
-            </a:r>
-            <a:endParaRPr lang="en-AU" dirty="0"/>
-          </a:p>
-        </p:txBody>
-      </p:sp>
-      <p:sp>
-        <p:nvSpPr>
-          <p:cNvPr id="3" name="Content Placeholder 2"/>
-          <p:cNvSpPr>
-            <a:spLocks noGrp="1"/>
-          </p:cNvSpPr>
-          <p:nvPr>
-            <p:ph idx="1"/>
-          </p:nvPr>
-        </p:nvSpPr>
-        <p:spPr>
-          <a:xfrm>
-            <a:off x="457200" y="1200150"/>
-            <a:ext cx="8229600" cy="3813809"/>
-          </a:xfrm>
-        </p:spPr>
-        <p:txBody>
-          <a:bodyPr>
-            <a:normAutofit fontScale="92500"/>
-          </a:bodyPr>
-          <a:lstStyle/>
-          <a:p>
-            <a:r>
-              <a:rPr lang="en-AU" dirty="0" smtClean="0"/>
-              <a:t>Docker website </a:t>
-            </a:r>
-            <a:r>
-              <a:rPr lang="en-AU" sz="2000" dirty="0" smtClean="0"/>
-              <a:t>(www.docker.com)</a:t>
-            </a:r>
-          </a:p>
-          <a:p>
-            <a:pPr lvl="1"/>
-            <a:r>
-              <a:rPr lang="en-AU" dirty="0"/>
-              <a:t>Documentation </a:t>
-            </a:r>
-            <a:r>
-              <a:rPr lang="en-AU" sz="2000" dirty="0"/>
-              <a:t>(https://docs.docker.com/)</a:t>
-            </a:r>
-            <a:endParaRPr lang="en-AU" sz="2000" dirty="0" smtClean="0"/>
-          </a:p>
-          <a:p>
-            <a:pPr lvl="1"/>
-            <a:r>
-              <a:rPr lang="en-AU" dirty="0" smtClean="0"/>
-              <a:t>Getting started </a:t>
-            </a:r>
-            <a:r>
-              <a:rPr lang="en-AU" sz="2000" dirty="0" smtClean="0"/>
-              <a:t>(</a:t>
-            </a:r>
-            <a:r>
-              <a:rPr lang="en-AU" sz="2000" dirty="0"/>
-              <a:t>https://www.docker.com/get-started</a:t>
-            </a:r>
-            <a:r>
-              <a:rPr lang="en-AU" sz="2000" dirty="0" smtClean="0"/>
-              <a:t>)</a:t>
-            </a:r>
-            <a:endParaRPr lang="en-AU" dirty="0" smtClean="0"/>
-          </a:p>
-          <a:p>
-            <a:pPr lvl="1"/>
-            <a:r>
-              <a:rPr lang="en-AU" dirty="0" smtClean="0"/>
-              <a:t>Tutorials </a:t>
-            </a:r>
-            <a:r>
-              <a:rPr lang="en-AU" sz="2000" dirty="0" smtClean="0"/>
-              <a:t>(</a:t>
-            </a:r>
-            <a:r>
-              <a:rPr lang="en-AU" sz="2000" dirty="0"/>
-              <a:t>https://www.docker.com/101-tutorial</a:t>
-            </a:r>
-            <a:r>
-              <a:rPr lang="en-AU" sz="2000" dirty="0" smtClean="0"/>
-              <a:t>)</a:t>
-            </a:r>
-          </a:p>
-          <a:p>
-            <a:pPr lvl="1"/>
-            <a:endParaRPr lang="en-AU" sz="2000" dirty="0"/>
-          </a:p>
-          <a:p>
-            <a:r>
-              <a:rPr lang="en-AU" dirty="0" smtClean="0"/>
-              <a:t>Other presentations </a:t>
-            </a:r>
-            <a:r>
-              <a:rPr lang="en-AU" sz="2200" dirty="0" smtClean="0"/>
-              <a:t>(https://www.slideshare.net/dotCloud)</a:t>
-            </a:r>
-          </a:p>
-          <a:p>
-            <a:pPr lvl="1"/>
-            <a:r>
-              <a:rPr lang="en-AU" sz="2600" dirty="0" smtClean="0"/>
-              <a:t>Many thanks to these other presentations for providing diagrams used in this presentation</a:t>
-            </a:r>
-            <a:endParaRPr lang="en-AU" sz="3100" dirty="0" smtClean="0"/>
-          </a:p>
-        </p:txBody>
-      </p:sp>
-    </p:spTree>
-    <p:extLst>
-      <p:ext uri="{BB962C8B-B14F-4D97-AF65-F5344CB8AC3E}">
-        <p14:creationId xmlns:p14="http://schemas.microsoft.com/office/powerpoint/2010/main" val="3692221065"/>
-      </p:ext>
-    </p:extLst>
-  </p:cSld>
-  <p:clrMapOvr>
-    <a:masterClrMapping/>
-  </p:clrMapOvr>
-</p:sld>
-</file>
-
-<file path=ppt/slides/slide17.xml><?xml version="1.0" encoding="utf-8"?>
-<p:sld xmlns:a="http://schemas.openxmlformats.org/drawingml/2006/main" xmlns:r="http://schemas.openxmlformats.org/officeDocument/2006/relationships" xmlns:p="http://schemas.openxmlformats.org/presentationml/2006/main">
-  <p:cSld>
-    <p:spTree>
-      <p:nvGrpSpPr>
-        <p:cNvPr id="1" name=""/>
-        <p:cNvGrpSpPr/>
-        <p:nvPr/>
-      </p:nvGrpSpPr>
-      <p:grpSpPr>
-        <a:xfrm>
-          <a:off x="0" y="0"/>
-          <a:ext cx="0" cy="0"/>
-          <a:chOff x="0" y="0"/>
-          <a:chExt cx="0" cy="0"/>
-        </a:xfrm>
-      </p:grpSpPr>
-      <p:sp>
-        <p:nvSpPr>
-          <p:cNvPr id="2" name="Title 1"/>
-          <p:cNvSpPr>
-            <a:spLocks noGrp="1"/>
-          </p:cNvSpPr>
-          <p:nvPr>
-            <p:ph type="title"/>
-          </p:nvPr>
-        </p:nvSpPr>
-        <p:spPr>
-          <a:xfrm>
-            <a:off x="457200" y="205978"/>
-            <a:ext cx="8229600" cy="3858021"/>
-          </a:xfrm>
-        </p:spPr>
-        <p:txBody>
-          <a:bodyPr>
-            <a:noAutofit/>
-          </a:bodyPr>
-          <a:lstStyle/>
-          <a:p>
-            <a:r>
-              <a:rPr lang="en-AU" sz="13800" dirty="0" smtClean="0"/>
-              <a:t>Appendix</a:t>
-            </a:r>
-            <a:endParaRPr lang="en-AU" sz="13800" dirty="0"/>
-          </a:p>
-        </p:txBody>
-      </p:sp>
-    </p:spTree>
-    <p:extLst>
-      <p:ext uri="{BB962C8B-B14F-4D97-AF65-F5344CB8AC3E}">
-        <p14:creationId xmlns:p14="http://schemas.microsoft.com/office/powerpoint/2010/main" val="4214252950"/>
-      </p:ext>
-    </p:extLst>
-  </p:cSld>
-  <p:clrMapOvr>
-    <a:masterClrMapping/>
-  </p:clrMapOvr>
-  <p:timing>
-    <p:tnLst>
-      <p:par>
-        <p:cTn id="1" dur="indefinite" restart="never" nodeType="tmRoot"/>
-      </p:par>
-    </p:tnLst>
-  </p:timing>
-</p:sld>
-</file>
-
 <file path=ppt/slides/slide18.xml><?xml version="1.0" encoding="utf-8"?>
 <p:sld xmlns:a="http://schemas.openxmlformats.org/drawingml/2006/main" xmlns:r="http://schemas.openxmlformats.org/officeDocument/2006/relationships" xmlns:p="http://schemas.openxmlformats.org/presentationml/2006/main">
   <p:cSld>
@@ -7919,53 +9137,129 @@
             <p:ph type="title"/>
           </p:nvPr>
         </p:nvSpPr>
+        <p:spPr/>
+        <p:txBody>
+          <a:bodyPr/>
+          <a:lstStyle/>
+          <a:p>
+            <a:r>
+              <a:rPr lang="en-AU" dirty="0" smtClean="0"/>
+              <a:t>Where to find out more?</a:t>
+            </a:r>
+            <a:endParaRPr lang="en-AU" dirty="0"/>
+          </a:p>
+        </p:txBody>
+      </p:sp>
+      <p:sp>
+        <p:nvSpPr>
+          <p:cNvPr id="3" name="Content Placeholder 2"/>
+          <p:cNvSpPr>
+            <a:spLocks noGrp="1"/>
+          </p:cNvSpPr>
+          <p:nvPr>
+            <p:ph idx="1"/>
+          </p:nvPr>
+        </p:nvSpPr>
         <p:spPr>
           <a:xfrm>
-            <a:off x="396537" y="34839"/>
-            <a:ext cx="8229600" cy="684430"/>
+            <a:off x="457200" y="1200150"/>
+            <a:ext cx="8229600" cy="3813809"/>
           </a:xfrm>
         </p:spPr>
         <p:txBody>
           <a:bodyPr>
-            <a:normAutofit fontScale="90000"/>
+            <a:normAutofit fontScale="92500"/>
           </a:bodyPr>
           <a:lstStyle/>
           <a:p>
             <a:r>
               <a:rPr lang="en-AU" dirty="0" smtClean="0"/>
-              <a:t>Installing Docker</a:t>
-            </a:r>
-            <a:endParaRPr lang="en-AU" dirty="0"/>
-          </a:p>
-        </p:txBody>
-      </p:sp>
-      <p:pic>
-        <p:nvPicPr>
-          <p:cNvPr id="4" name="Picture 3"/>
-          <p:cNvPicPr>
-            <a:picLocks noChangeAspect="1"/>
-          </p:cNvPicPr>
-          <p:nvPr/>
-        </p:nvPicPr>
-        <p:blipFill rotWithShape="1">
-          <a:blip r:embed="rId2"/>
-          <a:srcRect l="19240" t="22525" r="19114" b="20204"/>
-          <a:stretch/>
-        </p:blipFill>
-        <p:spPr>
-          <a:xfrm>
-            <a:off x="486136" y="719269"/>
-            <a:ext cx="8361401" cy="4369563"/>
-          </a:xfrm>
-          <a:prstGeom prst="rect">
-            <a:avLst/>
-          </a:prstGeom>
-        </p:spPr>
-      </p:pic>
+              <a:t>Docker website </a:t>
+            </a:r>
+            <a:r>
+              <a:rPr lang="en-AU" sz="2000" dirty="0" smtClean="0"/>
+              <a:t>(www.docker.com)</a:t>
+            </a:r>
+          </a:p>
+          <a:p>
+            <a:pPr lvl="1"/>
+            <a:r>
+              <a:rPr lang="en-AU" dirty="0"/>
+              <a:t>Documentation </a:t>
+            </a:r>
+            <a:r>
+              <a:rPr lang="en-AU" sz="2000" dirty="0"/>
+              <a:t>(https://docs.docker.com/)</a:t>
+            </a:r>
+            <a:endParaRPr lang="en-AU" sz="2000" dirty="0" smtClean="0"/>
+          </a:p>
+          <a:p>
+            <a:pPr lvl="1"/>
+            <a:r>
+              <a:rPr lang="en-AU" dirty="0" smtClean="0"/>
+              <a:t>Getting started </a:t>
+            </a:r>
+            <a:r>
+              <a:rPr lang="en-AU" sz="2000" dirty="0" smtClean="0"/>
+              <a:t>(</a:t>
+            </a:r>
+            <a:r>
+              <a:rPr lang="en-AU" sz="2000" dirty="0"/>
+              <a:t>https://www.docker.com/get-started</a:t>
+            </a:r>
+            <a:r>
+              <a:rPr lang="en-AU" sz="2000" dirty="0" smtClean="0"/>
+              <a:t>)</a:t>
+            </a:r>
+            <a:endParaRPr lang="en-AU" dirty="0" smtClean="0"/>
+          </a:p>
+          <a:p>
+            <a:pPr lvl="1"/>
+            <a:r>
+              <a:rPr lang="en-AU" dirty="0" smtClean="0"/>
+              <a:t>Tutorials </a:t>
+            </a:r>
+            <a:r>
+              <a:rPr lang="en-AU" sz="2000" dirty="0" smtClean="0"/>
+              <a:t>(</a:t>
+            </a:r>
+            <a:r>
+              <a:rPr lang="en-AU" sz="2000" dirty="0"/>
+              <a:t>https://www.docker.com/101-tutorial</a:t>
+            </a:r>
+            <a:r>
+              <a:rPr lang="en-AU" sz="2000" dirty="0" smtClean="0"/>
+              <a:t>)</a:t>
+            </a:r>
+          </a:p>
+          <a:p>
+            <a:pPr lvl="1"/>
+            <a:endParaRPr lang="en-AU" sz="2000" dirty="0"/>
+          </a:p>
+          <a:p>
+            <a:r>
+              <a:rPr lang="en-AU" dirty="0" smtClean="0"/>
+              <a:t>Other presentations </a:t>
+            </a:r>
+            <a:r>
+              <a:rPr lang="en-AU" sz="2200" dirty="0" smtClean="0"/>
+              <a:t>(https://www.slideshare.net/dotCloud)</a:t>
+            </a:r>
+          </a:p>
+          <a:p>
+            <a:pPr lvl="1"/>
+            <a:r>
+              <a:rPr lang="en-AU" sz="2600" dirty="0" smtClean="0"/>
+              <a:t>Many thanks to these other presentations for providing diagrams used in this presentation</a:t>
+            </a:r>
+            <a:endParaRPr lang="en-AU" sz="3100" dirty="0" smtClean="0"/>
+          </a:p>
+        </p:txBody>
+      </p:sp>
     </p:spTree>
     <p:extLst>
       <p:ext uri="{BB962C8B-B14F-4D97-AF65-F5344CB8AC3E}">
-        <p14:creationId xmlns:p14="http://schemas.microsoft.com/office/powerpoint/2010/main" val="417585492"/>
+        <p14:creationId xmlns:p14="http://schemas.microsoft.com/office/powerpoint/2010/main" val="3692221065"/>
       </p:ext>
     </p:extLst>
   </p:cSld>
@@ -7994,6 +9288,257 @@
       </p:grpSpPr>
       <p:sp>
         <p:nvSpPr>
+          <p:cNvPr id="2" name="Title 1"/>
+          <p:cNvSpPr>
+            <a:spLocks noGrp="1"/>
+          </p:cNvSpPr>
+          <p:nvPr>
+            <p:ph type="title"/>
+          </p:nvPr>
+        </p:nvSpPr>
+        <p:spPr>
+          <a:xfrm>
+            <a:off x="457200" y="205978"/>
+            <a:ext cx="8229600" cy="3858021"/>
+          </a:xfrm>
+        </p:spPr>
+        <p:txBody>
+          <a:bodyPr>
+            <a:noAutofit/>
+          </a:bodyPr>
+          <a:lstStyle/>
+          <a:p>
+            <a:r>
+              <a:rPr lang="en-AU" sz="13800" dirty="0" smtClean="0"/>
+              <a:t>Appendix</a:t>
+            </a:r>
+            <a:endParaRPr lang="en-AU" sz="13800" dirty="0"/>
+          </a:p>
+        </p:txBody>
+      </p:sp>
+    </p:spTree>
+    <p:extLst>
+      <p:ext uri="{BB962C8B-B14F-4D97-AF65-F5344CB8AC3E}">
+        <p14:creationId xmlns:p14="http://schemas.microsoft.com/office/powerpoint/2010/main" val="4214252950"/>
+      </p:ext>
+    </p:extLst>
+  </p:cSld>
+  <p:clrMapOvr>
+    <a:masterClrMapping/>
+  </p:clrMapOvr>
+  <p:timing>
+    <p:tnLst>
+      <p:par>
+        <p:cTn id="1" dur="indefinite" restart="never" nodeType="tmRoot"/>
+      </p:par>
+    </p:tnLst>
+  </p:timing>
+</p:sld>
+</file>
+
+<file path=ppt/slides/slide2.xml><?xml version="1.0" encoding="utf-8"?>
+<p:sld xmlns:a="http://schemas.openxmlformats.org/drawingml/2006/main" xmlns:r="http://schemas.openxmlformats.org/officeDocument/2006/relationships" xmlns:p="http://schemas.openxmlformats.org/presentationml/2006/main">
+  <p:cSld>
+    <p:spTree>
+      <p:nvGrpSpPr>
+        <p:cNvPr id="1" name=""/>
+        <p:cNvGrpSpPr/>
+        <p:nvPr/>
+      </p:nvGrpSpPr>
+      <p:grpSpPr>
+        <a:xfrm>
+          <a:off x="0" y="0"/>
+          <a:ext cx="0" cy="0"/>
+          <a:chOff x="0" y="0"/>
+          <a:chExt cx="0" cy="0"/>
+        </a:xfrm>
+      </p:grpSpPr>
+      <p:sp>
+        <p:nvSpPr>
+          <p:cNvPr id="2" name="Title 1"/>
+          <p:cNvSpPr>
+            <a:spLocks noGrp="1"/>
+          </p:cNvSpPr>
+          <p:nvPr>
+            <p:ph type="title"/>
+          </p:nvPr>
+        </p:nvSpPr>
+        <p:spPr/>
+        <p:txBody>
+          <a:bodyPr>
+            <a:normAutofit fontScale="90000"/>
+          </a:bodyPr>
+          <a:lstStyle/>
+          <a:p>
+            <a:r>
+              <a:rPr lang="en-AU" dirty="0" smtClean="0"/>
+              <a:t>We’ve got some web applications, </a:t>
+            </a:r>
+            <a:br>
+              <a:rPr lang="en-AU" dirty="0" smtClean="0"/>
+            </a:br>
+            <a:r>
+              <a:rPr lang="en-AU" dirty="0" smtClean="0"/>
+              <a:t>and they need a home</a:t>
+            </a:r>
+            <a:endParaRPr lang="en-AU" dirty="0"/>
+          </a:p>
+        </p:txBody>
+      </p:sp>
+      <p:pic>
+        <p:nvPicPr>
+          <p:cNvPr id="4" name="Picture 3"/>
+          <p:cNvPicPr>
+            <a:picLocks noChangeAspect="1"/>
+          </p:cNvPicPr>
+          <p:nvPr/>
+        </p:nvPicPr>
+        <p:blipFill rotWithShape="1">
+          <a:blip r:embed="rId2"/>
+          <a:srcRect t="8301" b="17369"/>
+          <a:stretch/>
+        </p:blipFill>
+        <p:spPr>
+          <a:xfrm>
+            <a:off x="143287" y="1325880"/>
+            <a:ext cx="8857425" cy="3703320"/>
+          </a:xfrm>
+          <a:prstGeom prst="rect">
+            <a:avLst/>
+          </a:prstGeom>
+          <a:ln>
+            <a:solidFill>
+              <a:schemeClr val="accent1">
+                <a:lumMod val="20000"/>
+                <a:lumOff val="80000"/>
+              </a:schemeClr>
+            </a:solidFill>
+          </a:ln>
+          <a:effectLst>
+            <a:glow rad="139700">
+              <a:schemeClr val="accent5">
+                <a:satMod val="175000"/>
+                <a:alpha val="40000"/>
+              </a:schemeClr>
+            </a:glow>
+          </a:effectLst>
+        </p:spPr>
+      </p:pic>
+    </p:spTree>
+    <p:extLst>
+      <p:ext uri="{BB962C8B-B14F-4D97-AF65-F5344CB8AC3E}">
+        <p14:creationId xmlns:p14="http://schemas.microsoft.com/office/powerpoint/2010/main" val="3255365780"/>
+      </p:ext>
+    </p:extLst>
+  </p:cSld>
+  <p:clrMapOvr>
+    <a:masterClrMapping/>
+  </p:clrMapOvr>
+</p:sld>
+</file>
+
+<file path=ppt/slides/slide20.xml><?xml version="1.0" encoding="utf-8"?>
+<p:sld xmlns:a="http://schemas.openxmlformats.org/drawingml/2006/main" xmlns:r="http://schemas.openxmlformats.org/officeDocument/2006/relationships" xmlns:p="http://schemas.openxmlformats.org/presentationml/2006/main">
+  <p:cSld>
+    <p:spTree>
+      <p:nvGrpSpPr>
+        <p:cNvPr id="1" name=""/>
+        <p:cNvGrpSpPr/>
+        <p:nvPr/>
+      </p:nvGrpSpPr>
+      <p:grpSpPr>
+        <a:xfrm>
+          <a:off x="0" y="0"/>
+          <a:ext cx="0" cy="0"/>
+          <a:chOff x="0" y="0"/>
+          <a:chExt cx="0" cy="0"/>
+        </a:xfrm>
+      </p:grpSpPr>
+      <p:sp>
+        <p:nvSpPr>
+          <p:cNvPr id="2" name="Title 1"/>
+          <p:cNvSpPr>
+            <a:spLocks noGrp="1"/>
+          </p:cNvSpPr>
+          <p:nvPr>
+            <p:ph type="title"/>
+          </p:nvPr>
+        </p:nvSpPr>
+        <p:spPr>
+          <a:xfrm>
+            <a:off x="396537" y="34839"/>
+            <a:ext cx="8229600" cy="684430"/>
+          </a:xfrm>
+        </p:spPr>
+        <p:txBody>
+          <a:bodyPr>
+            <a:normAutofit fontScale="90000"/>
+          </a:bodyPr>
+          <a:lstStyle/>
+          <a:p>
+            <a:r>
+              <a:rPr lang="en-AU" dirty="0" smtClean="0"/>
+              <a:t>Installing Docker</a:t>
+            </a:r>
+            <a:endParaRPr lang="en-AU" dirty="0"/>
+          </a:p>
+        </p:txBody>
+      </p:sp>
+      <p:pic>
+        <p:nvPicPr>
+          <p:cNvPr id="4" name="Picture 3"/>
+          <p:cNvPicPr>
+            <a:picLocks noChangeAspect="1"/>
+          </p:cNvPicPr>
+          <p:nvPr/>
+        </p:nvPicPr>
+        <p:blipFill rotWithShape="1">
+          <a:blip r:embed="rId2"/>
+          <a:srcRect l="19240" t="22525" r="19114" b="20204"/>
+          <a:stretch/>
+        </p:blipFill>
+        <p:spPr>
+          <a:xfrm>
+            <a:off x="486136" y="719269"/>
+            <a:ext cx="8361401" cy="4369563"/>
+          </a:xfrm>
+          <a:prstGeom prst="rect">
+            <a:avLst/>
+          </a:prstGeom>
+        </p:spPr>
+      </p:pic>
+    </p:spTree>
+    <p:extLst>
+      <p:ext uri="{BB962C8B-B14F-4D97-AF65-F5344CB8AC3E}">
+        <p14:creationId xmlns:p14="http://schemas.microsoft.com/office/powerpoint/2010/main" val="417585492"/>
+      </p:ext>
+    </p:extLst>
+  </p:cSld>
+  <p:clrMapOvr>
+    <a:masterClrMapping/>
+  </p:clrMapOvr>
+</p:sld>
+</file>
+
+<file path=ppt/slides/slide21.xml><?xml version="1.0" encoding="utf-8"?>
+<p:sld xmlns:a="http://schemas.openxmlformats.org/drawingml/2006/main" xmlns:r="http://schemas.openxmlformats.org/officeDocument/2006/relationships" xmlns:p="http://schemas.openxmlformats.org/presentationml/2006/main">
+  <p:cSld>
+    <p:spTree>
+      <p:nvGrpSpPr>
+        <p:cNvPr id="1" name=""/>
+        <p:cNvGrpSpPr/>
+        <p:nvPr/>
+      </p:nvGrpSpPr>
+      <p:grpSpPr>
+        <a:xfrm>
+          <a:off x="0" y="0"/>
+          <a:ext cx="0" cy="0"/>
+          <a:chOff x="0" y="0"/>
+          <a:chExt cx="0" cy="0"/>
+        </a:xfrm>
+      </p:grpSpPr>
+      <p:sp>
+        <p:nvSpPr>
           <p:cNvPr id="4" name="Rectangle 3"/>
           <p:cNvSpPr/>
           <p:nvPr/>
@@ -8120,7 +9665,790 @@
 </p:sld>
 </file>
 
-<file path=ppt/slides/slide2.xml><?xml version="1.0" encoding="utf-8"?>
+<file path=ppt/slides/slide22.xml><?xml version="1.0" encoding="utf-8"?>
+<p:sld xmlns:a="http://schemas.openxmlformats.org/drawingml/2006/main" xmlns:r="http://schemas.openxmlformats.org/officeDocument/2006/relationships" xmlns:p="http://schemas.openxmlformats.org/presentationml/2006/main">
+  <p:cSld>
+    <p:spTree>
+      <p:nvGrpSpPr>
+        <p:cNvPr id="1" name=""/>
+        <p:cNvGrpSpPr/>
+        <p:nvPr/>
+      </p:nvGrpSpPr>
+      <p:grpSpPr>
+        <a:xfrm>
+          <a:off x="0" y="0"/>
+          <a:ext cx="0" cy="0"/>
+          <a:chOff x="0" y="0"/>
+          <a:chExt cx="0" cy="0"/>
+        </a:xfrm>
+      </p:grpSpPr>
+      <p:sp>
+        <p:nvSpPr>
+          <p:cNvPr id="2" name="Title 1"/>
+          <p:cNvSpPr>
+            <a:spLocks noGrp="1"/>
+          </p:cNvSpPr>
+          <p:nvPr>
+            <p:ph type="title"/>
+          </p:nvPr>
+        </p:nvSpPr>
+        <p:spPr>
+          <a:xfrm>
+            <a:off x="549798" y="52014"/>
+            <a:ext cx="8229600" cy="857250"/>
+          </a:xfrm>
+        </p:spPr>
+        <p:txBody>
+          <a:bodyPr>
+            <a:normAutofit/>
+          </a:bodyPr>
+          <a:lstStyle/>
+          <a:p>
+            <a:r>
+              <a:rPr lang="en-AU" dirty="0" smtClean="0"/>
+              <a:t>Yes, R is used in the industry</a:t>
+            </a:r>
+            <a:endParaRPr lang="en-AU" dirty="0"/>
+          </a:p>
+        </p:txBody>
+      </p:sp>
+      <p:pic>
+        <p:nvPicPr>
+          <p:cNvPr id="22530" name="Picture 2" descr="https://d33wubrfki0l68.cloudfront.net/e8fbecab3c77738b00ed63e34050aab1ce8d7265/49b58/assets/img/stack-overflow-card.png"/>
+          <p:cNvPicPr>
+            <a:picLocks noChangeAspect="1" noChangeArrowheads="1"/>
+          </p:cNvPicPr>
+          <p:nvPr/>
+        </p:nvPicPr>
+        <p:blipFill>
+          <a:blip r:embed="rId2" cstate="print">
+            <a:extLst>
+              <a:ext uri="{28A0092B-C50C-407E-A947-70E740481C1C}">
+                <a14:useLocalDpi xmlns:a14="http://schemas.microsoft.com/office/drawing/2010/main" val="0"/>
+              </a:ext>
+            </a:extLst>
+          </a:blip>
+          <a:srcRect/>
+          <a:stretch>
+            <a:fillRect/>
+          </a:stretch>
+        </p:blipFill>
+        <p:spPr bwMode="auto">
+          <a:xfrm rot="10800000" flipH="1" flipV="1">
+            <a:off x="5595032" y="1006829"/>
+            <a:ext cx="1519709" cy="954039"/>
+          </a:xfrm>
+          <a:prstGeom prst="rect">
+            <a:avLst/>
+          </a:prstGeom>
+          <a:noFill/>
+          <a:ln>
+            <a:solidFill>
+              <a:srgbClr val="FFFFFF"/>
+            </a:solidFill>
+          </a:ln>
+          <a:extLst>
+            <a:ext uri="{909E8E84-426E-40DD-AFC4-6F175D3DCCD1}">
+              <a14:hiddenFill xmlns:a14="http://schemas.microsoft.com/office/drawing/2010/main">
+                <a:solidFill>
+                  <a:srgbClr val="FFFFFF"/>
+                </a:solidFill>
+              </a14:hiddenFill>
+            </a:ext>
+          </a:extLst>
+        </p:spPr>
+      </p:pic>
+      <p:pic>
+        <p:nvPicPr>
+          <p:cNvPr id="22532" name="Picture 4" descr="https://d33wubrfki0l68.cloudfront.net/22625c2e6738f6cd2ab52d4b3b2ed0267fb80413/8e9c4/assets/img/extendo-listimage2.jpg"/>
+          <p:cNvPicPr>
+            <a:picLocks noChangeAspect="1" noChangeArrowheads="1"/>
+          </p:cNvPicPr>
+          <p:nvPr/>
+        </p:nvPicPr>
+        <p:blipFill>
+          <a:blip r:embed="rId3" cstate="print">
+            <a:extLst>
+              <a:ext uri="{28A0092B-C50C-407E-A947-70E740481C1C}">
+                <a14:useLocalDpi xmlns:a14="http://schemas.microsoft.com/office/drawing/2010/main" val="0"/>
+              </a:ext>
+            </a:extLst>
+          </a:blip>
+          <a:srcRect/>
+          <a:stretch>
+            <a:fillRect/>
+          </a:stretch>
+        </p:blipFill>
+        <p:spPr bwMode="auto">
+          <a:xfrm rot="10800000" flipH="1" flipV="1">
+            <a:off x="102857" y="1006829"/>
+            <a:ext cx="1519709" cy="954039"/>
+          </a:xfrm>
+          <a:prstGeom prst="rect">
+            <a:avLst/>
+          </a:prstGeom>
+          <a:noFill/>
+          <a:ln>
+            <a:solidFill>
+              <a:srgbClr val="FFFFFF"/>
+            </a:solidFill>
+          </a:ln>
+          <a:extLst>
+            <a:ext uri="{909E8E84-426E-40DD-AFC4-6F175D3DCCD1}">
+              <a14:hiddenFill xmlns:a14="http://schemas.microsoft.com/office/drawing/2010/main">
+                <a:solidFill>
+                  <a:srgbClr val="FFFFFF"/>
+                </a:solidFill>
+              </a14:hiddenFill>
+            </a:ext>
+          </a:extLst>
+        </p:spPr>
+      </p:pic>
+      <p:pic>
+        <p:nvPicPr>
+          <p:cNvPr id="22534" name="Picture 6" descr="https://d33wubrfki0l68.cloudfront.net/dd352d844b6e790122a08c8914eb184592ea1971/6299d/assets/img/pa.jpg"/>
+          <p:cNvPicPr>
+            <a:picLocks noChangeAspect="1" noChangeArrowheads="1"/>
+          </p:cNvPicPr>
+          <p:nvPr/>
+        </p:nvPicPr>
+        <p:blipFill>
+          <a:blip r:embed="rId4" cstate="print">
+            <a:extLst>
+              <a:ext uri="{28A0092B-C50C-407E-A947-70E740481C1C}">
+                <a14:useLocalDpi xmlns:a14="http://schemas.microsoft.com/office/drawing/2010/main" val="0"/>
+              </a:ext>
+            </a:extLst>
+          </a:blip>
+          <a:srcRect/>
+          <a:stretch>
+            <a:fillRect/>
+          </a:stretch>
+        </p:blipFill>
+        <p:spPr bwMode="auto">
+          <a:xfrm rot="10800000" flipH="1" flipV="1">
+            <a:off x="7425757" y="1006829"/>
+            <a:ext cx="1519709" cy="954039"/>
+          </a:xfrm>
+          <a:prstGeom prst="rect">
+            <a:avLst/>
+          </a:prstGeom>
+          <a:noFill/>
+          <a:ln>
+            <a:solidFill>
+              <a:srgbClr val="FFFFFF"/>
+            </a:solidFill>
+          </a:ln>
+          <a:extLst>
+            <a:ext uri="{909E8E84-426E-40DD-AFC4-6F175D3DCCD1}">
+              <a14:hiddenFill xmlns:a14="http://schemas.microsoft.com/office/drawing/2010/main">
+                <a:solidFill>
+                  <a:srgbClr val="FFFFFF"/>
+                </a:solidFill>
+              </a14:hiddenFill>
+            </a:ext>
+          </a:extLst>
+        </p:spPr>
+      </p:pic>
+      <p:pic>
+        <p:nvPicPr>
+          <p:cNvPr id="22536" name="Picture 8" descr="https://d33wubrfki0l68.cloudfront.net/c98682f984204cf3467a580e8faebb49fd3fdd8f/8ea11/assets/img/energetic-insurance-list.jpg"/>
+          <p:cNvPicPr>
+            <a:picLocks noChangeAspect="1" noChangeArrowheads="1"/>
+          </p:cNvPicPr>
+          <p:nvPr/>
+        </p:nvPicPr>
+        <p:blipFill>
+          <a:blip r:embed="rId5" cstate="print">
+            <a:extLst>
+              <a:ext uri="{28A0092B-C50C-407E-A947-70E740481C1C}">
+                <a14:useLocalDpi xmlns:a14="http://schemas.microsoft.com/office/drawing/2010/main" val="0"/>
+              </a:ext>
+            </a:extLst>
+          </a:blip>
+          <a:srcRect/>
+          <a:stretch>
+            <a:fillRect/>
+          </a:stretch>
+        </p:blipFill>
+        <p:spPr bwMode="auto">
+          <a:xfrm rot="10800000" flipH="1" flipV="1">
+            <a:off x="7425757" y="3722564"/>
+            <a:ext cx="1519709" cy="954039"/>
+          </a:xfrm>
+          <a:prstGeom prst="rect">
+            <a:avLst/>
+          </a:prstGeom>
+          <a:noFill/>
+          <a:ln>
+            <a:solidFill>
+              <a:srgbClr val="FFFFFF"/>
+            </a:solidFill>
+          </a:ln>
+          <a:extLst>
+            <a:ext uri="{909E8E84-426E-40DD-AFC4-6F175D3DCCD1}">
+              <a14:hiddenFill xmlns:a14="http://schemas.microsoft.com/office/drawing/2010/main">
+                <a:solidFill>
+                  <a:srgbClr val="FFFFFF"/>
+                </a:solidFill>
+              </a14:hiddenFill>
+            </a:ext>
+          </a:extLst>
+        </p:spPr>
+      </p:pic>
+      <p:pic>
+        <p:nvPicPr>
+          <p:cNvPr id="22538" name="Picture 10" descr="https://d33wubrfki0l68.cloudfront.net/b6c52296abcbd8025028b99a3c33d2b49906f517/323c8/assets/img/redfin.jpg"/>
+          <p:cNvPicPr>
+            <a:picLocks noChangeAspect="1" noChangeArrowheads="1"/>
+          </p:cNvPicPr>
+          <p:nvPr/>
+        </p:nvPicPr>
+        <p:blipFill>
+          <a:blip r:embed="rId6" cstate="print">
+            <a:extLst>
+              <a:ext uri="{28A0092B-C50C-407E-A947-70E740481C1C}">
+                <a14:useLocalDpi xmlns:a14="http://schemas.microsoft.com/office/drawing/2010/main" val="0"/>
+              </a:ext>
+            </a:extLst>
+          </a:blip>
+          <a:srcRect/>
+          <a:stretch>
+            <a:fillRect/>
+          </a:stretch>
+        </p:blipFill>
+        <p:spPr bwMode="auto">
+          <a:xfrm rot="10800000" flipH="1" flipV="1">
+            <a:off x="1933583" y="3722565"/>
+            <a:ext cx="1519709" cy="954039"/>
+          </a:xfrm>
+          <a:prstGeom prst="rect">
+            <a:avLst/>
+          </a:prstGeom>
+          <a:noFill/>
+          <a:ln>
+            <a:solidFill>
+              <a:srgbClr val="FFFFFF"/>
+            </a:solidFill>
+          </a:ln>
+          <a:extLst>
+            <a:ext uri="{909E8E84-426E-40DD-AFC4-6F175D3DCCD1}">
+              <a14:hiddenFill xmlns:a14="http://schemas.microsoft.com/office/drawing/2010/main">
+                <a:solidFill>
+                  <a:srgbClr val="FFFFFF"/>
+                </a:solidFill>
+              </a14:hiddenFill>
+            </a:ext>
+          </a:extLst>
+        </p:spPr>
+      </p:pic>
+      <p:pic>
+        <p:nvPicPr>
+          <p:cNvPr id="22540" name="Picture 12" descr="https://d33wubrfki0l68.cloudfront.net/a6a3dfdfb6c3a8ae4196d9cde07349a87b4116ed/68f56/assets/img/janssen.png"/>
+          <p:cNvPicPr>
+            <a:picLocks noChangeAspect="1" noChangeArrowheads="1"/>
+          </p:cNvPicPr>
+          <p:nvPr/>
+        </p:nvPicPr>
+        <p:blipFill>
+          <a:blip r:embed="rId7" cstate="print">
+            <a:extLst>
+              <a:ext uri="{28A0092B-C50C-407E-A947-70E740481C1C}">
+                <a14:useLocalDpi xmlns:a14="http://schemas.microsoft.com/office/drawing/2010/main" val="0"/>
+              </a:ext>
+            </a:extLst>
+          </a:blip>
+          <a:srcRect/>
+          <a:stretch>
+            <a:fillRect/>
+          </a:stretch>
+        </p:blipFill>
+        <p:spPr bwMode="auto">
+          <a:xfrm rot="10800000" flipH="1" flipV="1">
+            <a:off x="5595033" y="3722564"/>
+            <a:ext cx="1519709" cy="954039"/>
+          </a:xfrm>
+          <a:prstGeom prst="rect">
+            <a:avLst/>
+          </a:prstGeom>
+          <a:noFill/>
+          <a:ln>
+            <a:solidFill>
+              <a:srgbClr val="FFFFFF"/>
+            </a:solidFill>
+          </a:ln>
+          <a:extLst>
+            <a:ext uri="{909E8E84-426E-40DD-AFC4-6F175D3DCCD1}">
+              <a14:hiddenFill xmlns:a14="http://schemas.microsoft.com/office/drawing/2010/main">
+                <a:solidFill>
+                  <a:srgbClr val="FFFFFF"/>
+                </a:solidFill>
+              </a14:hiddenFill>
+            </a:ext>
+          </a:extLst>
+        </p:spPr>
+      </p:pic>
+      <p:pic>
+        <p:nvPicPr>
+          <p:cNvPr id="22542" name="Picture 14" descr="https://d33wubrfki0l68.cloudfront.net/1a1037f53bdba990a9a585d845883199e5b292a2/4ec6f/assets/img/familyconnectionfoundation.png"/>
+          <p:cNvPicPr>
+            <a:picLocks noChangeAspect="1" noChangeArrowheads="1"/>
+          </p:cNvPicPr>
+          <p:nvPr/>
+        </p:nvPicPr>
+        <p:blipFill>
+          <a:blip r:embed="rId8" cstate="print">
+            <a:extLst>
+              <a:ext uri="{28A0092B-C50C-407E-A947-70E740481C1C}">
+                <a14:useLocalDpi xmlns:a14="http://schemas.microsoft.com/office/drawing/2010/main" val="0"/>
+              </a:ext>
+            </a:extLst>
+          </a:blip>
+          <a:srcRect/>
+          <a:stretch>
+            <a:fillRect/>
+          </a:stretch>
+        </p:blipFill>
+        <p:spPr bwMode="auto">
+          <a:xfrm rot="10800000" flipH="1" flipV="1">
+            <a:off x="102858" y="3722565"/>
+            <a:ext cx="1519709" cy="954039"/>
+          </a:xfrm>
+          <a:prstGeom prst="rect">
+            <a:avLst/>
+          </a:prstGeom>
+          <a:noFill/>
+          <a:ln>
+            <a:solidFill>
+              <a:srgbClr val="FFFFFF"/>
+            </a:solidFill>
+          </a:ln>
+          <a:extLst>
+            <a:ext uri="{909E8E84-426E-40DD-AFC4-6F175D3DCCD1}">
+              <a14:hiddenFill xmlns:a14="http://schemas.microsoft.com/office/drawing/2010/main">
+                <a:solidFill>
+                  <a:srgbClr val="FFFFFF"/>
+                </a:solidFill>
+              </a14:hiddenFill>
+            </a:ext>
+          </a:extLst>
+        </p:spPr>
+      </p:pic>
+      <p:pic>
+        <p:nvPicPr>
+          <p:cNvPr id="22544" name="Picture 16" descr="https://d33wubrfki0l68.cloudfront.net/66c57e8cebb54a2426e283f7d47eb4f3b79b7ced/5a3b6/assets/img/educationsuperhighway.png"/>
+          <p:cNvPicPr>
+            <a:picLocks noChangeAspect="1" noChangeArrowheads="1"/>
+          </p:cNvPicPr>
+          <p:nvPr/>
+        </p:nvPicPr>
+        <p:blipFill>
+          <a:blip r:embed="rId9" cstate="print">
+            <a:extLst>
+              <a:ext uri="{28A0092B-C50C-407E-A947-70E740481C1C}">
+                <a14:useLocalDpi xmlns:a14="http://schemas.microsoft.com/office/drawing/2010/main" val="0"/>
+              </a:ext>
+            </a:extLst>
+          </a:blip>
+          <a:srcRect/>
+          <a:stretch>
+            <a:fillRect/>
+          </a:stretch>
+        </p:blipFill>
+        <p:spPr bwMode="auto">
+          <a:xfrm rot="10800000" flipH="1" flipV="1">
+            <a:off x="3764308" y="3722565"/>
+            <a:ext cx="1519709" cy="954039"/>
+          </a:xfrm>
+          <a:prstGeom prst="rect">
+            <a:avLst/>
+          </a:prstGeom>
+          <a:noFill/>
+          <a:ln>
+            <a:solidFill>
+              <a:srgbClr val="FFFFFF"/>
+            </a:solidFill>
+          </a:ln>
+          <a:extLst>
+            <a:ext uri="{909E8E84-426E-40DD-AFC4-6F175D3DCCD1}">
+              <a14:hiddenFill xmlns:a14="http://schemas.microsoft.com/office/drawing/2010/main">
+                <a:solidFill>
+                  <a:srgbClr val="FFFFFF"/>
+                </a:solidFill>
+              </a14:hiddenFill>
+            </a:ext>
+          </a:extLst>
+        </p:spPr>
+      </p:pic>
+      <p:pic>
+        <p:nvPicPr>
+          <p:cNvPr id="22546" name="Picture 18" descr="https://d33wubrfki0l68.cloudfront.net/4ff3141dfe00e473d876f07917ba709b7edcfc11/3e5d4/assets/img/noaa.png"/>
+          <p:cNvPicPr>
+            <a:picLocks noChangeAspect="1" noChangeArrowheads="1"/>
+          </p:cNvPicPr>
+          <p:nvPr/>
+        </p:nvPicPr>
+        <p:blipFill>
+          <a:blip r:embed="rId10" cstate="print">
+            <a:extLst>
+              <a:ext uri="{28A0092B-C50C-407E-A947-70E740481C1C}">
+                <a14:useLocalDpi xmlns:a14="http://schemas.microsoft.com/office/drawing/2010/main" val="0"/>
+              </a:ext>
+            </a:extLst>
+          </a:blip>
+          <a:srcRect/>
+          <a:stretch>
+            <a:fillRect/>
+          </a:stretch>
+        </p:blipFill>
+        <p:spPr bwMode="auto">
+          <a:xfrm rot="10800000" flipH="1" flipV="1">
+            <a:off x="3764307" y="2364697"/>
+            <a:ext cx="1519709" cy="954039"/>
+          </a:xfrm>
+          <a:prstGeom prst="rect">
+            <a:avLst/>
+          </a:prstGeom>
+          <a:noFill/>
+          <a:ln>
+            <a:solidFill>
+              <a:srgbClr val="FFFFFF"/>
+            </a:solidFill>
+          </a:ln>
+          <a:extLst>
+            <a:ext uri="{909E8E84-426E-40DD-AFC4-6F175D3DCCD1}">
+              <a14:hiddenFill xmlns:a14="http://schemas.microsoft.com/office/drawing/2010/main">
+                <a:solidFill>
+                  <a:srgbClr val="FFFFFF"/>
+                </a:solidFill>
+              </a14:hiddenFill>
+            </a:ext>
+          </a:extLst>
+        </p:spPr>
+      </p:pic>
+      <p:pic>
+        <p:nvPicPr>
+          <p:cNvPr id="22548" name="Picture 20" descr="https://d33wubrfki0l68.cloudfront.net/47401841f4b2d112b32ea2c975df0d23db876ef4/48bff/assets/img/roundtableanalytics.jpg"/>
+          <p:cNvPicPr>
+            <a:picLocks noChangeAspect="1" noChangeArrowheads="1"/>
+          </p:cNvPicPr>
+          <p:nvPr/>
+        </p:nvPicPr>
+        <p:blipFill>
+          <a:blip r:embed="rId11" cstate="print">
+            <a:extLst>
+              <a:ext uri="{28A0092B-C50C-407E-A947-70E740481C1C}">
+                <a14:useLocalDpi xmlns:a14="http://schemas.microsoft.com/office/drawing/2010/main" val="0"/>
+              </a:ext>
+            </a:extLst>
+          </a:blip>
+          <a:srcRect/>
+          <a:stretch>
+            <a:fillRect/>
+          </a:stretch>
+        </p:blipFill>
+        <p:spPr bwMode="auto">
+          <a:xfrm rot="10800000" flipH="1" flipV="1">
+            <a:off x="3764307" y="1006829"/>
+            <a:ext cx="1519709" cy="954039"/>
+          </a:xfrm>
+          <a:prstGeom prst="rect">
+            <a:avLst/>
+          </a:prstGeom>
+          <a:noFill/>
+          <a:ln>
+            <a:solidFill>
+              <a:srgbClr val="FFFFFF"/>
+            </a:solidFill>
+          </a:ln>
+          <a:extLst>
+            <a:ext uri="{909E8E84-426E-40DD-AFC4-6F175D3DCCD1}">
+              <a14:hiddenFill xmlns:a14="http://schemas.microsoft.com/office/drawing/2010/main">
+                <a:solidFill>
+                  <a:srgbClr val="FFFFFF"/>
+                </a:solidFill>
+              </a14:hiddenFill>
+            </a:ext>
+          </a:extLst>
+        </p:spPr>
+      </p:pic>
+      <p:pic>
+        <p:nvPicPr>
+          <p:cNvPr id="22550" name="Picture 22" descr="https://d33wubrfki0l68.cloudfront.net/8ba5c1f8d3c512cd0c2ccfabd777b5f843ddee2a/2838b/assets/img/astrazeneca.png"/>
+          <p:cNvPicPr>
+            <a:picLocks noChangeAspect="1" noChangeArrowheads="1"/>
+          </p:cNvPicPr>
+          <p:nvPr/>
+        </p:nvPicPr>
+        <p:blipFill>
+          <a:blip r:embed="rId12" cstate="print">
+            <a:extLst>
+              <a:ext uri="{28A0092B-C50C-407E-A947-70E740481C1C}">
+                <a14:useLocalDpi xmlns:a14="http://schemas.microsoft.com/office/drawing/2010/main" val="0"/>
+              </a:ext>
+            </a:extLst>
+          </a:blip>
+          <a:srcRect/>
+          <a:stretch>
+            <a:fillRect/>
+          </a:stretch>
+        </p:blipFill>
+        <p:spPr bwMode="auto">
+          <a:xfrm rot="10800000" flipH="1" flipV="1">
+            <a:off x="5595032" y="2364696"/>
+            <a:ext cx="1519709" cy="954039"/>
+          </a:xfrm>
+          <a:prstGeom prst="rect">
+            <a:avLst/>
+          </a:prstGeom>
+          <a:noFill/>
+          <a:ln>
+            <a:solidFill>
+              <a:srgbClr val="FFFFFF"/>
+            </a:solidFill>
+          </a:ln>
+          <a:extLst>
+            <a:ext uri="{909E8E84-426E-40DD-AFC4-6F175D3DCCD1}">
+              <a14:hiddenFill xmlns:a14="http://schemas.microsoft.com/office/drawing/2010/main">
+                <a:solidFill>
+                  <a:srgbClr val="FFFFFF"/>
+                </a:solidFill>
+              </a14:hiddenFill>
+            </a:ext>
+          </a:extLst>
+        </p:spPr>
+      </p:pic>
+      <p:pic>
+        <p:nvPicPr>
+          <p:cNvPr id="22552" name="Picture 24" descr="https://d33wubrfki0l68.cloudfront.net/54cefdf2c59804e994617656baffe73bb83415a9/fcbf8/assets/img/aridhia.png"/>
+          <p:cNvPicPr>
+            <a:picLocks noChangeAspect="1" noChangeArrowheads="1"/>
+          </p:cNvPicPr>
+          <p:nvPr/>
+        </p:nvPicPr>
+        <p:blipFill>
+          <a:blip r:embed="rId13" cstate="print">
+            <a:extLst>
+              <a:ext uri="{28A0092B-C50C-407E-A947-70E740481C1C}">
+                <a14:useLocalDpi xmlns:a14="http://schemas.microsoft.com/office/drawing/2010/main" val="0"/>
+              </a:ext>
+            </a:extLst>
+          </a:blip>
+          <a:srcRect/>
+          <a:stretch>
+            <a:fillRect/>
+          </a:stretch>
+        </p:blipFill>
+        <p:spPr bwMode="auto">
+          <a:xfrm rot="10800000" flipH="1" flipV="1">
+            <a:off x="1933582" y="2364696"/>
+            <a:ext cx="1519709" cy="954039"/>
+          </a:xfrm>
+          <a:prstGeom prst="rect">
+            <a:avLst/>
+          </a:prstGeom>
+          <a:noFill/>
+          <a:ln>
+            <a:solidFill>
+              <a:srgbClr val="FFFFFF"/>
+            </a:solidFill>
+          </a:ln>
+          <a:extLst>
+            <a:ext uri="{909E8E84-426E-40DD-AFC4-6F175D3DCCD1}">
+              <a14:hiddenFill xmlns:a14="http://schemas.microsoft.com/office/drawing/2010/main">
+                <a:solidFill>
+                  <a:srgbClr val="FFFFFF"/>
+                </a:solidFill>
+              </a14:hiddenFill>
+            </a:ext>
+          </a:extLst>
+        </p:spPr>
+      </p:pic>
+      <p:pic>
+        <p:nvPicPr>
+          <p:cNvPr id="22554" name="Picture 26" descr="https://d33wubrfki0l68.cloudfront.net/071e6db2c86c78af219b0fde78c51087c1b548ba/c232c/assets/img/fundingcircle.png"/>
+          <p:cNvPicPr>
+            <a:picLocks noChangeAspect="1" noChangeArrowheads="1"/>
+          </p:cNvPicPr>
+          <p:nvPr/>
+        </p:nvPicPr>
+        <p:blipFill>
+          <a:blip r:embed="rId14" cstate="print">
+            <a:extLst>
+              <a:ext uri="{28A0092B-C50C-407E-A947-70E740481C1C}">
+                <a14:useLocalDpi xmlns:a14="http://schemas.microsoft.com/office/drawing/2010/main" val="0"/>
+              </a:ext>
+            </a:extLst>
+          </a:blip>
+          <a:srcRect/>
+          <a:stretch>
+            <a:fillRect/>
+          </a:stretch>
+        </p:blipFill>
+        <p:spPr bwMode="auto">
+          <a:xfrm rot="10800000" flipH="1" flipV="1">
+            <a:off x="102857" y="2364697"/>
+            <a:ext cx="1519709" cy="954039"/>
+          </a:xfrm>
+          <a:prstGeom prst="rect">
+            <a:avLst/>
+          </a:prstGeom>
+          <a:noFill/>
+          <a:ln>
+            <a:solidFill>
+              <a:srgbClr val="FFFFFF"/>
+            </a:solidFill>
+          </a:ln>
+          <a:extLst>
+            <a:ext uri="{909E8E84-426E-40DD-AFC4-6F175D3DCCD1}">
+              <a14:hiddenFill xmlns:a14="http://schemas.microsoft.com/office/drawing/2010/main">
+                <a:solidFill>
+                  <a:srgbClr val="FFFFFF"/>
+                </a:solidFill>
+              </a14:hiddenFill>
+            </a:ext>
+          </a:extLst>
+        </p:spPr>
+      </p:pic>
+      <p:pic>
+        <p:nvPicPr>
+          <p:cNvPr id="22556" name="Picture 28" descr="https://d33wubrfki0l68.cloudfront.net/e56956fafbfc73010133b6621898dfbac1691195/30850/assets/img/cava.png"/>
+          <p:cNvPicPr>
+            <a:picLocks noChangeAspect="1" noChangeArrowheads="1"/>
+          </p:cNvPicPr>
+          <p:nvPr/>
+        </p:nvPicPr>
+        <p:blipFill>
+          <a:blip r:embed="rId15" cstate="print">
+            <a:extLst>
+              <a:ext uri="{28A0092B-C50C-407E-A947-70E740481C1C}">
+                <a14:useLocalDpi xmlns:a14="http://schemas.microsoft.com/office/drawing/2010/main" val="0"/>
+              </a:ext>
+            </a:extLst>
+          </a:blip>
+          <a:srcRect/>
+          <a:stretch>
+            <a:fillRect/>
+          </a:stretch>
+        </p:blipFill>
+        <p:spPr bwMode="auto">
+          <a:xfrm rot="10800000" flipH="1" flipV="1">
+            <a:off x="1933582" y="1006828"/>
+            <a:ext cx="1519709" cy="954039"/>
+          </a:xfrm>
+          <a:prstGeom prst="rect">
+            <a:avLst/>
+          </a:prstGeom>
+          <a:noFill/>
+          <a:ln>
+            <a:solidFill>
+              <a:srgbClr val="FFFFFF"/>
+            </a:solidFill>
+          </a:ln>
+          <a:extLst>
+            <a:ext uri="{909E8E84-426E-40DD-AFC4-6F175D3DCCD1}">
+              <a14:hiddenFill xmlns:a14="http://schemas.microsoft.com/office/drawing/2010/main">
+                <a:solidFill>
+                  <a:srgbClr val="FFFFFF"/>
+                </a:solidFill>
+              </a14:hiddenFill>
+            </a:ext>
+          </a:extLst>
+        </p:spPr>
+      </p:pic>
+      <p:pic>
+        <p:nvPicPr>
+          <p:cNvPr id="22558" name="Picture 30" descr="https://d33wubrfki0l68.cloudfront.net/d6e09aa31f1b970f40c2c663364836f61a5ad7f9/f7fa3/assets/img/geocf.png"/>
+          <p:cNvPicPr>
+            <a:picLocks noChangeAspect="1" noChangeArrowheads="1"/>
+          </p:cNvPicPr>
+          <p:nvPr/>
+        </p:nvPicPr>
+        <p:blipFill>
+          <a:blip r:embed="rId16" cstate="print">
+            <a:extLst>
+              <a:ext uri="{28A0092B-C50C-407E-A947-70E740481C1C}">
+                <a14:useLocalDpi xmlns:a14="http://schemas.microsoft.com/office/drawing/2010/main" val="0"/>
+              </a:ext>
+            </a:extLst>
+          </a:blip>
+          <a:srcRect/>
+          <a:stretch>
+            <a:fillRect/>
+          </a:stretch>
+        </p:blipFill>
+        <p:spPr bwMode="auto">
+          <a:xfrm rot="10800000" flipH="1" flipV="1">
+            <a:off x="7425757" y="2364696"/>
+            <a:ext cx="1519709" cy="954039"/>
+          </a:xfrm>
+          <a:prstGeom prst="rect">
+            <a:avLst/>
+          </a:prstGeom>
+          <a:noFill/>
+          <a:ln>
+            <a:solidFill>
+              <a:srgbClr val="FFFFFF"/>
+            </a:solidFill>
+          </a:ln>
+          <a:extLst>
+            <a:ext uri="{909E8E84-426E-40DD-AFC4-6F175D3DCCD1}">
+              <a14:hiddenFill xmlns:a14="http://schemas.microsoft.com/office/drawing/2010/main">
+                <a:solidFill>
+                  <a:srgbClr val="FFFFFF"/>
+                </a:solidFill>
+              </a14:hiddenFill>
+            </a:ext>
+          </a:extLst>
+        </p:spPr>
+      </p:pic>
+      <p:sp>
+        <p:nvSpPr>
+          <p:cNvPr id="10" name="Rectangle 9"/>
+          <p:cNvSpPr/>
+          <p:nvPr/>
+        </p:nvSpPr>
+        <p:spPr>
+          <a:xfrm>
+            <a:off x="4114800" y="4774168"/>
+            <a:ext cx="5474652" cy="369332"/>
+          </a:xfrm>
+          <a:prstGeom prst="rect">
+            <a:avLst/>
+          </a:prstGeom>
+        </p:spPr>
+        <p:txBody>
+          <a:bodyPr wrap="square">
+            <a:spAutoFit/>
+          </a:bodyPr>
+          <a:lstStyle/>
+          <a:p>
+            <a:r>
+              <a:rPr lang="en-AU" dirty="0"/>
+              <a:t>https://</a:t>
+            </a:r>
+            <a:r>
+              <a:rPr lang="en-AU" dirty="0" smtClean="0"/>
+              <a:t>www.rstudio.com/about/customer-stories</a:t>
+            </a:r>
+            <a:endParaRPr lang="en-AU" dirty="0"/>
+          </a:p>
+        </p:txBody>
+      </p:sp>
+    </p:spTree>
+    <p:extLst>
+      <p:ext uri="{BB962C8B-B14F-4D97-AF65-F5344CB8AC3E}">
+        <p14:creationId xmlns:p14="http://schemas.microsoft.com/office/powerpoint/2010/main" val="4123064304"/>
+      </p:ext>
+    </p:extLst>
+  </p:cSld>
+  <p:clrMapOvr>
+    <a:masterClrMapping/>
+  </p:clrMapOvr>
+</p:sld>
+</file>
+
+<file path=ppt/slides/slide3.xml><?xml version="1.0" encoding="utf-8"?>
 <p:sld xmlns:a="http://schemas.openxmlformats.org/drawingml/2006/main" xmlns:r="http://schemas.openxmlformats.org/officeDocument/2006/relationships" xmlns:p="http://schemas.openxmlformats.org/presentationml/2006/main">
   <p:cSld>
     <p:spTree>
@@ -8510,790 +10838,7 @@
 </p:sld>
 </file>
 
-<file path=ppt/slides/slide20.xml><?xml version="1.0" encoding="utf-8"?>
-<p:sld xmlns:a="http://schemas.openxmlformats.org/drawingml/2006/main" xmlns:r="http://schemas.openxmlformats.org/officeDocument/2006/relationships" xmlns:p="http://schemas.openxmlformats.org/presentationml/2006/main">
-  <p:cSld>
-    <p:spTree>
-      <p:nvGrpSpPr>
-        <p:cNvPr id="1" name=""/>
-        <p:cNvGrpSpPr/>
-        <p:nvPr/>
-      </p:nvGrpSpPr>
-      <p:grpSpPr>
-        <a:xfrm>
-          <a:off x="0" y="0"/>
-          <a:ext cx="0" cy="0"/>
-          <a:chOff x="0" y="0"/>
-          <a:chExt cx="0" cy="0"/>
-        </a:xfrm>
-      </p:grpSpPr>
-      <p:sp>
-        <p:nvSpPr>
-          <p:cNvPr id="2" name="Title 1"/>
-          <p:cNvSpPr>
-            <a:spLocks noGrp="1"/>
-          </p:cNvSpPr>
-          <p:nvPr>
-            <p:ph type="title"/>
-          </p:nvPr>
-        </p:nvSpPr>
-        <p:spPr>
-          <a:xfrm>
-            <a:off x="549798" y="52014"/>
-            <a:ext cx="8229600" cy="857250"/>
-          </a:xfrm>
-        </p:spPr>
-        <p:txBody>
-          <a:bodyPr>
-            <a:normAutofit/>
-          </a:bodyPr>
-          <a:lstStyle/>
-          <a:p>
-            <a:r>
-              <a:rPr lang="en-AU" dirty="0" smtClean="0"/>
-              <a:t>Yes, R is used in the industry</a:t>
-            </a:r>
-            <a:endParaRPr lang="en-AU" dirty="0"/>
-          </a:p>
-        </p:txBody>
-      </p:sp>
-      <p:pic>
-        <p:nvPicPr>
-          <p:cNvPr id="22530" name="Picture 2" descr="https://d33wubrfki0l68.cloudfront.net/e8fbecab3c77738b00ed63e34050aab1ce8d7265/49b58/assets/img/stack-overflow-card.png"/>
-          <p:cNvPicPr>
-            <a:picLocks noChangeAspect="1" noChangeArrowheads="1"/>
-          </p:cNvPicPr>
-          <p:nvPr/>
-        </p:nvPicPr>
-        <p:blipFill>
-          <a:blip r:embed="rId2" cstate="print">
-            <a:extLst>
-              <a:ext uri="{28A0092B-C50C-407E-A947-70E740481C1C}">
-                <a14:useLocalDpi xmlns:a14="http://schemas.microsoft.com/office/drawing/2010/main" val="0"/>
-              </a:ext>
-            </a:extLst>
-          </a:blip>
-          <a:srcRect/>
-          <a:stretch>
-            <a:fillRect/>
-          </a:stretch>
-        </p:blipFill>
-        <p:spPr bwMode="auto">
-          <a:xfrm rot="10800000" flipH="1" flipV="1">
-            <a:off x="5595032" y="1006829"/>
-            <a:ext cx="1519709" cy="954039"/>
-          </a:xfrm>
-          <a:prstGeom prst="rect">
-            <a:avLst/>
-          </a:prstGeom>
-          <a:noFill/>
-          <a:ln>
-            <a:solidFill>
-              <a:srgbClr val="FFFFFF"/>
-            </a:solidFill>
-          </a:ln>
-          <a:extLst>
-            <a:ext uri="{909E8E84-426E-40DD-AFC4-6F175D3DCCD1}">
-              <a14:hiddenFill xmlns:a14="http://schemas.microsoft.com/office/drawing/2010/main">
-                <a:solidFill>
-                  <a:srgbClr val="FFFFFF"/>
-                </a:solidFill>
-              </a14:hiddenFill>
-            </a:ext>
-          </a:extLst>
-        </p:spPr>
-      </p:pic>
-      <p:pic>
-        <p:nvPicPr>
-          <p:cNvPr id="22532" name="Picture 4" descr="https://d33wubrfki0l68.cloudfront.net/22625c2e6738f6cd2ab52d4b3b2ed0267fb80413/8e9c4/assets/img/extendo-listimage2.jpg"/>
-          <p:cNvPicPr>
-            <a:picLocks noChangeAspect="1" noChangeArrowheads="1"/>
-          </p:cNvPicPr>
-          <p:nvPr/>
-        </p:nvPicPr>
-        <p:blipFill>
-          <a:blip r:embed="rId3" cstate="print">
-            <a:extLst>
-              <a:ext uri="{28A0092B-C50C-407E-A947-70E740481C1C}">
-                <a14:useLocalDpi xmlns:a14="http://schemas.microsoft.com/office/drawing/2010/main" val="0"/>
-              </a:ext>
-            </a:extLst>
-          </a:blip>
-          <a:srcRect/>
-          <a:stretch>
-            <a:fillRect/>
-          </a:stretch>
-        </p:blipFill>
-        <p:spPr bwMode="auto">
-          <a:xfrm rot="10800000" flipH="1" flipV="1">
-            <a:off x="102857" y="1006829"/>
-            <a:ext cx="1519709" cy="954039"/>
-          </a:xfrm>
-          <a:prstGeom prst="rect">
-            <a:avLst/>
-          </a:prstGeom>
-          <a:noFill/>
-          <a:ln>
-            <a:solidFill>
-              <a:srgbClr val="FFFFFF"/>
-            </a:solidFill>
-          </a:ln>
-          <a:extLst>
-            <a:ext uri="{909E8E84-426E-40DD-AFC4-6F175D3DCCD1}">
-              <a14:hiddenFill xmlns:a14="http://schemas.microsoft.com/office/drawing/2010/main">
-                <a:solidFill>
-                  <a:srgbClr val="FFFFFF"/>
-                </a:solidFill>
-              </a14:hiddenFill>
-            </a:ext>
-          </a:extLst>
-        </p:spPr>
-      </p:pic>
-      <p:pic>
-        <p:nvPicPr>
-          <p:cNvPr id="22534" name="Picture 6" descr="https://d33wubrfki0l68.cloudfront.net/dd352d844b6e790122a08c8914eb184592ea1971/6299d/assets/img/pa.jpg"/>
-          <p:cNvPicPr>
-            <a:picLocks noChangeAspect="1" noChangeArrowheads="1"/>
-          </p:cNvPicPr>
-          <p:nvPr/>
-        </p:nvPicPr>
-        <p:blipFill>
-          <a:blip r:embed="rId4" cstate="print">
-            <a:extLst>
-              <a:ext uri="{28A0092B-C50C-407E-A947-70E740481C1C}">
-                <a14:useLocalDpi xmlns:a14="http://schemas.microsoft.com/office/drawing/2010/main" val="0"/>
-              </a:ext>
-            </a:extLst>
-          </a:blip>
-          <a:srcRect/>
-          <a:stretch>
-            <a:fillRect/>
-          </a:stretch>
-        </p:blipFill>
-        <p:spPr bwMode="auto">
-          <a:xfrm rot="10800000" flipH="1" flipV="1">
-            <a:off x="7425757" y="1006829"/>
-            <a:ext cx="1519709" cy="954039"/>
-          </a:xfrm>
-          <a:prstGeom prst="rect">
-            <a:avLst/>
-          </a:prstGeom>
-          <a:noFill/>
-          <a:ln>
-            <a:solidFill>
-              <a:srgbClr val="FFFFFF"/>
-            </a:solidFill>
-          </a:ln>
-          <a:extLst>
-            <a:ext uri="{909E8E84-426E-40DD-AFC4-6F175D3DCCD1}">
-              <a14:hiddenFill xmlns:a14="http://schemas.microsoft.com/office/drawing/2010/main">
-                <a:solidFill>
-                  <a:srgbClr val="FFFFFF"/>
-                </a:solidFill>
-              </a14:hiddenFill>
-            </a:ext>
-          </a:extLst>
-        </p:spPr>
-      </p:pic>
-      <p:pic>
-        <p:nvPicPr>
-          <p:cNvPr id="22536" name="Picture 8" descr="https://d33wubrfki0l68.cloudfront.net/c98682f984204cf3467a580e8faebb49fd3fdd8f/8ea11/assets/img/energetic-insurance-list.jpg"/>
-          <p:cNvPicPr>
-            <a:picLocks noChangeAspect="1" noChangeArrowheads="1"/>
-          </p:cNvPicPr>
-          <p:nvPr/>
-        </p:nvPicPr>
-        <p:blipFill>
-          <a:blip r:embed="rId5" cstate="print">
-            <a:extLst>
-              <a:ext uri="{28A0092B-C50C-407E-A947-70E740481C1C}">
-                <a14:useLocalDpi xmlns:a14="http://schemas.microsoft.com/office/drawing/2010/main" val="0"/>
-              </a:ext>
-            </a:extLst>
-          </a:blip>
-          <a:srcRect/>
-          <a:stretch>
-            <a:fillRect/>
-          </a:stretch>
-        </p:blipFill>
-        <p:spPr bwMode="auto">
-          <a:xfrm rot="10800000" flipH="1" flipV="1">
-            <a:off x="7425757" y="3722564"/>
-            <a:ext cx="1519709" cy="954039"/>
-          </a:xfrm>
-          <a:prstGeom prst="rect">
-            <a:avLst/>
-          </a:prstGeom>
-          <a:noFill/>
-          <a:ln>
-            <a:solidFill>
-              <a:srgbClr val="FFFFFF"/>
-            </a:solidFill>
-          </a:ln>
-          <a:extLst>
-            <a:ext uri="{909E8E84-426E-40DD-AFC4-6F175D3DCCD1}">
-              <a14:hiddenFill xmlns:a14="http://schemas.microsoft.com/office/drawing/2010/main">
-                <a:solidFill>
-                  <a:srgbClr val="FFFFFF"/>
-                </a:solidFill>
-              </a14:hiddenFill>
-            </a:ext>
-          </a:extLst>
-        </p:spPr>
-      </p:pic>
-      <p:pic>
-        <p:nvPicPr>
-          <p:cNvPr id="22538" name="Picture 10" descr="https://d33wubrfki0l68.cloudfront.net/b6c52296abcbd8025028b99a3c33d2b49906f517/323c8/assets/img/redfin.jpg"/>
-          <p:cNvPicPr>
-            <a:picLocks noChangeAspect="1" noChangeArrowheads="1"/>
-          </p:cNvPicPr>
-          <p:nvPr/>
-        </p:nvPicPr>
-        <p:blipFill>
-          <a:blip r:embed="rId6" cstate="print">
-            <a:extLst>
-              <a:ext uri="{28A0092B-C50C-407E-A947-70E740481C1C}">
-                <a14:useLocalDpi xmlns:a14="http://schemas.microsoft.com/office/drawing/2010/main" val="0"/>
-              </a:ext>
-            </a:extLst>
-          </a:blip>
-          <a:srcRect/>
-          <a:stretch>
-            <a:fillRect/>
-          </a:stretch>
-        </p:blipFill>
-        <p:spPr bwMode="auto">
-          <a:xfrm rot="10800000" flipH="1" flipV="1">
-            <a:off x="1933583" y="3722565"/>
-            <a:ext cx="1519709" cy="954039"/>
-          </a:xfrm>
-          <a:prstGeom prst="rect">
-            <a:avLst/>
-          </a:prstGeom>
-          <a:noFill/>
-          <a:ln>
-            <a:solidFill>
-              <a:srgbClr val="FFFFFF"/>
-            </a:solidFill>
-          </a:ln>
-          <a:extLst>
-            <a:ext uri="{909E8E84-426E-40DD-AFC4-6F175D3DCCD1}">
-              <a14:hiddenFill xmlns:a14="http://schemas.microsoft.com/office/drawing/2010/main">
-                <a:solidFill>
-                  <a:srgbClr val="FFFFFF"/>
-                </a:solidFill>
-              </a14:hiddenFill>
-            </a:ext>
-          </a:extLst>
-        </p:spPr>
-      </p:pic>
-      <p:pic>
-        <p:nvPicPr>
-          <p:cNvPr id="22540" name="Picture 12" descr="https://d33wubrfki0l68.cloudfront.net/a6a3dfdfb6c3a8ae4196d9cde07349a87b4116ed/68f56/assets/img/janssen.png"/>
-          <p:cNvPicPr>
-            <a:picLocks noChangeAspect="1" noChangeArrowheads="1"/>
-          </p:cNvPicPr>
-          <p:nvPr/>
-        </p:nvPicPr>
-        <p:blipFill>
-          <a:blip r:embed="rId7" cstate="print">
-            <a:extLst>
-              <a:ext uri="{28A0092B-C50C-407E-A947-70E740481C1C}">
-                <a14:useLocalDpi xmlns:a14="http://schemas.microsoft.com/office/drawing/2010/main" val="0"/>
-              </a:ext>
-            </a:extLst>
-          </a:blip>
-          <a:srcRect/>
-          <a:stretch>
-            <a:fillRect/>
-          </a:stretch>
-        </p:blipFill>
-        <p:spPr bwMode="auto">
-          <a:xfrm rot="10800000" flipH="1" flipV="1">
-            <a:off x="5595033" y="3722564"/>
-            <a:ext cx="1519709" cy="954039"/>
-          </a:xfrm>
-          <a:prstGeom prst="rect">
-            <a:avLst/>
-          </a:prstGeom>
-          <a:noFill/>
-          <a:ln>
-            <a:solidFill>
-              <a:srgbClr val="FFFFFF"/>
-            </a:solidFill>
-          </a:ln>
-          <a:extLst>
-            <a:ext uri="{909E8E84-426E-40DD-AFC4-6F175D3DCCD1}">
-              <a14:hiddenFill xmlns:a14="http://schemas.microsoft.com/office/drawing/2010/main">
-                <a:solidFill>
-                  <a:srgbClr val="FFFFFF"/>
-                </a:solidFill>
-              </a14:hiddenFill>
-            </a:ext>
-          </a:extLst>
-        </p:spPr>
-      </p:pic>
-      <p:pic>
-        <p:nvPicPr>
-          <p:cNvPr id="22542" name="Picture 14" descr="https://d33wubrfki0l68.cloudfront.net/1a1037f53bdba990a9a585d845883199e5b292a2/4ec6f/assets/img/familyconnectionfoundation.png"/>
-          <p:cNvPicPr>
-            <a:picLocks noChangeAspect="1" noChangeArrowheads="1"/>
-          </p:cNvPicPr>
-          <p:nvPr/>
-        </p:nvPicPr>
-        <p:blipFill>
-          <a:blip r:embed="rId8" cstate="print">
-            <a:extLst>
-              <a:ext uri="{28A0092B-C50C-407E-A947-70E740481C1C}">
-                <a14:useLocalDpi xmlns:a14="http://schemas.microsoft.com/office/drawing/2010/main" val="0"/>
-              </a:ext>
-            </a:extLst>
-          </a:blip>
-          <a:srcRect/>
-          <a:stretch>
-            <a:fillRect/>
-          </a:stretch>
-        </p:blipFill>
-        <p:spPr bwMode="auto">
-          <a:xfrm rot="10800000" flipH="1" flipV="1">
-            <a:off x="102858" y="3722565"/>
-            <a:ext cx="1519709" cy="954039"/>
-          </a:xfrm>
-          <a:prstGeom prst="rect">
-            <a:avLst/>
-          </a:prstGeom>
-          <a:noFill/>
-          <a:ln>
-            <a:solidFill>
-              <a:srgbClr val="FFFFFF"/>
-            </a:solidFill>
-          </a:ln>
-          <a:extLst>
-            <a:ext uri="{909E8E84-426E-40DD-AFC4-6F175D3DCCD1}">
-              <a14:hiddenFill xmlns:a14="http://schemas.microsoft.com/office/drawing/2010/main">
-                <a:solidFill>
-                  <a:srgbClr val="FFFFFF"/>
-                </a:solidFill>
-              </a14:hiddenFill>
-            </a:ext>
-          </a:extLst>
-        </p:spPr>
-      </p:pic>
-      <p:pic>
-        <p:nvPicPr>
-          <p:cNvPr id="22544" name="Picture 16" descr="https://d33wubrfki0l68.cloudfront.net/66c57e8cebb54a2426e283f7d47eb4f3b79b7ced/5a3b6/assets/img/educationsuperhighway.png"/>
-          <p:cNvPicPr>
-            <a:picLocks noChangeAspect="1" noChangeArrowheads="1"/>
-          </p:cNvPicPr>
-          <p:nvPr/>
-        </p:nvPicPr>
-        <p:blipFill>
-          <a:blip r:embed="rId9" cstate="print">
-            <a:extLst>
-              <a:ext uri="{28A0092B-C50C-407E-A947-70E740481C1C}">
-                <a14:useLocalDpi xmlns:a14="http://schemas.microsoft.com/office/drawing/2010/main" val="0"/>
-              </a:ext>
-            </a:extLst>
-          </a:blip>
-          <a:srcRect/>
-          <a:stretch>
-            <a:fillRect/>
-          </a:stretch>
-        </p:blipFill>
-        <p:spPr bwMode="auto">
-          <a:xfrm rot="10800000" flipH="1" flipV="1">
-            <a:off x="3764308" y="3722565"/>
-            <a:ext cx="1519709" cy="954039"/>
-          </a:xfrm>
-          <a:prstGeom prst="rect">
-            <a:avLst/>
-          </a:prstGeom>
-          <a:noFill/>
-          <a:ln>
-            <a:solidFill>
-              <a:srgbClr val="FFFFFF"/>
-            </a:solidFill>
-          </a:ln>
-          <a:extLst>
-            <a:ext uri="{909E8E84-426E-40DD-AFC4-6F175D3DCCD1}">
-              <a14:hiddenFill xmlns:a14="http://schemas.microsoft.com/office/drawing/2010/main">
-                <a:solidFill>
-                  <a:srgbClr val="FFFFFF"/>
-                </a:solidFill>
-              </a14:hiddenFill>
-            </a:ext>
-          </a:extLst>
-        </p:spPr>
-      </p:pic>
-      <p:pic>
-        <p:nvPicPr>
-          <p:cNvPr id="22546" name="Picture 18" descr="https://d33wubrfki0l68.cloudfront.net/4ff3141dfe00e473d876f07917ba709b7edcfc11/3e5d4/assets/img/noaa.png"/>
-          <p:cNvPicPr>
-            <a:picLocks noChangeAspect="1" noChangeArrowheads="1"/>
-          </p:cNvPicPr>
-          <p:nvPr/>
-        </p:nvPicPr>
-        <p:blipFill>
-          <a:blip r:embed="rId10" cstate="print">
-            <a:extLst>
-              <a:ext uri="{28A0092B-C50C-407E-A947-70E740481C1C}">
-                <a14:useLocalDpi xmlns:a14="http://schemas.microsoft.com/office/drawing/2010/main" val="0"/>
-              </a:ext>
-            </a:extLst>
-          </a:blip>
-          <a:srcRect/>
-          <a:stretch>
-            <a:fillRect/>
-          </a:stretch>
-        </p:blipFill>
-        <p:spPr bwMode="auto">
-          <a:xfrm rot="10800000" flipH="1" flipV="1">
-            <a:off x="3764307" y="2364697"/>
-            <a:ext cx="1519709" cy="954039"/>
-          </a:xfrm>
-          <a:prstGeom prst="rect">
-            <a:avLst/>
-          </a:prstGeom>
-          <a:noFill/>
-          <a:ln>
-            <a:solidFill>
-              <a:srgbClr val="FFFFFF"/>
-            </a:solidFill>
-          </a:ln>
-          <a:extLst>
-            <a:ext uri="{909E8E84-426E-40DD-AFC4-6F175D3DCCD1}">
-              <a14:hiddenFill xmlns:a14="http://schemas.microsoft.com/office/drawing/2010/main">
-                <a:solidFill>
-                  <a:srgbClr val="FFFFFF"/>
-                </a:solidFill>
-              </a14:hiddenFill>
-            </a:ext>
-          </a:extLst>
-        </p:spPr>
-      </p:pic>
-      <p:pic>
-        <p:nvPicPr>
-          <p:cNvPr id="22548" name="Picture 20" descr="https://d33wubrfki0l68.cloudfront.net/47401841f4b2d112b32ea2c975df0d23db876ef4/48bff/assets/img/roundtableanalytics.jpg"/>
-          <p:cNvPicPr>
-            <a:picLocks noChangeAspect="1" noChangeArrowheads="1"/>
-          </p:cNvPicPr>
-          <p:nvPr/>
-        </p:nvPicPr>
-        <p:blipFill>
-          <a:blip r:embed="rId11" cstate="print">
-            <a:extLst>
-              <a:ext uri="{28A0092B-C50C-407E-A947-70E740481C1C}">
-                <a14:useLocalDpi xmlns:a14="http://schemas.microsoft.com/office/drawing/2010/main" val="0"/>
-              </a:ext>
-            </a:extLst>
-          </a:blip>
-          <a:srcRect/>
-          <a:stretch>
-            <a:fillRect/>
-          </a:stretch>
-        </p:blipFill>
-        <p:spPr bwMode="auto">
-          <a:xfrm rot="10800000" flipH="1" flipV="1">
-            <a:off x="3764307" y="1006829"/>
-            <a:ext cx="1519709" cy="954039"/>
-          </a:xfrm>
-          <a:prstGeom prst="rect">
-            <a:avLst/>
-          </a:prstGeom>
-          <a:noFill/>
-          <a:ln>
-            <a:solidFill>
-              <a:srgbClr val="FFFFFF"/>
-            </a:solidFill>
-          </a:ln>
-          <a:extLst>
-            <a:ext uri="{909E8E84-426E-40DD-AFC4-6F175D3DCCD1}">
-              <a14:hiddenFill xmlns:a14="http://schemas.microsoft.com/office/drawing/2010/main">
-                <a:solidFill>
-                  <a:srgbClr val="FFFFFF"/>
-                </a:solidFill>
-              </a14:hiddenFill>
-            </a:ext>
-          </a:extLst>
-        </p:spPr>
-      </p:pic>
-      <p:pic>
-        <p:nvPicPr>
-          <p:cNvPr id="22550" name="Picture 22" descr="https://d33wubrfki0l68.cloudfront.net/8ba5c1f8d3c512cd0c2ccfabd777b5f843ddee2a/2838b/assets/img/astrazeneca.png"/>
-          <p:cNvPicPr>
-            <a:picLocks noChangeAspect="1" noChangeArrowheads="1"/>
-          </p:cNvPicPr>
-          <p:nvPr/>
-        </p:nvPicPr>
-        <p:blipFill>
-          <a:blip r:embed="rId12" cstate="print">
-            <a:extLst>
-              <a:ext uri="{28A0092B-C50C-407E-A947-70E740481C1C}">
-                <a14:useLocalDpi xmlns:a14="http://schemas.microsoft.com/office/drawing/2010/main" val="0"/>
-              </a:ext>
-            </a:extLst>
-          </a:blip>
-          <a:srcRect/>
-          <a:stretch>
-            <a:fillRect/>
-          </a:stretch>
-        </p:blipFill>
-        <p:spPr bwMode="auto">
-          <a:xfrm rot="10800000" flipH="1" flipV="1">
-            <a:off x="5595032" y="2364696"/>
-            <a:ext cx="1519709" cy="954039"/>
-          </a:xfrm>
-          <a:prstGeom prst="rect">
-            <a:avLst/>
-          </a:prstGeom>
-          <a:noFill/>
-          <a:ln>
-            <a:solidFill>
-              <a:srgbClr val="FFFFFF"/>
-            </a:solidFill>
-          </a:ln>
-          <a:extLst>
-            <a:ext uri="{909E8E84-426E-40DD-AFC4-6F175D3DCCD1}">
-              <a14:hiddenFill xmlns:a14="http://schemas.microsoft.com/office/drawing/2010/main">
-                <a:solidFill>
-                  <a:srgbClr val="FFFFFF"/>
-                </a:solidFill>
-              </a14:hiddenFill>
-            </a:ext>
-          </a:extLst>
-        </p:spPr>
-      </p:pic>
-      <p:pic>
-        <p:nvPicPr>
-          <p:cNvPr id="22552" name="Picture 24" descr="https://d33wubrfki0l68.cloudfront.net/54cefdf2c59804e994617656baffe73bb83415a9/fcbf8/assets/img/aridhia.png"/>
-          <p:cNvPicPr>
-            <a:picLocks noChangeAspect="1" noChangeArrowheads="1"/>
-          </p:cNvPicPr>
-          <p:nvPr/>
-        </p:nvPicPr>
-        <p:blipFill>
-          <a:blip r:embed="rId13" cstate="print">
-            <a:extLst>
-              <a:ext uri="{28A0092B-C50C-407E-A947-70E740481C1C}">
-                <a14:useLocalDpi xmlns:a14="http://schemas.microsoft.com/office/drawing/2010/main" val="0"/>
-              </a:ext>
-            </a:extLst>
-          </a:blip>
-          <a:srcRect/>
-          <a:stretch>
-            <a:fillRect/>
-          </a:stretch>
-        </p:blipFill>
-        <p:spPr bwMode="auto">
-          <a:xfrm rot="10800000" flipH="1" flipV="1">
-            <a:off x="1933582" y="2364696"/>
-            <a:ext cx="1519709" cy="954039"/>
-          </a:xfrm>
-          <a:prstGeom prst="rect">
-            <a:avLst/>
-          </a:prstGeom>
-          <a:noFill/>
-          <a:ln>
-            <a:solidFill>
-              <a:srgbClr val="FFFFFF"/>
-            </a:solidFill>
-          </a:ln>
-          <a:extLst>
-            <a:ext uri="{909E8E84-426E-40DD-AFC4-6F175D3DCCD1}">
-              <a14:hiddenFill xmlns:a14="http://schemas.microsoft.com/office/drawing/2010/main">
-                <a:solidFill>
-                  <a:srgbClr val="FFFFFF"/>
-                </a:solidFill>
-              </a14:hiddenFill>
-            </a:ext>
-          </a:extLst>
-        </p:spPr>
-      </p:pic>
-      <p:pic>
-        <p:nvPicPr>
-          <p:cNvPr id="22554" name="Picture 26" descr="https://d33wubrfki0l68.cloudfront.net/071e6db2c86c78af219b0fde78c51087c1b548ba/c232c/assets/img/fundingcircle.png"/>
-          <p:cNvPicPr>
-            <a:picLocks noChangeAspect="1" noChangeArrowheads="1"/>
-          </p:cNvPicPr>
-          <p:nvPr/>
-        </p:nvPicPr>
-        <p:blipFill>
-          <a:blip r:embed="rId14" cstate="print">
-            <a:extLst>
-              <a:ext uri="{28A0092B-C50C-407E-A947-70E740481C1C}">
-                <a14:useLocalDpi xmlns:a14="http://schemas.microsoft.com/office/drawing/2010/main" val="0"/>
-              </a:ext>
-            </a:extLst>
-          </a:blip>
-          <a:srcRect/>
-          <a:stretch>
-            <a:fillRect/>
-          </a:stretch>
-        </p:blipFill>
-        <p:spPr bwMode="auto">
-          <a:xfrm rot="10800000" flipH="1" flipV="1">
-            <a:off x="102857" y="2364697"/>
-            <a:ext cx="1519709" cy="954039"/>
-          </a:xfrm>
-          <a:prstGeom prst="rect">
-            <a:avLst/>
-          </a:prstGeom>
-          <a:noFill/>
-          <a:ln>
-            <a:solidFill>
-              <a:srgbClr val="FFFFFF"/>
-            </a:solidFill>
-          </a:ln>
-          <a:extLst>
-            <a:ext uri="{909E8E84-426E-40DD-AFC4-6F175D3DCCD1}">
-              <a14:hiddenFill xmlns:a14="http://schemas.microsoft.com/office/drawing/2010/main">
-                <a:solidFill>
-                  <a:srgbClr val="FFFFFF"/>
-                </a:solidFill>
-              </a14:hiddenFill>
-            </a:ext>
-          </a:extLst>
-        </p:spPr>
-      </p:pic>
-      <p:pic>
-        <p:nvPicPr>
-          <p:cNvPr id="22556" name="Picture 28" descr="https://d33wubrfki0l68.cloudfront.net/e56956fafbfc73010133b6621898dfbac1691195/30850/assets/img/cava.png"/>
-          <p:cNvPicPr>
-            <a:picLocks noChangeAspect="1" noChangeArrowheads="1"/>
-          </p:cNvPicPr>
-          <p:nvPr/>
-        </p:nvPicPr>
-        <p:blipFill>
-          <a:blip r:embed="rId15" cstate="print">
-            <a:extLst>
-              <a:ext uri="{28A0092B-C50C-407E-A947-70E740481C1C}">
-                <a14:useLocalDpi xmlns:a14="http://schemas.microsoft.com/office/drawing/2010/main" val="0"/>
-              </a:ext>
-            </a:extLst>
-          </a:blip>
-          <a:srcRect/>
-          <a:stretch>
-            <a:fillRect/>
-          </a:stretch>
-        </p:blipFill>
-        <p:spPr bwMode="auto">
-          <a:xfrm rot="10800000" flipH="1" flipV="1">
-            <a:off x="1933582" y="1006828"/>
-            <a:ext cx="1519709" cy="954039"/>
-          </a:xfrm>
-          <a:prstGeom prst="rect">
-            <a:avLst/>
-          </a:prstGeom>
-          <a:noFill/>
-          <a:ln>
-            <a:solidFill>
-              <a:srgbClr val="FFFFFF"/>
-            </a:solidFill>
-          </a:ln>
-          <a:extLst>
-            <a:ext uri="{909E8E84-426E-40DD-AFC4-6F175D3DCCD1}">
-              <a14:hiddenFill xmlns:a14="http://schemas.microsoft.com/office/drawing/2010/main">
-                <a:solidFill>
-                  <a:srgbClr val="FFFFFF"/>
-                </a:solidFill>
-              </a14:hiddenFill>
-            </a:ext>
-          </a:extLst>
-        </p:spPr>
-      </p:pic>
-      <p:pic>
-        <p:nvPicPr>
-          <p:cNvPr id="22558" name="Picture 30" descr="https://d33wubrfki0l68.cloudfront.net/d6e09aa31f1b970f40c2c663364836f61a5ad7f9/f7fa3/assets/img/geocf.png"/>
-          <p:cNvPicPr>
-            <a:picLocks noChangeAspect="1" noChangeArrowheads="1"/>
-          </p:cNvPicPr>
-          <p:nvPr/>
-        </p:nvPicPr>
-        <p:blipFill>
-          <a:blip r:embed="rId16" cstate="print">
-            <a:extLst>
-              <a:ext uri="{28A0092B-C50C-407E-A947-70E740481C1C}">
-                <a14:useLocalDpi xmlns:a14="http://schemas.microsoft.com/office/drawing/2010/main" val="0"/>
-              </a:ext>
-            </a:extLst>
-          </a:blip>
-          <a:srcRect/>
-          <a:stretch>
-            <a:fillRect/>
-          </a:stretch>
-        </p:blipFill>
-        <p:spPr bwMode="auto">
-          <a:xfrm rot="10800000" flipH="1" flipV="1">
-            <a:off x="7425757" y="2364696"/>
-            <a:ext cx="1519709" cy="954039"/>
-          </a:xfrm>
-          <a:prstGeom prst="rect">
-            <a:avLst/>
-          </a:prstGeom>
-          <a:noFill/>
-          <a:ln>
-            <a:solidFill>
-              <a:srgbClr val="FFFFFF"/>
-            </a:solidFill>
-          </a:ln>
-          <a:extLst>
-            <a:ext uri="{909E8E84-426E-40DD-AFC4-6F175D3DCCD1}">
-              <a14:hiddenFill xmlns:a14="http://schemas.microsoft.com/office/drawing/2010/main">
-                <a:solidFill>
-                  <a:srgbClr val="FFFFFF"/>
-                </a:solidFill>
-              </a14:hiddenFill>
-            </a:ext>
-          </a:extLst>
-        </p:spPr>
-      </p:pic>
-      <p:sp>
-        <p:nvSpPr>
-          <p:cNvPr id="10" name="Rectangle 9"/>
-          <p:cNvSpPr/>
-          <p:nvPr/>
-        </p:nvSpPr>
-        <p:spPr>
-          <a:xfrm>
-            <a:off x="4114800" y="4774168"/>
-            <a:ext cx="5474652" cy="369332"/>
-          </a:xfrm>
-          <a:prstGeom prst="rect">
-            <a:avLst/>
-          </a:prstGeom>
-        </p:spPr>
-        <p:txBody>
-          <a:bodyPr wrap="square">
-            <a:spAutoFit/>
-          </a:bodyPr>
-          <a:lstStyle/>
-          <a:p>
-            <a:r>
-              <a:rPr lang="en-AU" dirty="0"/>
-              <a:t>https://</a:t>
-            </a:r>
-            <a:r>
-              <a:rPr lang="en-AU" dirty="0" smtClean="0"/>
-              <a:t>www.rstudio.com/about/customer-stories</a:t>
-            </a:r>
-            <a:endParaRPr lang="en-AU" dirty="0"/>
-          </a:p>
-        </p:txBody>
-      </p:sp>
-    </p:spTree>
-    <p:extLst>
-      <p:ext uri="{BB962C8B-B14F-4D97-AF65-F5344CB8AC3E}">
-        <p14:creationId xmlns:p14="http://schemas.microsoft.com/office/powerpoint/2010/main" val="4123064304"/>
-      </p:ext>
-    </p:extLst>
-  </p:cSld>
-  <p:clrMapOvr>
-    <a:masterClrMapping/>
-  </p:clrMapOvr>
-</p:sld>
-</file>
-
-<file path=ppt/slides/slide3.xml><?xml version="1.0" encoding="utf-8"?>
+<file path=ppt/slides/slide4.xml><?xml version="1.0" encoding="utf-8"?>
 <p:sld xmlns:a="http://schemas.openxmlformats.org/drawingml/2006/main" xmlns:r="http://schemas.openxmlformats.org/officeDocument/2006/relationships" xmlns:p="http://schemas.openxmlformats.org/presentationml/2006/main">
   <p:cSld>
     <p:spTree>
@@ -9453,7 +10998,7 @@
 </p:sld>
 </file>
 
-<file path=ppt/slides/slide4.xml><?xml version="1.0" encoding="utf-8"?>
+<file path=ppt/slides/slide5.xml><?xml version="1.0" encoding="utf-8"?>
 <p:sld xmlns:a="http://schemas.openxmlformats.org/drawingml/2006/main" xmlns:r="http://schemas.openxmlformats.org/officeDocument/2006/relationships" xmlns:p="http://schemas.openxmlformats.org/presentationml/2006/main">
   <p:cSld>
     <p:spTree>
@@ -9591,171 +11136,6 @@
     <p:extLst>
       <p:ext uri="{BB962C8B-B14F-4D97-AF65-F5344CB8AC3E}">
         <p14:creationId xmlns:p14="http://schemas.microsoft.com/office/powerpoint/2010/main" val="747040889"/>
-      </p:ext>
-    </p:extLst>
-  </p:cSld>
-  <p:clrMapOvr>
-    <a:masterClrMapping/>
-  </p:clrMapOvr>
-</p:sld>
-</file>
-
-<file path=ppt/slides/slide5.xml><?xml version="1.0" encoding="utf-8"?>
-<p:sld xmlns:a="http://schemas.openxmlformats.org/drawingml/2006/main" xmlns:r="http://schemas.openxmlformats.org/officeDocument/2006/relationships" xmlns:p="http://schemas.openxmlformats.org/presentationml/2006/main">
-  <p:cSld>
-    <p:spTree>
-      <p:nvGrpSpPr>
-        <p:cNvPr id="1" name=""/>
-        <p:cNvGrpSpPr/>
-        <p:nvPr/>
-      </p:nvGrpSpPr>
-      <p:grpSpPr>
-        <a:xfrm>
-          <a:off x="0" y="0"/>
-          <a:ext cx="0" cy="0"/>
-          <a:chOff x="0" y="0"/>
-          <a:chExt cx="0" cy="0"/>
-        </a:xfrm>
-      </p:grpSpPr>
-      <p:sp>
-        <p:nvSpPr>
-          <p:cNvPr id="4" name="Rectangle 3"/>
-          <p:cNvSpPr/>
-          <p:nvPr/>
-        </p:nvSpPr>
-        <p:spPr>
-          <a:xfrm>
-            <a:off x="1019889" y="901182"/>
-            <a:ext cx="7104222" cy="4052783"/>
-          </a:xfrm>
-          <a:prstGeom prst="rect">
-            <a:avLst/>
-          </a:prstGeom>
-          <a:solidFill>
-            <a:schemeClr val="tx1"/>
-          </a:solidFill>
-          <a:ln>
-            <a:solidFill>
-              <a:schemeClr val="tx1"/>
-            </a:solidFill>
-          </a:ln>
-        </p:spPr>
-        <p:style>
-          <a:lnRef idx="2">
-            <a:schemeClr val="accent1">
-              <a:shade val="50000"/>
-            </a:schemeClr>
-          </a:lnRef>
-          <a:fillRef idx="1">
-            <a:schemeClr val="accent1"/>
-          </a:fillRef>
-          <a:effectRef idx="0">
-            <a:schemeClr val="accent1"/>
-          </a:effectRef>
-          <a:fontRef idx="minor">
-            <a:schemeClr val="lt1"/>
-          </a:fontRef>
-        </p:style>
-        <p:txBody>
-          <a:bodyPr rtlCol="0" anchor="ctr"/>
-          <a:lstStyle/>
-          <a:p>
-            <a:pPr algn="ctr"/>
-            <a:endParaRPr lang="en-AU"/>
-          </a:p>
-        </p:txBody>
-      </p:sp>
-      <p:pic>
-        <p:nvPicPr>
-          <p:cNvPr id="13314" name="Picture 2" descr="https://pointful.github.io/docker-intro/docker-img/also-a-matrix-from-hell.png"/>
-          <p:cNvPicPr>
-            <a:picLocks noChangeAspect="1" noChangeArrowheads="1"/>
-          </p:cNvPicPr>
-          <p:nvPr/>
-        </p:nvPicPr>
-        <p:blipFill>
-          <a:blip r:embed="rId2">
-            <a:extLst>
-              <a:ext uri="{28A0092B-C50C-407E-A947-70E740481C1C}">
-                <a14:useLocalDpi xmlns:a14="http://schemas.microsoft.com/office/drawing/2010/main" val="0"/>
-              </a:ext>
-            </a:extLst>
-          </a:blip>
-          <a:srcRect/>
-          <a:stretch>
-            <a:fillRect/>
-          </a:stretch>
-        </p:blipFill>
-        <p:spPr bwMode="auto">
-          <a:xfrm>
-            <a:off x="1019889" y="914453"/>
-            <a:ext cx="7104222" cy="4039511"/>
-          </a:xfrm>
-          <a:prstGeom prst="rect">
-            <a:avLst/>
-          </a:prstGeom>
-          <a:noFill/>
-          <a:extLst>
-            <a:ext uri="{909E8E84-426E-40DD-AFC4-6F175D3DCCD1}">
-              <a14:hiddenFill xmlns:a14="http://schemas.microsoft.com/office/drawing/2010/main">
-                <a:solidFill>
-                  <a:srgbClr val="FFFFFF"/>
-                </a:solidFill>
-              </a14:hiddenFill>
-            </a:ext>
-          </a:extLst>
-        </p:spPr>
-      </p:pic>
-      <p:sp>
-        <p:nvSpPr>
-          <p:cNvPr id="6" name="Title 1"/>
-          <p:cNvSpPr txBox="1">
-            <a:spLocks/>
-          </p:cNvSpPr>
-          <p:nvPr/>
-        </p:nvSpPr>
-        <p:spPr>
-          <a:xfrm>
-            <a:off x="450112" y="104171"/>
-            <a:ext cx="8229600" cy="652130"/>
-          </a:xfrm>
-          <a:prstGeom prst="rect">
-            <a:avLst/>
-          </a:prstGeom>
-        </p:spPr>
-        <p:txBody>
-          <a:bodyPr vert="horz" lIns="91440" tIns="45720" rIns="91440" bIns="45720" rtlCol="0" anchor="ctr">
-            <a:normAutofit fontScale="90000" lnSpcReduction="10000"/>
-          </a:bodyPr>
-          <a:lstStyle>
-            <a:lvl1pPr algn="ctr" defTabSz="914400" rtl="0" eaLnBrk="1" latinLnBrk="0" hangingPunct="1">
-              <a:spcBef>
-                <a:spcPct val="0"/>
-              </a:spcBef>
-              <a:buNone/>
-              <a:defRPr sz="4400" kern="1200">
-                <a:solidFill>
-                  <a:schemeClr val="tx1"/>
-                </a:solidFill>
-                <a:latin typeface="+mj-lt"/>
-                <a:ea typeface="+mj-ea"/>
-                <a:cs typeface="+mj-cs"/>
-              </a:defRPr>
-            </a:lvl1pPr>
-          </a:lstStyle>
-          <a:p>
-            <a:r>
-              <a:rPr lang="en-AU" dirty="0" smtClean="0"/>
-              <a:t>Also a nightmare matrix</a:t>
-            </a:r>
-            <a:endParaRPr lang="en-AU" dirty="0"/>
-          </a:p>
-        </p:txBody>
-      </p:sp>
-    </p:spTree>
-    <p:extLst>
-      <p:ext uri="{BB962C8B-B14F-4D97-AF65-F5344CB8AC3E}">
-        <p14:creationId xmlns:p14="http://schemas.microsoft.com/office/powerpoint/2010/main" val="499742594"/>
       </p:ext>
     </p:extLst>
   </p:cSld>
@@ -9790,6 +11170,171 @@
         </p:nvSpPr>
         <p:spPr>
           <a:xfrm>
+            <a:off x="1019889" y="901182"/>
+            <a:ext cx="7104222" cy="4052783"/>
+          </a:xfrm>
+          <a:prstGeom prst="rect">
+            <a:avLst/>
+          </a:prstGeom>
+          <a:solidFill>
+            <a:schemeClr val="tx1"/>
+          </a:solidFill>
+          <a:ln>
+            <a:solidFill>
+              <a:schemeClr val="tx1"/>
+            </a:solidFill>
+          </a:ln>
+        </p:spPr>
+        <p:style>
+          <a:lnRef idx="2">
+            <a:schemeClr val="accent1">
+              <a:shade val="50000"/>
+            </a:schemeClr>
+          </a:lnRef>
+          <a:fillRef idx="1">
+            <a:schemeClr val="accent1"/>
+          </a:fillRef>
+          <a:effectRef idx="0">
+            <a:schemeClr val="accent1"/>
+          </a:effectRef>
+          <a:fontRef idx="minor">
+            <a:schemeClr val="lt1"/>
+          </a:fontRef>
+        </p:style>
+        <p:txBody>
+          <a:bodyPr rtlCol="0" anchor="ctr"/>
+          <a:lstStyle/>
+          <a:p>
+            <a:pPr algn="ctr"/>
+            <a:endParaRPr lang="en-AU"/>
+          </a:p>
+        </p:txBody>
+      </p:sp>
+      <p:pic>
+        <p:nvPicPr>
+          <p:cNvPr id="13314" name="Picture 2" descr="https://pointful.github.io/docker-intro/docker-img/also-a-matrix-from-hell.png"/>
+          <p:cNvPicPr>
+            <a:picLocks noChangeAspect="1" noChangeArrowheads="1"/>
+          </p:cNvPicPr>
+          <p:nvPr/>
+        </p:nvPicPr>
+        <p:blipFill>
+          <a:blip r:embed="rId2">
+            <a:extLst>
+              <a:ext uri="{28A0092B-C50C-407E-A947-70E740481C1C}">
+                <a14:useLocalDpi xmlns:a14="http://schemas.microsoft.com/office/drawing/2010/main" val="0"/>
+              </a:ext>
+            </a:extLst>
+          </a:blip>
+          <a:srcRect/>
+          <a:stretch>
+            <a:fillRect/>
+          </a:stretch>
+        </p:blipFill>
+        <p:spPr bwMode="auto">
+          <a:xfrm>
+            <a:off x="1019889" y="914453"/>
+            <a:ext cx="7104222" cy="4039511"/>
+          </a:xfrm>
+          <a:prstGeom prst="rect">
+            <a:avLst/>
+          </a:prstGeom>
+          <a:noFill/>
+          <a:extLst>
+            <a:ext uri="{909E8E84-426E-40DD-AFC4-6F175D3DCCD1}">
+              <a14:hiddenFill xmlns:a14="http://schemas.microsoft.com/office/drawing/2010/main">
+                <a:solidFill>
+                  <a:srgbClr val="FFFFFF"/>
+                </a:solidFill>
+              </a14:hiddenFill>
+            </a:ext>
+          </a:extLst>
+        </p:spPr>
+      </p:pic>
+      <p:sp>
+        <p:nvSpPr>
+          <p:cNvPr id="6" name="Title 1"/>
+          <p:cNvSpPr txBox="1">
+            <a:spLocks/>
+          </p:cNvSpPr>
+          <p:nvPr/>
+        </p:nvSpPr>
+        <p:spPr>
+          <a:xfrm>
+            <a:off x="450112" y="104171"/>
+            <a:ext cx="8229600" cy="652130"/>
+          </a:xfrm>
+          <a:prstGeom prst="rect">
+            <a:avLst/>
+          </a:prstGeom>
+        </p:spPr>
+        <p:txBody>
+          <a:bodyPr vert="horz" lIns="91440" tIns="45720" rIns="91440" bIns="45720" rtlCol="0" anchor="ctr">
+            <a:normAutofit fontScale="90000" lnSpcReduction="10000"/>
+          </a:bodyPr>
+          <a:lstStyle>
+            <a:lvl1pPr algn="ctr" defTabSz="914400" rtl="0" eaLnBrk="1" latinLnBrk="0" hangingPunct="1">
+              <a:spcBef>
+                <a:spcPct val="0"/>
+              </a:spcBef>
+              <a:buNone/>
+              <a:defRPr sz="4400" kern="1200">
+                <a:solidFill>
+                  <a:schemeClr val="tx1"/>
+                </a:solidFill>
+                <a:latin typeface="+mj-lt"/>
+                <a:ea typeface="+mj-ea"/>
+                <a:cs typeface="+mj-cs"/>
+              </a:defRPr>
+            </a:lvl1pPr>
+          </a:lstStyle>
+          <a:p>
+            <a:r>
+              <a:rPr lang="en-AU" dirty="0" smtClean="0"/>
+              <a:t>Also a nightmare matrix</a:t>
+            </a:r>
+            <a:endParaRPr lang="en-AU" dirty="0"/>
+          </a:p>
+        </p:txBody>
+      </p:sp>
+    </p:spTree>
+    <p:extLst>
+      <p:ext uri="{BB962C8B-B14F-4D97-AF65-F5344CB8AC3E}">
+        <p14:creationId xmlns:p14="http://schemas.microsoft.com/office/powerpoint/2010/main" val="499742594"/>
+      </p:ext>
+    </p:extLst>
+  </p:cSld>
+  <p:clrMapOvr>
+    <a:masterClrMapping/>
+  </p:clrMapOvr>
+</p:sld>
+</file>
+
+<file path=ppt/slides/slide7.xml><?xml version="1.0" encoding="utf-8"?>
+<p:sld xmlns:a="http://schemas.openxmlformats.org/drawingml/2006/main" xmlns:r="http://schemas.openxmlformats.org/officeDocument/2006/relationships" xmlns:p="http://schemas.openxmlformats.org/presentationml/2006/main">
+  <p:cSld>
+    <p:spTree>
+      <p:nvGrpSpPr>
+        <p:cNvPr id="1" name=""/>
+        <p:cNvGrpSpPr/>
+        <p:nvPr/>
+      </p:nvGrpSpPr>
+      <p:grpSpPr>
+        <a:xfrm>
+          <a:off x="0" y="0"/>
+          <a:ext cx="0" cy="0"/>
+          <a:chOff x="0" y="0"/>
+          <a:chExt cx="0" cy="0"/>
+        </a:xfrm>
+      </p:grpSpPr>
+      <p:sp>
+        <p:nvSpPr>
+          <p:cNvPr id="4" name="Rectangle 3"/>
+          <p:cNvSpPr/>
+          <p:nvPr/>
+        </p:nvSpPr>
+        <p:spPr>
+          <a:xfrm>
             <a:off x="164930" y="901182"/>
             <a:ext cx="8814141" cy="4052783"/>
           </a:xfrm>
@@ -9930,7 +11475,7 @@
 </p:sld>
 </file>
 
-<file path=ppt/slides/slide7.xml><?xml version="1.0" encoding="utf-8"?>
+<file path=ppt/slides/slide8.xml><?xml version="1.0" encoding="utf-8"?>
 <p:sld xmlns:a="http://schemas.openxmlformats.org/drawingml/2006/main" xmlns:r="http://schemas.openxmlformats.org/officeDocument/2006/relationships" xmlns:p="http://schemas.openxmlformats.org/presentationml/2006/main">
   <p:cSld>
     <p:spTree>
@@ -10278,7 +11823,7 @@
 </p:sld>
 </file>
 
-<file path=ppt/slides/slide8.xml><?xml version="1.0" encoding="utf-8"?>
+<file path=ppt/slides/slide9.xml><?xml version="1.0" encoding="utf-8"?>
 <p:sld xmlns:a="http://schemas.openxmlformats.org/drawingml/2006/main" xmlns:r="http://schemas.openxmlformats.org/officeDocument/2006/relationships" xmlns:p="http://schemas.openxmlformats.org/presentationml/2006/main">
   <p:cSld>
     <p:spTree>
@@ -10431,959 +11976,6 @@
     <p:extLst>
       <p:ext uri="{BB962C8B-B14F-4D97-AF65-F5344CB8AC3E}">
         <p14:creationId xmlns:p14="http://schemas.microsoft.com/office/powerpoint/2010/main" val="1880709600"/>
-      </p:ext>
-    </p:extLst>
-  </p:cSld>
-  <p:clrMapOvr>
-    <a:masterClrMapping/>
-  </p:clrMapOvr>
-</p:sld>
-</file>
-
-<file path=ppt/slides/slide9.xml><?xml version="1.0" encoding="utf-8"?>
-<p:sld xmlns:a="http://schemas.openxmlformats.org/drawingml/2006/main" xmlns:r="http://schemas.openxmlformats.org/officeDocument/2006/relationships" xmlns:p="http://schemas.openxmlformats.org/presentationml/2006/main">
-  <p:cSld>
-    <p:spTree>
-      <p:nvGrpSpPr>
-        <p:cNvPr id="1" name=""/>
-        <p:cNvGrpSpPr/>
-        <p:nvPr/>
-      </p:nvGrpSpPr>
-      <p:grpSpPr>
-        <a:xfrm>
-          <a:off x="0" y="0"/>
-          <a:ext cx="0" cy="0"/>
-          <a:chOff x="0" y="0"/>
-          <a:chExt cx="0" cy="0"/>
-        </a:xfrm>
-      </p:grpSpPr>
-      <p:sp>
-        <p:nvSpPr>
-          <p:cNvPr id="7" name="Title 1"/>
-          <p:cNvSpPr>
-            <a:spLocks noGrp="1"/>
-          </p:cNvSpPr>
-          <p:nvPr>
-            <p:ph type="title"/>
-          </p:nvPr>
-        </p:nvSpPr>
-        <p:spPr>
-          <a:xfrm>
-            <a:off x="471024" y="92597"/>
-            <a:ext cx="8229600" cy="652130"/>
-          </a:xfrm>
-        </p:spPr>
-        <p:txBody>
-          <a:bodyPr>
-            <a:normAutofit fontScale="90000"/>
-          </a:bodyPr>
-          <a:lstStyle/>
-          <a:p>
-            <a:r>
-              <a:rPr lang="en-AU" dirty="0" smtClean="0"/>
-              <a:t>We want to get the app online</a:t>
-            </a:r>
-            <a:endParaRPr lang="en-AU" dirty="0"/>
-          </a:p>
-        </p:txBody>
-      </p:sp>
-      <p:grpSp>
-        <p:nvGrpSpPr>
-          <p:cNvPr id="17" name="Group 16"/>
-          <p:cNvGrpSpPr/>
-          <p:nvPr/>
-        </p:nvGrpSpPr>
-        <p:grpSpPr>
-          <a:xfrm>
-            <a:off x="180676" y="924560"/>
-            <a:ext cx="8782648" cy="4078095"/>
-            <a:chOff x="152401" y="924560"/>
-            <a:chExt cx="8782648" cy="4078095"/>
-          </a:xfrm>
-        </p:grpSpPr>
-        <p:sp>
-          <p:nvSpPr>
-            <p:cNvPr id="18" name="Rectangle 17"/>
-            <p:cNvSpPr/>
-            <p:nvPr/>
-          </p:nvSpPr>
-          <p:spPr>
-            <a:xfrm>
-              <a:off x="152401" y="924560"/>
-              <a:ext cx="8782648" cy="4078095"/>
-            </a:xfrm>
-            <a:prstGeom prst="rect">
-              <a:avLst/>
-            </a:prstGeom>
-            <a:solidFill>
-              <a:schemeClr val="tx1"/>
-            </a:solidFill>
-            <a:ln>
-              <a:noFill/>
-            </a:ln>
-          </p:spPr>
-          <p:style>
-            <a:lnRef idx="2">
-              <a:schemeClr val="accent1">
-                <a:shade val="50000"/>
-              </a:schemeClr>
-            </a:lnRef>
-            <a:fillRef idx="1">
-              <a:schemeClr val="accent1"/>
-            </a:fillRef>
-            <a:effectRef idx="0">
-              <a:schemeClr val="accent1"/>
-            </a:effectRef>
-            <a:fontRef idx="minor">
-              <a:schemeClr val="lt1"/>
-            </a:fontRef>
-          </p:style>
-          <p:txBody>
-            <a:bodyPr rtlCol="0" anchor="ctr"/>
-            <a:lstStyle/>
-            <a:p>
-              <a:pPr algn="ctr"/>
-              <a:endParaRPr lang="en-AU"/>
-            </a:p>
-          </p:txBody>
-        </p:sp>
-        <p:grpSp>
-          <p:nvGrpSpPr>
-            <p:cNvPr id="19" name="Group 18"/>
-            <p:cNvGrpSpPr/>
-            <p:nvPr/>
-          </p:nvGrpSpPr>
-          <p:grpSpPr>
-            <a:xfrm>
-              <a:off x="236599" y="981537"/>
-              <a:ext cx="8698450" cy="4021118"/>
-              <a:chOff x="236599" y="981537"/>
-              <a:chExt cx="8698450" cy="4021118"/>
-            </a:xfrm>
-          </p:grpSpPr>
-          <p:grpSp>
-            <p:nvGrpSpPr>
-              <p:cNvPr id="20" name="Group 19"/>
-              <p:cNvGrpSpPr/>
-              <p:nvPr/>
-            </p:nvGrpSpPr>
-            <p:grpSpPr>
-              <a:xfrm>
-                <a:off x="236599" y="1006997"/>
-                <a:ext cx="8698450" cy="3995658"/>
-                <a:chOff x="236599" y="1006997"/>
-                <a:chExt cx="8698450" cy="3995658"/>
-              </a:xfrm>
-            </p:grpSpPr>
-            <p:pic>
-              <p:nvPicPr>
-                <p:cNvPr id="24" name="Picture 2" descr="https://pointful.github.io/docker-intro/docker-img/the-challenge.png"/>
-                <p:cNvPicPr>
-                  <a:picLocks noChangeAspect="1" noChangeArrowheads="1"/>
-                </p:cNvPicPr>
-                <p:nvPr/>
-              </p:nvPicPr>
-              <p:blipFill>
-                <a:blip r:embed="rId2">
-                  <a:extLst>
-                    <a:ext uri="{28A0092B-C50C-407E-A947-70E740481C1C}">
-                      <a14:useLocalDpi xmlns:a14="http://schemas.microsoft.com/office/drawing/2010/main" val="0"/>
-                    </a:ext>
-                  </a:extLst>
-                </a:blip>
-                <a:srcRect/>
-                <a:stretch>
-                  <a:fillRect/>
-                </a:stretch>
-              </p:blipFill>
-              <p:spPr bwMode="auto">
-                <a:xfrm>
-                  <a:off x="236599" y="1006997"/>
-                  <a:ext cx="8698450" cy="3995658"/>
-                </a:xfrm>
-                <a:prstGeom prst="rect">
-                  <a:avLst/>
-                </a:prstGeom>
-                <a:noFill/>
-                <a:extLst>
-                  <a:ext uri="{909E8E84-426E-40DD-AFC4-6F175D3DCCD1}">
-                    <a14:hiddenFill xmlns:a14="http://schemas.microsoft.com/office/drawing/2010/main">
-                      <a:solidFill>
-                        <a:srgbClr val="FFFFFF"/>
-                      </a:solidFill>
-                    </a14:hiddenFill>
-                  </a:ext>
-                </a:extLst>
-              </p:spPr>
-            </p:pic>
-            <p:sp>
-              <p:nvSpPr>
-                <p:cNvPr id="25" name="Rectangle 24"/>
-                <p:cNvSpPr/>
-                <p:nvPr/>
-              </p:nvSpPr>
-              <p:spPr>
-                <a:xfrm>
-                  <a:off x="5083662" y="1080071"/>
-                  <a:ext cx="2775185" cy="751345"/>
-                </a:xfrm>
-                <a:prstGeom prst="rect">
-                  <a:avLst/>
-                </a:prstGeom>
-                <a:solidFill>
-                  <a:srgbClr val="FFFFFF"/>
-                </a:solidFill>
-                <a:ln>
-                  <a:solidFill>
-                    <a:schemeClr val="tx1"/>
-                  </a:solidFill>
-                </a:ln>
-              </p:spPr>
-              <p:style>
-                <a:lnRef idx="2">
-                  <a:schemeClr val="accent1">
-                    <a:shade val="50000"/>
-                  </a:schemeClr>
-                </a:lnRef>
-                <a:fillRef idx="1">
-                  <a:schemeClr val="accent1"/>
-                </a:fillRef>
-                <a:effectRef idx="0">
-                  <a:schemeClr val="accent1"/>
-                </a:effectRef>
-                <a:fontRef idx="minor">
-                  <a:schemeClr val="lt1"/>
-                </a:fontRef>
-              </p:style>
-              <p:txBody>
-                <a:bodyPr rtlCol="0" anchor="ctr"/>
-                <a:lstStyle/>
-                <a:p>
-                  <a:pPr algn="ctr"/>
-                  <a:endParaRPr lang="en-AU"/>
-                </a:p>
-              </p:txBody>
-            </p:sp>
-          </p:grpSp>
-          <p:grpSp>
-            <p:nvGrpSpPr>
-              <p:cNvPr id="21" name="Group 20"/>
-              <p:cNvGrpSpPr/>
-              <p:nvPr/>
-            </p:nvGrpSpPr>
-            <p:grpSpPr>
-              <a:xfrm>
-                <a:off x="5046921" y="981537"/>
-                <a:ext cx="1725381" cy="711200"/>
-                <a:chOff x="8315568" y="826125"/>
-                <a:chExt cx="1725381" cy="711200"/>
-              </a:xfrm>
-            </p:grpSpPr>
-            <p:pic>
-              <p:nvPicPr>
-                <p:cNvPr id="22" name="Picture 2" descr="https://pointful.github.io/docker-intro/docker-img/the-challenge.png"/>
-                <p:cNvPicPr>
-                  <a:picLocks noChangeAspect="1" noChangeArrowheads="1"/>
-                </p:cNvPicPr>
-                <p:nvPr/>
-              </p:nvPicPr>
-              <p:blipFill rotWithShape="1">
-                <a:blip r:embed="rId2">
-                  <a:extLst>
-                    <a:ext uri="{28A0092B-C50C-407E-A947-70E740481C1C}">
-                      <a14:useLocalDpi xmlns:a14="http://schemas.microsoft.com/office/drawing/2010/main" val="0"/>
-                    </a:ext>
-                  </a:extLst>
-                </a:blip>
-                <a:srcRect l="68511" t="3335" r="11655" b="78866"/>
-                <a:stretch/>
-              </p:blipFill>
-              <p:spPr bwMode="auto">
-                <a:xfrm>
-                  <a:off x="8315568" y="826125"/>
-                  <a:ext cx="1725381" cy="711200"/>
-                </a:xfrm>
-                <a:prstGeom prst="rect">
-                  <a:avLst/>
-                </a:prstGeom>
-                <a:noFill/>
-                <a:extLst>
-                  <a:ext uri="{909E8E84-426E-40DD-AFC4-6F175D3DCCD1}">
-                    <a14:hiddenFill xmlns:a14="http://schemas.microsoft.com/office/drawing/2010/main">
-                      <a:solidFill>
-                        <a:srgbClr val="FFFFFF"/>
-                      </a:solidFill>
-                    </a14:hiddenFill>
-                  </a:ext>
-                </a:extLst>
-              </p:spPr>
-            </p:pic>
-            <p:sp>
-              <p:nvSpPr>
-                <p:cNvPr id="23" name="Rectangle 22"/>
-                <p:cNvSpPr/>
-                <p:nvPr/>
-              </p:nvSpPr>
-              <p:spPr>
-                <a:xfrm>
-                  <a:off x="8329862" y="1244168"/>
-                  <a:ext cx="236046" cy="283356"/>
-                </a:xfrm>
-                <a:prstGeom prst="rect">
-                  <a:avLst/>
-                </a:prstGeom>
-                <a:solidFill>
-                  <a:srgbClr val="FFFFFF"/>
-                </a:solidFill>
-                <a:ln>
-                  <a:solidFill>
-                    <a:schemeClr val="tx1"/>
-                  </a:solidFill>
-                </a:ln>
-              </p:spPr>
-              <p:style>
-                <a:lnRef idx="2">
-                  <a:schemeClr val="accent1">
-                    <a:shade val="50000"/>
-                  </a:schemeClr>
-                </a:lnRef>
-                <a:fillRef idx="1">
-                  <a:schemeClr val="accent1"/>
-                </a:fillRef>
-                <a:effectRef idx="0">
-                  <a:schemeClr val="accent1"/>
-                </a:effectRef>
-                <a:fontRef idx="minor">
-                  <a:schemeClr val="lt1"/>
-                </a:fontRef>
-              </p:style>
-              <p:txBody>
-                <a:bodyPr rtlCol="0" anchor="ctr"/>
-                <a:lstStyle/>
-                <a:p>
-                  <a:pPr algn="ctr"/>
-                  <a:endParaRPr lang="en-AU"/>
-                </a:p>
-              </p:txBody>
-            </p:sp>
-          </p:grpSp>
-        </p:grpSp>
-      </p:grpSp>
-      <p:sp>
-        <p:nvSpPr>
-          <p:cNvPr id="2" name="Oval 1"/>
-          <p:cNvSpPr/>
-          <p:nvPr/>
-        </p:nvSpPr>
-        <p:spPr>
-          <a:xfrm>
-            <a:off x="5939977" y="4295553"/>
-            <a:ext cx="2013098" cy="474921"/>
-          </a:xfrm>
-          <a:prstGeom prst="ellipse">
-            <a:avLst/>
-          </a:prstGeom>
-          <a:noFill/>
-          <a:ln>
-            <a:solidFill>
-              <a:srgbClr val="FF0000"/>
-            </a:solidFill>
-          </a:ln>
-        </p:spPr>
-        <p:style>
-          <a:lnRef idx="2">
-            <a:schemeClr val="accent1">
-              <a:shade val="50000"/>
-            </a:schemeClr>
-          </a:lnRef>
-          <a:fillRef idx="1">
-            <a:schemeClr val="accent1"/>
-          </a:fillRef>
-          <a:effectRef idx="0">
-            <a:schemeClr val="accent1"/>
-          </a:effectRef>
-          <a:fontRef idx="minor">
-            <a:schemeClr val="lt1"/>
-          </a:fontRef>
-        </p:style>
-        <p:txBody>
-          <a:bodyPr rtlCol="0" anchor="ctr"/>
-          <a:lstStyle/>
-          <a:p>
-            <a:pPr algn="ctr"/>
-            <a:endParaRPr lang="en-AU"/>
-          </a:p>
-        </p:txBody>
-      </p:sp>
-      <p:sp>
-        <p:nvSpPr>
-          <p:cNvPr id="6" name="Oval 5"/>
-          <p:cNvSpPr/>
-          <p:nvPr/>
-        </p:nvSpPr>
-        <p:spPr>
-          <a:xfrm>
-            <a:off x="4153708" y="4533012"/>
-            <a:ext cx="1517399" cy="392131"/>
-          </a:xfrm>
-          <a:prstGeom prst="ellipse">
-            <a:avLst/>
-          </a:prstGeom>
-          <a:noFill/>
-          <a:ln>
-            <a:solidFill>
-              <a:srgbClr val="FF0000"/>
-            </a:solidFill>
-          </a:ln>
-        </p:spPr>
-        <p:style>
-          <a:lnRef idx="2">
-            <a:schemeClr val="accent1">
-              <a:shade val="50000"/>
-            </a:schemeClr>
-          </a:lnRef>
-          <a:fillRef idx="1">
-            <a:schemeClr val="accent1"/>
-          </a:fillRef>
-          <a:effectRef idx="0">
-            <a:schemeClr val="accent1"/>
-          </a:effectRef>
-          <a:fontRef idx="minor">
-            <a:schemeClr val="lt1"/>
-          </a:fontRef>
-        </p:style>
-        <p:txBody>
-          <a:bodyPr rtlCol="0" anchor="ctr"/>
-          <a:lstStyle/>
-          <a:p>
-            <a:pPr algn="ctr"/>
-            <a:endParaRPr lang="en-AU"/>
-          </a:p>
-        </p:txBody>
-      </p:sp>
-      <p:pic>
-        <p:nvPicPr>
-          <p:cNvPr id="3" name="Picture 2"/>
-          <p:cNvPicPr>
-            <a:picLocks noChangeAspect="1"/>
-          </p:cNvPicPr>
-          <p:nvPr/>
-        </p:nvPicPr>
-        <p:blipFill>
-          <a:blip r:embed="rId3" cstate="print">
-            <a:extLst>
-              <a:ext uri="{28A0092B-C50C-407E-A947-70E740481C1C}">
-                <a14:useLocalDpi xmlns:a14="http://schemas.microsoft.com/office/drawing/2010/main" val="0"/>
-              </a:ext>
-            </a:extLst>
-          </a:blip>
-          <a:stretch>
-            <a:fillRect/>
-          </a:stretch>
-        </p:blipFill>
-        <p:spPr>
-          <a:xfrm>
-            <a:off x="6453429" y="1686051"/>
-            <a:ext cx="338715" cy="391456"/>
-          </a:xfrm>
-          <a:prstGeom prst="rect">
-            <a:avLst/>
-          </a:prstGeom>
-        </p:spPr>
-      </p:pic>
-      <p:cxnSp>
-        <p:nvCxnSpPr>
-          <p:cNvPr id="5" name="Straight Arrow Connector 4"/>
-          <p:cNvCxnSpPr/>
-          <p:nvPr/>
-        </p:nvCxnSpPr>
-        <p:spPr>
-          <a:xfrm flipV="1">
-            <a:off x="7718671" y="2340532"/>
-            <a:ext cx="27979" cy="1955022"/>
-          </a:xfrm>
-          <a:prstGeom prst="straightConnector1">
-            <a:avLst/>
-          </a:prstGeom>
-          <a:ln w="76200">
-            <a:solidFill>
-              <a:srgbClr val="FF0000"/>
-            </a:solidFill>
-            <a:headEnd type="triangle"/>
-            <a:tailEnd type="triangle"/>
-          </a:ln>
-        </p:spPr>
-        <p:style>
-          <a:lnRef idx="1">
-            <a:schemeClr val="accent1"/>
-          </a:lnRef>
-          <a:fillRef idx="0">
-            <a:schemeClr val="accent1"/>
-          </a:fillRef>
-          <a:effectRef idx="0">
-            <a:schemeClr val="accent1"/>
-          </a:effectRef>
-          <a:fontRef idx="minor">
-            <a:schemeClr val="tx1"/>
-          </a:fontRef>
-        </p:style>
-      </p:cxnSp>
-      <p:cxnSp>
-        <p:nvCxnSpPr>
-          <p:cNvPr id="10" name="Straight Arrow Connector 9"/>
-          <p:cNvCxnSpPr/>
-          <p:nvPr/>
-        </p:nvCxnSpPr>
-        <p:spPr>
-          <a:xfrm flipV="1">
-            <a:off x="5606824" y="2369400"/>
-            <a:ext cx="2055628" cy="2163613"/>
-          </a:xfrm>
-          <a:prstGeom prst="straightConnector1">
-            <a:avLst/>
-          </a:prstGeom>
-          <a:ln w="76200">
-            <a:solidFill>
-              <a:srgbClr val="FF0000"/>
-            </a:solidFill>
-            <a:headEnd type="triangle"/>
-            <a:tailEnd type="triangle"/>
-          </a:ln>
-        </p:spPr>
-        <p:style>
-          <a:lnRef idx="1">
-            <a:schemeClr val="accent1"/>
-          </a:lnRef>
-          <a:fillRef idx="0">
-            <a:schemeClr val="accent1"/>
-          </a:fillRef>
-          <a:effectRef idx="0">
-            <a:schemeClr val="accent1"/>
-          </a:effectRef>
-          <a:fontRef idx="minor">
-            <a:schemeClr val="tx1"/>
-          </a:fontRef>
-        </p:style>
-      </p:cxnSp>
-      <p:cxnSp>
-        <p:nvCxnSpPr>
-          <p:cNvPr id="12" name="Straight Arrow Connector 11"/>
-          <p:cNvCxnSpPr/>
-          <p:nvPr/>
-        </p:nvCxnSpPr>
-        <p:spPr>
-          <a:xfrm flipV="1">
-            <a:off x="5671107" y="4835317"/>
-            <a:ext cx="792922" cy="9420"/>
-          </a:xfrm>
-          <a:prstGeom prst="straightConnector1">
-            <a:avLst/>
-          </a:prstGeom>
-          <a:ln w="76200">
-            <a:solidFill>
-              <a:srgbClr val="FF0000"/>
-            </a:solidFill>
-            <a:headEnd type="triangle"/>
-            <a:tailEnd type="triangle"/>
-          </a:ln>
-        </p:spPr>
-        <p:style>
-          <a:lnRef idx="1">
-            <a:schemeClr val="accent1"/>
-          </a:lnRef>
-          <a:fillRef idx="0">
-            <a:schemeClr val="accent1"/>
-          </a:fillRef>
-          <a:effectRef idx="0">
-            <a:schemeClr val="accent1"/>
-          </a:effectRef>
-          <a:fontRef idx="minor">
-            <a:schemeClr val="tx1"/>
-          </a:fontRef>
-        </p:style>
-      </p:cxnSp>
-      <p:pic>
-        <p:nvPicPr>
-          <p:cNvPr id="32" name="Picture 31"/>
-          <p:cNvPicPr>
-            <a:picLocks noChangeAspect="1"/>
-          </p:cNvPicPr>
-          <p:nvPr/>
-        </p:nvPicPr>
-        <p:blipFill>
-          <a:blip r:embed="rId4" cstate="print">
-            <a:extLst>
-              <a:ext uri="{28A0092B-C50C-407E-A947-70E740481C1C}">
-                <a14:useLocalDpi xmlns:a14="http://schemas.microsoft.com/office/drawing/2010/main" val="0"/>
-              </a:ext>
-            </a:extLst>
-          </a:blip>
-          <a:stretch>
-            <a:fillRect/>
-          </a:stretch>
-        </p:blipFill>
-        <p:spPr>
-          <a:xfrm>
-            <a:off x="5895921" y="2224150"/>
-            <a:ext cx="410482" cy="395431"/>
-          </a:xfrm>
-          <a:prstGeom prst="rect">
-            <a:avLst/>
-          </a:prstGeom>
-        </p:spPr>
-      </p:pic>
-      <p:sp>
-        <p:nvSpPr>
-          <p:cNvPr id="27" name="TextBox 26"/>
-          <p:cNvSpPr txBox="1"/>
-          <p:nvPr/>
-        </p:nvSpPr>
-        <p:spPr>
-          <a:xfrm>
-            <a:off x="6758684" y="1728712"/>
-            <a:ext cx="1442029" cy="276999"/>
-          </a:xfrm>
-          <a:prstGeom prst="rect">
-            <a:avLst/>
-          </a:prstGeom>
-          <a:noFill/>
-        </p:spPr>
-        <p:txBody>
-          <a:bodyPr wrap="square" rtlCol="0">
-            <a:spAutoFit/>
-          </a:bodyPr>
-          <a:lstStyle/>
-          <a:p>
-            <a:r>
-              <a:rPr lang="en-AU" sz="1200" dirty="0" smtClean="0">
-                <a:solidFill>
-                  <a:schemeClr val="bg1"/>
-                </a:solidFill>
-              </a:rPr>
-              <a:t>Where To Work app</a:t>
-            </a:r>
-            <a:endParaRPr lang="en-AU" sz="1200" dirty="0">
-              <a:solidFill>
-                <a:schemeClr val="bg1"/>
-              </a:solidFill>
-            </a:endParaRPr>
-          </a:p>
-        </p:txBody>
-      </p:sp>
-      <p:sp>
-        <p:nvSpPr>
-          <p:cNvPr id="2048" name="TextBox 2047"/>
-          <p:cNvSpPr txBox="1"/>
-          <p:nvPr/>
-        </p:nvSpPr>
-        <p:spPr>
-          <a:xfrm>
-            <a:off x="6830502" y="1918405"/>
-            <a:ext cx="1226019" cy="369332"/>
-          </a:xfrm>
-          <a:prstGeom prst="rect">
-            <a:avLst/>
-          </a:prstGeom>
-          <a:noFill/>
-        </p:spPr>
-        <p:txBody>
-          <a:bodyPr wrap="square" rtlCol="0">
-            <a:spAutoFit/>
-          </a:bodyPr>
-          <a:lstStyle/>
-          <a:p>
-            <a:pPr algn="ctr"/>
-            <a:r>
-              <a:rPr lang="en-AU" sz="900" dirty="0" smtClean="0">
-                <a:solidFill>
-                  <a:schemeClr val="bg1"/>
-                </a:solidFill>
-              </a:rPr>
-              <a:t>R + shiny + </a:t>
-            </a:r>
-            <a:r>
-              <a:rPr lang="en-AU" sz="900" dirty="0" err="1" smtClean="0">
-                <a:solidFill>
-                  <a:schemeClr val="bg1"/>
-                </a:solidFill>
-              </a:rPr>
-              <a:t>cbc</a:t>
-            </a:r>
-            <a:r>
-              <a:rPr lang="en-AU" sz="900" dirty="0" smtClean="0">
-                <a:solidFill>
-                  <a:schemeClr val="bg1"/>
-                </a:solidFill>
-              </a:rPr>
-              <a:t> + </a:t>
-            </a:r>
-          </a:p>
-          <a:p>
-            <a:pPr algn="ctr"/>
-            <a:r>
-              <a:rPr lang="en-AU" sz="900" dirty="0" smtClean="0">
-                <a:solidFill>
-                  <a:schemeClr val="bg1"/>
-                </a:solidFill>
-              </a:rPr>
-              <a:t>&gt;20 R packages </a:t>
-            </a:r>
-            <a:endParaRPr lang="en-AU" sz="900" dirty="0">
-              <a:solidFill>
-                <a:schemeClr val="bg1"/>
-              </a:solidFill>
-            </a:endParaRPr>
-          </a:p>
-        </p:txBody>
-      </p:sp>
-      <p:sp>
-        <p:nvSpPr>
-          <p:cNvPr id="2051" name="Rectangle 2050"/>
-          <p:cNvSpPr/>
-          <p:nvPr/>
-        </p:nvSpPr>
-        <p:spPr>
-          <a:xfrm>
-            <a:off x="6393633" y="1644240"/>
-            <a:ext cx="1747284" cy="660317"/>
-          </a:xfrm>
-          <a:prstGeom prst="rect">
-            <a:avLst/>
-          </a:prstGeom>
-          <a:noFill/>
-          <a:ln>
-            <a:solidFill>
-              <a:srgbClr val="FF0000"/>
-            </a:solidFill>
-          </a:ln>
-        </p:spPr>
-        <p:style>
-          <a:lnRef idx="2">
-            <a:schemeClr val="accent1">
-              <a:shade val="50000"/>
-            </a:schemeClr>
-          </a:lnRef>
-          <a:fillRef idx="1">
-            <a:schemeClr val="accent1"/>
-          </a:fillRef>
-          <a:effectRef idx="0">
-            <a:schemeClr val="accent1"/>
-          </a:effectRef>
-          <a:fontRef idx="minor">
-            <a:schemeClr val="lt1"/>
-          </a:fontRef>
-        </p:style>
-        <p:txBody>
-          <a:bodyPr rtlCol="0" anchor="ctr"/>
-          <a:lstStyle/>
-          <a:p>
-            <a:pPr algn="ctr"/>
-            <a:endParaRPr lang="en-AU"/>
-          </a:p>
-        </p:txBody>
-      </p:sp>
-      <p:pic>
-        <p:nvPicPr>
-          <p:cNvPr id="40" name="Picture 39"/>
-          <p:cNvPicPr>
-            <a:picLocks noChangeAspect="1"/>
-          </p:cNvPicPr>
-          <p:nvPr/>
-        </p:nvPicPr>
-        <p:blipFill>
-          <a:blip r:embed="rId4" cstate="print">
-            <a:extLst>
-              <a:ext uri="{28A0092B-C50C-407E-A947-70E740481C1C}">
-                <a14:useLocalDpi xmlns:a14="http://schemas.microsoft.com/office/drawing/2010/main" val="0"/>
-              </a:ext>
-            </a:extLst>
-          </a:blip>
-          <a:stretch>
-            <a:fillRect/>
-          </a:stretch>
-        </p:blipFill>
-        <p:spPr>
-          <a:xfrm>
-            <a:off x="3929600" y="1842977"/>
-            <a:ext cx="410482" cy="395431"/>
-          </a:xfrm>
-          <a:prstGeom prst="rect">
-            <a:avLst/>
-          </a:prstGeom>
-        </p:spPr>
-      </p:pic>
-      <p:pic>
-        <p:nvPicPr>
-          <p:cNvPr id="41" name="Picture 40"/>
-          <p:cNvPicPr>
-            <a:picLocks noChangeAspect="1"/>
-          </p:cNvPicPr>
-          <p:nvPr/>
-        </p:nvPicPr>
-        <p:blipFill>
-          <a:blip r:embed="rId4" cstate="print">
-            <a:extLst>
-              <a:ext uri="{28A0092B-C50C-407E-A947-70E740481C1C}">
-                <a14:useLocalDpi xmlns:a14="http://schemas.microsoft.com/office/drawing/2010/main" val="0"/>
-              </a:ext>
-            </a:extLst>
-          </a:blip>
-          <a:stretch>
-            <a:fillRect/>
-          </a:stretch>
-        </p:blipFill>
-        <p:spPr>
-          <a:xfrm>
-            <a:off x="3743226" y="941706"/>
-            <a:ext cx="410482" cy="395431"/>
-          </a:xfrm>
-          <a:prstGeom prst="rect">
-            <a:avLst/>
-          </a:prstGeom>
-        </p:spPr>
-      </p:pic>
-      <p:pic>
-        <p:nvPicPr>
-          <p:cNvPr id="42" name="Picture 41"/>
-          <p:cNvPicPr>
-            <a:picLocks noChangeAspect="1"/>
-          </p:cNvPicPr>
-          <p:nvPr/>
-        </p:nvPicPr>
-        <p:blipFill>
-          <a:blip r:embed="rId4" cstate="print">
-            <a:extLst>
-              <a:ext uri="{28A0092B-C50C-407E-A947-70E740481C1C}">
-                <a14:useLocalDpi xmlns:a14="http://schemas.microsoft.com/office/drawing/2010/main" val="0"/>
-              </a:ext>
-            </a:extLst>
-          </a:blip>
-          <a:stretch>
-            <a:fillRect/>
-          </a:stretch>
-        </p:blipFill>
-        <p:spPr>
-          <a:xfrm>
-            <a:off x="1338800" y="1910495"/>
-            <a:ext cx="410482" cy="395431"/>
-          </a:xfrm>
-          <a:prstGeom prst="rect">
-            <a:avLst/>
-          </a:prstGeom>
-        </p:spPr>
-      </p:pic>
-      <p:pic>
-        <p:nvPicPr>
-          <p:cNvPr id="43" name="Picture 42"/>
-          <p:cNvPicPr>
-            <a:picLocks noChangeAspect="1"/>
-          </p:cNvPicPr>
-          <p:nvPr/>
-        </p:nvPicPr>
-        <p:blipFill>
-          <a:blip r:embed="rId4" cstate="print">
-            <a:extLst>
-              <a:ext uri="{28A0092B-C50C-407E-A947-70E740481C1C}">
-                <a14:useLocalDpi xmlns:a14="http://schemas.microsoft.com/office/drawing/2010/main" val="0"/>
-              </a:ext>
-            </a:extLst>
-          </a:blip>
-          <a:stretch>
-            <a:fillRect/>
-          </a:stretch>
-        </p:blipFill>
-        <p:spPr>
-          <a:xfrm>
-            <a:off x="1275004" y="1230379"/>
-            <a:ext cx="410482" cy="395431"/>
-          </a:xfrm>
-          <a:prstGeom prst="rect">
-            <a:avLst/>
-          </a:prstGeom>
-        </p:spPr>
-      </p:pic>
-      <p:pic>
-        <p:nvPicPr>
-          <p:cNvPr id="44" name="Picture 43"/>
-          <p:cNvPicPr>
-            <a:picLocks noChangeAspect="1"/>
-          </p:cNvPicPr>
-          <p:nvPr/>
-        </p:nvPicPr>
-        <p:blipFill>
-          <a:blip r:embed="rId4" cstate="print">
-            <a:extLst>
-              <a:ext uri="{28A0092B-C50C-407E-A947-70E740481C1C}">
-                <a14:useLocalDpi xmlns:a14="http://schemas.microsoft.com/office/drawing/2010/main" val="0"/>
-              </a:ext>
-            </a:extLst>
-          </a:blip>
-          <a:stretch>
-            <a:fillRect/>
-          </a:stretch>
-        </p:blipFill>
-        <p:spPr>
-          <a:xfrm>
-            <a:off x="5046960" y="971503"/>
-            <a:ext cx="410482" cy="395431"/>
-          </a:xfrm>
-          <a:prstGeom prst="rect">
-            <a:avLst/>
-          </a:prstGeom>
-        </p:spPr>
-      </p:pic>
-      <p:sp>
-        <p:nvSpPr>
-          <p:cNvPr id="2055" name="Rectangle 2054"/>
-          <p:cNvSpPr/>
-          <p:nvPr/>
-        </p:nvSpPr>
-        <p:spPr>
-          <a:xfrm>
-            <a:off x="1460835" y="4295553"/>
-            <a:ext cx="1615440" cy="474921"/>
-          </a:xfrm>
-          <a:prstGeom prst="rect">
-            <a:avLst/>
-          </a:prstGeom>
-          <a:solidFill>
-            <a:schemeClr val="tx1"/>
-          </a:solidFill>
-          <a:ln>
-            <a:solidFill>
-              <a:schemeClr val="tx1"/>
-            </a:solidFill>
-          </a:ln>
-        </p:spPr>
-        <p:style>
-          <a:lnRef idx="2">
-            <a:schemeClr val="accent1">
-              <a:shade val="50000"/>
-            </a:schemeClr>
-          </a:lnRef>
-          <a:fillRef idx="1">
-            <a:schemeClr val="accent1"/>
-          </a:fillRef>
-          <a:effectRef idx="0">
-            <a:schemeClr val="accent1"/>
-          </a:effectRef>
-          <a:fontRef idx="minor">
-            <a:schemeClr val="lt1"/>
-          </a:fontRef>
-        </p:style>
-        <p:txBody>
-          <a:bodyPr rtlCol="0" anchor="ctr"/>
-          <a:lstStyle/>
-          <a:p>
-            <a:pPr algn="ctr"/>
-            <a:endParaRPr lang="en-AU"/>
-          </a:p>
-        </p:txBody>
-      </p:sp>
-    </p:spTree>
-    <p:extLst>
-      <p:ext uri="{BB962C8B-B14F-4D97-AF65-F5344CB8AC3E}">
-        <p14:creationId xmlns:p14="http://schemas.microsoft.com/office/powerpoint/2010/main" val="3765987082"/>
       </p:ext>
     </p:extLst>
   </p:cSld>

--- a/seminars/NCC-docker-14-07-2021/slides.pptx
+++ b/seminars/NCC-docker-14-07-2021/slides.pptx
@@ -6465,8 +6465,8 @@
         </p:nvSpPr>
         <p:spPr>
           <a:xfrm>
-            <a:off x="457200" y="49619"/>
-            <a:ext cx="8229600" cy="857250"/>
+            <a:off x="367496" y="49619"/>
+            <a:ext cx="8409008" cy="857250"/>
           </a:xfrm>
         </p:spPr>
         <p:txBody>
@@ -6477,7 +6477,11 @@
           <a:p>
             <a:r>
               <a:rPr lang="en-AU" dirty="0" smtClean="0"/>
-              <a:t>Why is Docker useful in this situation?</a:t>
+              <a:t>Why is Docker </a:t>
+            </a:r>
+            <a:r>
+              <a:rPr lang="en-AU" dirty="0" smtClean="0"/>
+              <a:t>useful for our web apps?</a:t>
             </a:r>
             <a:endParaRPr lang="en-AU" dirty="0"/>
           </a:p>
@@ -6495,8 +6499,8 @@
         </p:nvSpPr>
         <p:spPr>
           <a:xfrm>
-            <a:off x="5316280" y="1616147"/>
-            <a:ext cx="3434315" cy="2466753"/>
+            <a:off x="4572000" y="1628256"/>
+            <a:ext cx="4540102" cy="2466753"/>
           </a:xfrm>
         </p:spPr>
         <p:txBody>
@@ -6510,7 +6514,11 @@
             </a:pPr>
             <a:r>
               <a:rPr lang="en-AU" sz="5400" dirty="0" smtClean="0"/>
-              <a:t>Less work for you </a:t>
+              <a:t>Less </a:t>
+            </a:r>
+            <a:r>
+              <a:rPr lang="en-AU" sz="5400" dirty="0" smtClean="0"/>
+              <a:t>work for Ops/Admins </a:t>
             </a:r>
             <a:endParaRPr lang="en-AU" sz="5400" dirty="0"/>
           </a:p>
@@ -6524,7 +6532,7 @@
         </p:nvSpPr>
         <p:spPr>
           <a:xfrm>
-            <a:off x="4621619" y="1729563"/>
+            <a:off x="4283461" y="1628256"/>
             <a:ext cx="630866" cy="1569660"/>
           </a:xfrm>
           <a:prstGeom prst="rect">
@@ -6898,8 +6906,9 @@
           <a:p>
             <a:r>
               <a:rPr lang="en-AU" dirty="0" smtClean="0"/>
-              <a:t>Automatic updates</a:t>
-            </a:r>
+              <a:t>Continuous delivery</a:t>
+            </a:r>
+            <a:endParaRPr lang="en-AU" dirty="0" smtClean="0"/>
           </a:p>
           <a:p>
             <a:pPr lvl="1"/>
@@ -6949,7 +6958,7 @@
         </p:nvSpPr>
         <p:spPr>
           <a:xfrm>
-            <a:off x="2288760" y="33135"/>
+            <a:off x="2219327" y="-27228"/>
             <a:ext cx="4060887" cy="857250"/>
           </a:xfrm>
         </p:spPr>
@@ -6973,7 +6982,7 @@
         </p:nvSpPr>
         <p:spPr>
           <a:xfrm>
-            <a:off x="0" y="76016"/>
+            <a:off x="-22979" y="68003"/>
             <a:ext cx="2120971" cy="523220"/>
           </a:xfrm>
           <a:prstGeom prst="rect">
@@ -7145,7 +7154,7 @@
         </p:nvSpPr>
         <p:spPr>
           <a:xfrm>
-            <a:off x="5199358" y="1811470"/>
+            <a:off x="5338049" y="1174386"/>
             <a:ext cx="2449441" cy="461665"/>
           </a:xfrm>
           <a:prstGeom prst="rect">
@@ -7183,7 +7192,7 @@
         </p:nvSpPr>
         <p:spPr>
           <a:xfrm>
-            <a:off x="8131851" y="2534200"/>
+            <a:off x="8004614" y="319963"/>
             <a:ext cx="909221" cy="523220"/>
           </a:xfrm>
           <a:prstGeom prst="rect">
@@ -7259,7 +7268,7 @@
         </p:nvSpPr>
         <p:spPr>
           <a:xfrm>
-            <a:off x="5609977" y="3902853"/>
+            <a:off x="5667473" y="2034976"/>
             <a:ext cx="1824403" cy="707886"/>
           </a:xfrm>
           <a:prstGeom prst="rect">
@@ -7312,8 +7321,8 @@
         </p:blipFill>
         <p:spPr bwMode="auto">
           <a:xfrm>
-            <a:off x="2065007" y="2757390"/>
-            <a:ext cx="1437443" cy="1145463"/>
+            <a:off x="2433605" y="3694496"/>
+            <a:ext cx="1153800" cy="919435"/>
           </a:xfrm>
           <a:prstGeom prst="rect">
             <a:avLst/>
@@ -7452,7 +7461,7 @@
         </p:nvSpPr>
         <p:spPr>
           <a:xfrm>
-            <a:off x="5595968" y="2589313"/>
+            <a:off x="5660468" y="4016864"/>
             <a:ext cx="1838413" cy="400110"/>
           </a:xfrm>
           <a:prstGeom prst="rect">
@@ -7490,8 +7499,8 @@
         </p:nvSpPr>
         <p:spPr>
           <a:xfrm>
-            <a:off x="3225258" y="2315493"/>
-            <a:ext cx="2109159" cy="461665"/>
+            <a:off x="3447204" y="3582586"/>
+            <a:ext cx="1949719" cy="461665"/>
           </a:xfrm>
           <a:prstGeom prst="rect">
             <a:avLst/>
@@ -7529,7 +7538,7 @@
         </p:nvSpPr>
         <p:spPr>
           <a:xfrm>
-            <a:off x="5786719" y="3219461"/>
+            <a:off x="5713516" y="3358242"/>
             <a:ext cx="1994151" cy="461665"/>
           </a:xfrm>
           <a:prstGeom prst="rect">
@@ -7567,7 +7576,7 @@
         </p:nvSpPr>
         <p:spPr>
           <a:xfrm>
-            <a:off x="7048436" y="494584"/>
+            <a:off x="5580725" y="-27228"/>
             <a:ext cx="1866423" cy="523220"/>
           </a:xfrm>
           <a:prstGeom prst="rect">
@@ -7605,8 +7614,8 @@
         </p:nvSpPr>
         <p:spPr>
           <a:xfrm>
-            <a:off x="7048436" y="1023375"/>
-            <a:ext cx="1590054" cy="461665"/>
+            <a:off x="5495125" y="373585"/>
+            <a:ext cx="1594186" cy="470973"/>
           </a:xfrm>
           <a:prstGeom prst="rect">
             <a:avLst/>
@@ -7643,8 +7652,8 @@
         </p:nvSpPr>
         <p:spPr>
           <a:xfrm>
-            <a:off x="5168410" y="1757988"/>
-            <a:ext cx="2438053" cy="3027411"/>
+            <a:off x="5343744" y="1132929"/>
+            <a:ext cx="2438053" cy="3481002"/>
           </a:xfrm>
           <a:prstGeom prst="rect">
             <a:avLst/>
@@ -7690,7 +7699,7 @@
         </p:nvSpPr>
         <p:spPr>
           <a:xfrm>
-            <a:off x="7645768" y="4200094"/>
+            <a:off x="7745059" y="696432"/>
             <a:ext cx="1432560" cy="830997"/>
           </a:xfrm>
           <a:prstGeom prst="rect">
@@ -7837,8 +7846,8 @@
         </p:nvCxnSpPr>
         <p:spPr>
           <a:xfrm flipV="1">
-            <a:off x="3184816" y="2777158"/>
-            <a:ext cx="2260786" cy="32871"/>
+            <a:off x="3562343" y="4170729"/>
+            <a:ext cx="1659310" cy="1"/>
           </a:xfrm>
           <a:prstGeom prst="straightConnector1">
             <a:avLst/>
@@ -7873,8 +7882,8 @@
         </p:nvCxnSpPr>
         <p:spPr>
           <a:xfrm flipH="1">
-            <a:off x="6802960" y="912389"/>
-            <a:ext cx="301169" cy="671940"/>
+            <a:off x="6837680" y="508588"/>
+            <a:ext cx="349913" cy="841840"/>
           </a:xfrm>
           <a:prstGeom prst="straightConnector1">
             <a:avLst/>
@@ -7908,9 +7917,9 @@
           <p:nvPr/>
         </p:nvCxnSpPr>
         <p:spPr>
-          <a:xfrm>
-            <a:off x="5757737" y="3067676"/>
-            <a:ext cx="0" cy="765237"/>
+          <a:xfrm flipV="1">
+            <a:off x="5639388" y="2873430"/>
+            <a:ext cx="127307" cy="939990"/>
           </a:xfrm>
           <a:prstGeom prst="straightConnector1">
             <a:avLst/>
@@ -7940,18 +7949,258 @@
       <p:cxnSp>
         <p:nvCxnSpPr>
           <p:cNvPr id="39" name="Elbow Connector 38"/>
+          <p:cNvCxnSpPr>
+            <a:stCxn id="21510" idx="2"/>
+            <a:endCxn id="18" idx="3"/>
+          </p:cNvCxnSpPr>
+          <p:nvPr/>
+        </p:nvCxnSpPr>
+        <p:spPr>
+          <a:xfrm rot="5400000">
+            <a:off x="7545863" y="1473443"/>
+            <a:ext cx="861490" cy="969463"/>
+          </a:xfrm>
+          <a:prstGeom prst="bentConnector2">
+            <a:avLst/>
+          </a:prstGeom>
+          <a:ln w="57150">
+            <a:solidFill>
+              <a:schemeClr val="tx1"/>
+            </a:solidFill>
+            <a:tailEnd type="triangle"/>
+          </a:ln>
+        </p:spPr>
+        <p:style>
+          <a:lnRef idx="1">
+            <a:schemeClr val="accent1"/>
+          </a:lnRef>
+          <a:fillRef idx="0">
+            <a:schemeClr val="accent1"/>
+          </a:fillRef>
+          <a:effectRef idx="0">
+            <a:schemeClr val="accent1"/>
+          </a:effectRef>
+          <a:fontRef idx="minor">
+            <a:schemeClr val="tx1"/>
+          </a:fontRef>
+        </p:style>
+      </p:cxnSp>
+      <p:sp>
+        <p:nvSpPr>
+          <p:cNvPr id="32" name="Rectangle 31"/>
+          <p:cNvSpPr/>
+          <p:nvPr/>
+        </p:nvSpPr>
+        <p:spPr>
+          <a:xfrm>
+            <a:off x="2755705" y="1605847"/>
+            <a:ext cx="1861693" cy="1304950"/>
+          </a:xfrm>
+          <a:prstGeom prst="rect">
+            <a:avLst/>
+          </a:prstGeom>
+          <a:noFill/>
+          <a:ln>
+            <a:solidFill>
+              <a:schemeClr val="tx1"/>
+            </a:solidFill>
+            <a:prstDash val="dash"/>
+          </a:ln>
+        </p:spPr>
+        <p:style>
+          <a:lnRef idx="2">
+            <a:schemeClr val="accent1">
+              <a:shade val="50000"/>
+            </a:schemeClr>
+          </a:lnRef>
+          <a:fillRef idx="1">
+            <a:schemeClr val="accent1"/>
+          </a:fillRef>
+          <a:effectRef idx="0">
+            <a:schemeClr val="accent1"/>
+          </a:effectRef>
+          <a:fontRef idx="minor">
+            <a:schemeClr val="lt1"/>
+          </a:fontRef>
+        </p:style>
+        <p:txBody>
+          <a:bodyPr rtlCol="0" anchor="ctr"/>
+          <a:lstStyle/>
+          <a:p>
+            <a:pPr algn="ctr"/>
+            <a:endParaRPr lang="en-AU"/>
+          </a:p>
+        </p:txBody>
+      </p:sp>
+      <p:sp>
+        <p:nvSpPr>
+          <p:cNvPr id="33" name="TextBox 32"/>
+          <p:cNvSpPr txBox="1"/>
+          <p:nvPr/>
+        </p:nvSpPr>
+        <p:spPr>
+          <a:xfrm>
+            <a:off x="2200896" y="720505"/>
+            <a:ext cx="1792222" cy="461665"/>
+          </a:xfrm>
+          <a:prstGeom prst="rect">
+            <a:avLst/>
+          </a:prstGeom>
+          <a:noFill/>
+        </p:spPr>
+        <p:txBody>
+          <a:bodyPr wrap="none" rtlCol="0">
+            <a:spAutoFit/>
+          </a:bodyPr>
+          <a:lstStyle/>
+          <a:p>
+            <a:r>
+              <a:rPr lang="en-AU" sz="2400" dirty="0" smtClean="0">
+                <a:solidFill>
+                  <a:srgbClr val="00B050"/>
+                </a:solidFill>
+              </a:rPr>
+              <a:t>u</a:t>
+            </a:r>
+            <a:r>
+              <a:rPr lang="en-AU" sz="2400" dirty="0" smtClean="0">
+                <a:solidFill>
+                  <a:srgbClr val="00B050"/>
+                </a:solidFill>
+              </a:rPr>
+              <a:t>ploads data</a:t>
+            </a:r>
+            <a:endParaRPr lang="en-AU" sz="2400" dirty="0">
+              <a:solidFill>
+                <a:srgbClr val="00B050"/>
+              </a:solidFill>
+            </a:endParaRPr>
+          </a:p>
+        </p:txBody>
+      </p:sp>
+      <p:sp>
+        <p:nvSpPr>
+          <p:cNvPr id="9" name="TextBox 8"/>
+          <p:cNvSpPr txBox="1"/>
+          <p:nvPr/>
+        </p:nvSpPr>
+        <p:spPr>
+          <a:xfrm>
+            <a:off x="3048532" y="1675313"/>
+            <a:ext cx="1247079" cy="461665"/>
+          </a:xfrm>
+          <a:prstGeom prst="rect">
+            <a:avLst/>
+          </a:prstGeom>
+          <a:noFill/>
+        </p:spPr>
+        <p:txBody>
+          <a:bodyPr wrap="square" rtlCol="0">
+            <a:spAutoFit/>
+          </a:bodyPr>
+          <a:lstStyle/>
+          <a:p>
+            <a:r>
+              <a:rPr lang="en-AU" sz="2400" b="1" dirty="0" smtClean="0">
+                <a:solidFill>
+                  <a:schemeClr val="accent4">
+                    <a:lumMod val="60000"/>
+                    <a:lumOff val="40000"/>
+                  </a:schemeClr>
+                </a:solidFill>
+              </a:rPr>
+              <a:t>Volume</a:t>
+            </a:r>
+            <a:endParaRPr lang="en-AU" sz="2400" b="1" dirty="0">
+              <a:solidFill>
+                <a:schemeClr val="accent4">
+                  <a:lumMod val="60000"/>
+                  <a:lumOff val="40000"/>
+                </a:schemeClr>
+              </a:solidFill>
+            </a:endParaRPr>
+          </a:p>
+        </p:txBody>
+      </p:sp>
+      <p:pic>
+        <p:nvPicPr>
+          <p:cNvPr id="10" name="Picture 9"/>
+          <p:cNvPicPr>
+            <a:picLocks noChangeAspect="1"/>
+          </p:cNvPicPr>
+          <p:nvPr/>
+        </p:nvPicPr>
+        <p:blipFill>
+          <a:blip r:embed="rId3" cstate="print">
+            <a:extLst>
+              <a:ext uri="{28A0092B-C50C-407E-A947-70E740481C1C}">
+                <a14:useLocalDpi xmlns:a14="http://schemas.microsoft.com/office/drawing/2010/main" val="0"/>
+              </a:ext>
+            </a:extLst>
+          </a:blip>
+          <a:stretch>
+            <a:fillRect/>
+          </a:stretch>
+        </p:blipFill>
+        <p:spPr>
+          <a:xfrm>
+            <a:off x="3321955" y="2105417"/>
+            <a:ext cx="566852" cy="646503"/>
+          </a:xfrm>
+          <a:prstGeom prst="rect">
+            <a:avLst/>
+          </a:prstGeom>
+        </p:spPr>
+      </p:pic>
+      <p:cxnSp>
+        <p:nvCxnSpPr>
+          <p:cNvPr id="42" name="Straight Arrow Connector 41"/>
           <p:cNvCxnSpPr/>
           <p:nvPr/>
         </p:nvCxnSpPr>
         <p:spPr>
-          <a:xfrm rot="10800000" flipV="1">
-            <a:off x="6886423" y="3042234"/>
-            <a:ext cx="1629936" cy="1157860"/>
-          </a:xfrm>
-          <a:prstGeom prst="bentConnector3">
-            <a:avLst>
-              <a:gd name="adj1" fmla="val 1001"/>
-            </a:avLst>
+          <a:xfrm>
+            <a:off x="1855478" y="555979"/>
+            <a:ext cx="1346670" cy="1832940"/>
+          </a:xfrm>
+          <a:prstGeom prst="straightConnector1">
+            <a:avLst/>
+          </a:prstGeom>
+          <a:ln w="57150">
+            <a:solidFill>
+              <a:schemeClr val="tx1"/>
+            </a:solidFill>
+            <a:tailEnd type="triangle"/>
+          </a:ln>
+        </p:spPr>
+        <p:style>
+          <a:lnRef idx="1">
+            <a:schemeClr val="accent1"/>
+          </a:lnRef>
+          <a:fillRef idx="0">
+            <a:schemeClr val="accent1"/>
+          </a:fillRef>
+          <a:effectRef idx="0">
+            <a:schemeClr val="accent1"/>
+          </a:effectRef>
+          <a:fontRef idx="minor">
+            <a:schemeClr val="tx1"/>
+          </a:fontRef>
+        </p:style>
+      </p:cxnSp>
+      <p:cxnSp>
+        <p:nvCxnSpPr>
+          <p:cNvPr id="48" name="Straight Arrow Connector 47"/>
+          <p:cNvCxnSpPr/>
+          <p:nvPr/>
+        </p:nvCxnSpPr>
+        <p:spPr>
+          <a:xfrm>
+            <a:off x="4058362" y="2420816"/>
+            <a:ext cx="1522363" cy="7852"/>
+          </a:xfrm>
+          <a:prstGeom prst="straightConnector1">
+            <a:avLst/>
           </a:prstGeom>
           <a:ln w="57150">
             <a:solidFill>
@@ -8015,7 +8264,12 @@
             <p:ph type="ctrTitle"/>
           </p:nvPr>
         </p:nvSpPr>
-        <p:spPr/>
+        <p:spPr>
+          <a:xfrm>
+            <a:off x="685800" y="754302"/>
+            <a:ext cx="7772400" cy="1677009"/>
+          </a:xfrm>
+        </p:spPr>
         <p:txBody>
           <a:bodyPr>
             <a:noAutofit/>
@@ -8023,10 +8277,46 @@
           <a:lstStyle/>
           <a:p>
             <a:r>
-              <a:rPr lang="en-AU" sz="16600" dirty="0" smtClean="0"/>
+              <a:rPr lang="en-AU" sz="8800" dirty="0" smtClean="0"/>
               <a:t>Demo</a:t>
             </a:r>
-            <a:endParaRPr lang="en-AU" sz="16600" dirty="0"/>
+            <a:endParaRPr lang="en-AU" sz="8800" dirty="0"/>
+          </a:p>
+        </p:txBody>
+      </p:sp>
+      <p:sp>
+        <p:nvSpPr>
+          <p:cNvPr id="3" name="TextBox 2"/>
+          <p:cNvSpPr txBox="1"/>
+          <p:nvPr/>
+        </p:nvSpPr>
+        <p:spPr>
+          <a:xfrm>
+            <a:off x="347331" y="3444949"/>
+            <a:ext cx="8449339" cy="584775"/>
+          </a:xfrm>
+          <a:prstGeom prst="rect">
+            <a:avLst/>
+          </a:prstGeom>
+          <a:noFill/>
+        </p:spPr>
+        <p:txBody>
+          <a:bodyPr wrap="square" rtlCol="0">
+            <a:spAutoFit/>
+          </a:bodyPr>
+          <a:lstStyle/>
+          <a:p>
+            <a:r>
+              <a:rPr lang="en-AU" sz="3200" dirty="0">
+                <a:solidFill>
+                  <a:schemeClr val="bg2">
+                    <a:lumMod val="40000"/>
+                    <a:lumOff val="60000"/>
+                  </a:schemeClr>
+                </a:solidFill>
+              </a:rPr>
+              <a:t>https://github.com/NCC-CNC/shiny-docker-demo</a:t>
+            </a:r>
           </a:p>
         </p:txBody>
       </p:sp>

--- a/seminars/NCC-docker-14-07-2021/slides.pptx
+++ b/seminars/NCC-docker-14-07-2021/slides.pptx
@@ -6477,11 +6477,7 @@
           <a:p>
             <a:r>
               <a:rPr lang="en-AU" dirty="0" smtClean="0"/>
-              <a:t>Why is Docker </a:t>
-            </a:r>
-            <a:r>
-              <a:rPr lang="en-AU" dirty="0" smtClean="0"/>
-              <a:t>useful for our web apps?</a:t>
+              <a:t>Why is Docker useful for our web apps?</a:t>
             </a:r>
             <a:endParaRPr lang="en-AU" dirty="0"/>
           </a:p>
@@ -6514,11 +6510,7 @@
             </a:pPr>
             <a:r>
               <a:rPr lang="en-AU" sz="5400" dirty="0" smtClean="0"/>
-              <a:t>Less </a:t>
-            </a:r>
-            <a:r>
-              <a:rPr lang="en-AU" sz="5400" dirty="0" smtClean="0"/>
-              <a:t>work for Ops/Admins </a:t>
+              <a:t>Less work for Ops/Admins </a:t>
             </a:r>
             <a:endParaRPr lang="en-AU" sz="5400" dirty="0"/>
           </a:p>
@@ -6908,7 +6900,6 @@
               <a:rPr lang="en-AU" dirty="0" smtClean="0"/>
               <a:t>Continuous delivery</a:t>
             </a:r>
-            <a:endParaRPr lang="en-AU" dirty="0" smtClean="0"/>
           </a:p>
           <a:p>
             <a:pPr lvl="1"/>
@@ -6958,7 +6949,7 @@
         </p:nvSpPr>
         <p:spPr>
           <a:xfrm>
-            <a:off x="2219327" y="-27228"/>
+            <a:off x="1861490" y="-90348"/>
             <a:ext cx="4060887" cy="857250"/>
           </a:xfrm>
         </p:spPr>
@@ -8060,15 +8051,7 @@
                   <a:srgbClr val="00B050"/>
                 </a:solidFill>
               </a:rPr>
-              <a:t>u</a:t>
-            </a:r>
-            <a:r>
-              <a:rPr lang="en-AU" sz="2400" dirty="0" smtClean="0">
-                <a:solidFill>
-                  <a:srgbClr val="00B050"/>
-                </a:solidFill>
-              </a:rPr>
-              <a:t>ploads data</a:t>
+              <a:t>uploads data</a:t>
             </a:r>
             <a:endParaRPr lang="en-AU" sz="2400" dirty="0">
               <a:solidFill>
